--- a/assets/files/Tema3/3. Técnicas de validación.pptx
+++ b/assets/files/Tema3/3. Técnicas de validación.pptx
@@ -7934,6 +7934,285 @@
 </file>
 
 <file path=ppt/theme/theme1.xml><?xml version="1.0" encoding="utf-8"?>
+<a:theme xmlns:a="http://schemas.openxmlformats.org/drawingml/2006/main" xmlns:r="http://schemas.openxmlformats.org/officeDocument/2006/relationships" name="Beach Day">
+  <a:themeElements>
+    <a:clrScheme name="Beach Day">
+      <a:dk1>
+        <a:srgbClr val="00FDC8"/>
+      </a:dk1>
+      <a:lt1>
+        <a:srgbClr val="FFFFFF"/>
+      </a:lt1>
+      <a:dk2>
+        <a:srgbClr val="666666"/>
+      </a:dk2>
+      <a:lt2>
+        <a:srgbClr val="EEEEEE"/>
+      </a:lt2>
+      <a:accent1>
+        <a:srgbClr val="212121"/>
+      </a:accent1>
+      <a:accent2>
+        <a:srgbClr val="455A64"/>
+      </a:accent2>
+      <a:accent3>
+        <a:srgbClr val="78909C"/>
+      </a:accent3>
+      <a:accent4>
+        <a:srgbClr val="7C7CE0"/>
+      </a:accent4>
+      <a:accent5>
+        <a:srgbClr val="DB4437"/>
+      </a:accent5>
+      <a:accent6>
+        <a:srgbClr val="F6CD4C"/>
+      </a:accent6>
+      <a:hlink>
+        <a:srgbClr val="DB4437"/>
+      </a:hlink>
+      <a:folHlink>
+        <a:srgbClr val="DB4437"/>
+      </a:folHlink>
+    </a:clrScheme>
+    <a:fontScheme name="Office">
+      <a:majorFont>
+        <a:latin typeface="Arial"/>
+        <a:ea typeface=""/>
+        <a:cs typeface=""/>
+        <a:font script="Jpan" typeface="ＭＳ Ｐゴシック"/>
+        <a:font script="Hang" typeface="맑은 고딕"/>
+        <a:font script="Hans" typeface="宋体"/>
+        <a:font script="Hant" typeface="新細明體"/>
+        <a:font script="Arab" typeface="Times New Roman"/>
+        <a:font script="Hebr" typeface="Times New Roman"/>
+        <a:font script="Thai" typeface="Angsana New"/>
+        <a:font script="Ethi" typeface="Nyala"/>
+        <a:font script="Beng" typeface="Vrinda"/>
+        <a:font script="Gujr" typeface="Shruti"/>
+        <a:font script="Khmr" typeface="MoolBoran"/>
+        <a:font script="Knda" typeface="Tunga"/>
+        <a:font script="Guru" typeface="Raavi"/>
+        <a:font script="Cans" typeface="Euphemia"/>
+        <a:font script="Cher" typeface="Plantagenet Cherokee"/>
+        <a:font script="Yiii" typeface="Microsoft Yi Baiti"/>
+        <a:font script="Tibt" typeface="Microsoft Himalaya"/>
+        <a:font script="Thaa" typeface="MV Boli"/>
+        <a:font script="Deva" typeface="Mangal"/>
+        <a:font script="Telu" typeface="Gautami"/>
+        <a:font script="Taml" typeface="Latha"/>
+        <a:font script="Syrc" typeface="Estrangelo Edessa"/>
+        <a:font script="Orya" typeface="Kalinga"/>
+        <a:font script="Mlym" typeface="Kartika"/>
+        <a:font script="Laoo" typeface="DokChampa"/>
+        <a:font script="Sinh" typeface="Iskoola Pota"/>
+        <a:font script="Mong" typeface="Mongolian Baiti"/>
+        <a:font script="Viet" typeface="Times New Roman"/>
+        <a:font script="Uigh" typeface="Microsoft Uighur"/>
+        <a:font script="Geor" typeface="Sylfaen"/>
+      </a:majorFont>
+      <a:minorFont>
+        <a:latin typeface="Arial"/>
+        <a:ea typeface=""/>
+        <a:cs typeface=""/>
+        <a:font script="Jpan" typeface="ＭＳ Ｐゴシック"/>
+        <a:font script="Hang" typeface="맑은 고딕"/>
+        <a:font script="Hans" typeface="宋体"/>
+        <a:font script="Hant" typeface="新細明體"/>
+        <a:font script="Arab" typeface="Arial"/>
+        <a:font script="Hebr" typeface="Arial"/>
+        <a:font script="Thai" typeface="Cordia New"/>
+        <a:font script="Ethi" typeface="Nyala"/>
+        <a:font script="Beng" typeface="Vrinda"/>
+        <a:font script="Gujr" typeface="Shruti"/>
+        <a:font script="Khmr" typeface="DaunPenh"/>
+        <a:font script="Knda" typeface="Tunga"/>
+        <a:font script="Guru" typeface="Raavi"/>
+        <a:font script="Cans" typeface="Euphemia"/>
+        <a:font script="Cher" typeface="Plantagenet Cherokee"/>
+        <a:font script="Yiii" typeface="Microsoft Yi Baiti"/>
+        <a:font script="Tibt" typeface="Microsoft Himalaya"/>
+        <a:font script="Thaa" typeface="MV Boli"/>
+        <a:font script="Deva" typeface="Mangal"/>
+        <a:font script="Telu" typeface="Gautami"/>
+        <a:font script="Taml" typeface="Latha"/>
+        <a:font script="Syrc" typeface="Estrangelo Edessa"/>
+        <a:font script="Orya" typeface="Kalinga"/>
+        <a:font script="Mlym" typeface="Kartika"/>
+        <a:font script="Laoo" typeface="DokChampa"/>
+        <a:font script="Sinh" typeface="Iskoola Pota"/>
+        <a:font script="Mong" typeface="Mongolian Baiti"/>
+        <a:font script="Viet" typeface="Arial"/>
+        <a:font script="Uigh" typeface="Microsoft Uighur"/>
+        <a:font script="Geor" typeface="Sylfaen"/>
+      </a:minorFont>
+    </a:fontScheme>
+    <a:fmtScheme name="Office">
+      <a:fillStyleLst>
+        <a:solidFill>
+          <a:schemeClr val="phClr"/>
+        </a:solidFill>
+        <a:gradFill rotWithShape="1">
+          <a:gsLst>
+            <a:gs pos="0">
+              <a:schemeClr val="phClr">
+                <a:tint val="50000"/>
+                <a:satMod val="300000"/>
+              </a:schemeClr>
+            </a:gs>
+            <a:gs pos="35000">
+              <a:schemeClr val="phClr">
+                <a:tint val="37000"/>
+                <a:satMod val="300000"/>
+              </a:schemeClr>
+            </a:gs>
+            <a:gs pos="100000">
+              <a:schemeClr val="phClr">
+                <a:tint val="15000"/>
+                <a:satMod val="350000"/>
+              </a:schemeClr>
+            </a:gs>
+          </a:gsLst>
+          <a:lin ang="16200000" scaled="1"/>
+        </a:gradFill>
+        <a:gradFill rotWithShape="1">
+          <a:gsLst>
+            <a:gs pos="0">
+              <a:schemeClr val="phClr">
+                <a:tint val="100000"/>
+                <a:shade val="100000"/>
+                <a:satMod val="130000"/>
+              </a:schemeClr>
+            </a:gs>
+            <a:gs pos="100000">
+              <a:schemeClr val="phClr">
+                <a:tint val="50000"/>
+                <a:shade val="100000"/>
+                <a:satMod val="350000"/>
+              </a:schemeClr>
+            </a:gs>
+          </a:gsLst>
+          <a:lin ang="16200000" scaled="0"/>
+        </a:gradFill>
+      </a:fillStyleLst>
+      <a:lnStyleLst>
+        <a:ln w="9525" cap="flat" cmpd="sng" algn="ctr">
+          <a:solidFill>
+            <a:schemeClr val="phClr">
+              <a:shade val="95000"/>
+              <a:satMod val="105000"/>
+            </a:schemeClr>
+          </a:solidFill>
+          <a:prstDash val="solid"/>
+        </a:ln>
+        <a:ln w="25400" cap="flat" cmpd="sng" algn="ctr">
+          <a:solidFill>
+            <a:schemeClr val="phClr"/>
+          </a:solidFill>
+          <a:prstDash val="solid"/>
+        </a:ln>
+        <a:ln w="38100" cap="flat" cmpd="sng" algn="ctr">
+          <a:solidFill>
+            <a:schemeClr val="phClr"/>
+          </a:solidFill>
+          <a:prstDash val="solid"/>
+        </a:ln>
+      </a:lnStyleLst>
+      <a:effectStyleLst>
+        <a:effectStyle>
+          <a:effectLst>
+            <a:outerShdw blurRad="40000" dist="20000" dir="5400000" rotWithShape="0">
+              <a:srgbClr val="000000">
+                <a:alpha val="38000"/>
+              </a:srgbClr>
+            </a:outerShdw>
+          </a:effectLst>
+        </a:effectStyle>
+        <a:effectStyle>
+          <a:effectLst>
+            <a:outerShdw blurRad="40000" dist="23000" dir="5400000" rotWithShape="0">
+              <a:srgbClr val="000000">
+                <a:alpha val="35000"/>
+              </a:srgbClr>
+            </a:outerShdw>
+          </a:effectLst>
+        </a:effectStyle>
+        <a:effectStyle>
+          <a:effectLst>
+            <a:outerShdw blurRad="40000" dist="23000" dir="5400000" rotWithShape="0">
+              <a:srgbClr val="000000">
+                <a:alpha val="35000"/>
+              </a:srgbClr>
+            </a:outerShdw>
+          </a:effectLst>
+          <a:scene3d>
+            <a:camera prst="orthographicFront">
+              <a:rot lat="0" lon="0" rev="0"/>
+            </a:camera>
+            <a:lightRig rig="threePt" dir="t">
+              <a:rot lat="0" lon="0" rev="1200000"/>
+            </a:lightRig>
+          </a:scene3d>
+          <a:sp3d>
+            <a:bevelT w="63500" h="25400"/>
+          </a:sp3d>
+        </a:effectStyle>
+      </a:effectStyleLst>
+      <a:bgFillStyleLst>
+        <a:solidFill>
+          <a:schemeClr val="phClr"/>
+        </a:solidFill>
+        <a:gradFill rotWithShape="1">
+          <a:gsLst>
+            <a:gs pos="0">
+              <a:schemeClr val="phClr">
+                <a:tint val="40000"/>
+                <a:satMod val="350000"/>
+              </a:schemeClr>
+            </a:gs>
+            <a:gs pos="40000">
+              <a:schemeClr val="phClr">
+                <a:tint val="45000"/>
+                <a:shade val="99000"/>
+                <a:satMod val="350000"/>
+              </a:schemeClr>
+            </a:gs>
+            <a:gs pos="100000">
+              <a:schemeClr val="phClr">
+                <a:shade val="20000"/>
+                <a:satMod val="255000"/>
+              </a:schemeClr>
+            </a:gs>
+          </a:gsLst>
+          <a:path path="circle">
+            <a:fillToRect l="50000" t="-80000" r="50000" b="180000"/>
+          </a:path>
+        </a:gradFill>
+        <a:gradFill rotWithShape="1">
+          <a:gsLst>
+            <a:gs pos="0">
+              <a:schemeClr val="phClr">
+                <a:tint val="80000"/>
+                <a:satMod val="300000"/>
+              </a:schemeClr>
+            </a:gs>
+            <a:gs pos="100000">
+              <a:schemeClr val="phClr">
+                <a:shade val="30000"/>
+                <a:satMod val="200000"/>
+              </a:schemeClr>
+            </a:gs>
+          </a:gsLst>
+          <a:path path="circle">
+            <a:fillToRect l="50000" t="50000" r="50000" b="50000"/>
+          </a:path>
+        </a:gradFill>
+      </a:bgFillStyleLst>
+    </a:fmtScheme>
+  </a:themeElements>
+</a:theme>
+</file>
+
+<file path=ppt/theme/theme2.xml><?xml version="1.0" encoding="utf-8"?>
 <a:theme xmlns:a="http://schemas.openxmlformats.org/drawingml/2006/main" xmlns:r="http://schemas.openxmlformats.org/officeDocument/2006/relationships">
   <a:themeElements>
     <a:clrScheme name="Default">
@@ -8210,283 +8489,4 @@
     </a:fmtScheme>
   </a:themeElements>
 </a:theme>
-</file>
-
-<file path=ppt/theme/theme2.xml><?xml version="1.0" encoding="utf-8"?>
-<a:theme xmlns:a="http://schemas.openxmlformats.org/drawingml/2006/main" xmlns:r="http://schemas.openxmlformats.org/officeDocument/2006/relationships" name="Beach Day">
-  <a:themeElements>
-    <a:clrScheme name="Beach Day">
-      <a:dk1>
-        <a:srgbClr val="00FDC8"/>
-      </a:dk1>
-      <a:lt1>
-        <a:srgbClr val="FFFFFF"/>
-      </a:lt1>
-      <a:dk2>
-        <a:srgbClr val="666666"/>
-      </a:dk2>
-      <a:lt2>
-        <a:srgbClr val="EEEEEE"/>
-      </a:lt2>
-      <a:accent1>
-        <a:srgbClr val="212121"/>
-      </a:accent1>
-      <a:accent2>
-        <a:srgbClr val="455A64"/>
-      </a:accent2>
-      <a:accent3>
-        <a:srgbClr val="78909C"/>
-      </a:accent3>
-      <a:accent4>
-        <a:srgbClr val="7C7CE0"/>
-      </a:accent4>
-      <a:accent5>
-        <a:srgbClr val="DB4437"/>
-      </a:accent5>
-      <a:accent6>
-        <a:srgbClr val="F6CD4C"/>
-      </a:accent6>
-      <a:hlink>
-        <a:srgbClr val="DB4437"/>
-      </a:hlink>
-      <a:folHlink>
-        <a:srgbClr val="DB4437"/>
-      </a:folHlink>
-    </a:clrScheme>
-    <a:fontScheme name="Office">
-      <a:majorFont>
-        <a:latin typeface="Arial"/>
-        <a:ea typeface=""/>
-        <a:cs typeface=""/>
-        <a:font script="Jpan" typeface="ＭＳ Ｐゴシック"/>
-        <a:font script="Hang" typeface="맑은 고딕"/>
-        <a:font script="Hans" typeface="宋体"/>
-        <a:font script="Hant" typeface="新細明體"/>
-        <a:font script="Arab" typeface="Times New Roman"/>
-        <a:font script="Hebr" typeface="Times New Roman"/>
-        <a:font script="Thai" typeface="Angsana New"/>
-        <a:font script="Ethi" typeface="Nyala"/>
-        <a:font script="Beng" typeface="Vrinda"/>
-        <a:font script="Gujr" typeface="Shruti"/>
-        <a:font script="Khmr" typeface="MoolBoran"/>
-        <a:font script="Knda" typeface="Tunga"/>
-        <a:font script="Guru" typeface="Raavi"/>
-        <a:font script="Cans" typeface="Euphemia"/>
-        <a:font script="Cher" typeface="Plantagenet Cherokee"/>
-        <a:font script="Yiii" typeface="Microsoft Yi Baiti"/>
-        <a:font script="Tibt" typeface="Microsoft Himalaya"/>
-        <a:font script="Thaa" typeface="MV Boli"/>
-        <a:font script="Deva" typeface="Mangal"/>
-        <a:font script="Telu" typeface="Gautami"/>
-        <a:font script="Taml" typeface="Latha"/>
-        <a:font script="Syrc" typeface="Estrangelo Edessa"/>
-        <a:font script="Orya" typeface="Kalinga"/>
-        <a:font script="Mlym" typeface="Kartika"/>
-        <a:font script="Laoo" typeface="DokChampa"/>
-        <a:font script="Sinh" typeface="Iskoola Pota"/>
-        <a:font script="Mong" typeface="Mongolian Baiti"/>
-        <a:font script="Viet" typeface="Times New Roman"/>
-        <a:font script="Uigh" typeface="Microsoft Uighur"/>
-        <a:font script="Geor" typeface="Sylfaen"/>
-      </a:majorFont>
-      <a:minorFont>
-        <a:latin typeface="Arial"/>
-        <a:ea typeface=""/>
-        <a:cs typeface=""/>
-        <a:font script="Jpan" typeface="ＭＳ Ｐゴシック"/>
-        <a:font script="Hang" typeface="맑은 고딕"/>
-        <a:font script="Hans" typeface="宋体"/>
-        <a:font script="Hant" typeface="新細明體"/>
-        <a:font script="Arab" typeface="Arial"/>
-        <a:font script="Hebr" typeface="Arial"/>
-        <a:font script="Thai" typeface="Cordia New"/>
-        <a:font script="Ethi" typeface="Nyala"/>
-        <a:font script="Beng" typeface="Vrinda"/>
-        <a:font script="Gujr" typeface="Shruti"/>
-        <a:font script="Khmr" typeface="DaunPenh"/>
-        <a:font script="Knda" typeface="Tunga"/>
-        <a:font script="Guru" typeface="Raavi"/>
-        <a:font script="Cans" typeface="Euphemia"/>
-        <a:font script="Cher" typeface="Plantagenet Cherokee"/>
-        <a:font script="Yiii" typeface="Microsoft Yi Baiti"/>
-        <a:font script="Tibt" typeface="Microsoft Himalaya"/>
-        <a:font script="Thaa" typeface="MV Boli"/>
-        <a:font script="Deva" typeface="Mangal"/>
-        <a:font script="Telu" typeface="Gautami"/>
-        <a:font script="Taml" typeface="Latha"/>
-        <a:font script="Syrc" typeface="Estrangelo Edessa"/>
-        <a:font script="Orya" typeface="Kalinga"/>
-        <a:font script="Mlym" typeface="Kartika"/>
-        <a:font script="Laoo" typeface="DokChampa"/>
-        <a:font script="Sinh" typeface="Iskoola Pota"/>
-        <a:font script="Mong" typeface="Mongolian Baiti"/>
-        <a:font script="Viet" typeface="Arial"/>
-        <a:font script="Uigh" typeface="Microsoft Uighur"/>
-        <a:font script="Geor" typeface="Sylfaen"/>
-      </a:minorFont>
-    </a:fontScheme>
-    <a:fmtScheme name="Office">
-      <a:fillStyleLst>
-        <a:solidFill>
-          <a:schemeClr val="phClr"/>
-        </a:solidFill>
-        <a:gradFill rotWithShape="1">
-          <a:gsLst>
-            <a:gs pos="0">
-              <a:schemeClr val="phClr">
-                <a:tint val="50000"/>
-                <a:satMod val="300000"/>
-              </a:schemeClr>
-            </a:gs>
-            <a:gs pos="35000">
-              <a:schemeClr val="phClr">
-                <a:tint val="37000"/>
-                <a:satMod val="300000"/>
-              </a:schemeClr>
-            </a:gs>
-            <a:gs pos="100000">
-              <a:schemeClr val="phClr">
-                <a:tint val="15000"/>
-                <a:satMod val="350000"/>
-              </a:schemeClr>
-            </a:gs>
-          </a:gsLst>
-          <a:lin ang="16200000" scaled="1"/>
-        </a:gradFill>
-        <a:gradFill rotWithShape="1">
-          <a:gsLst>
-            <a:gs pos="0">
-              <a:schemeClr val="phClr">
-                <a:tint val="100000"/>
-                <a:shade val="100000"/>
-                <a:satMod val="130000"/>
-              </a:schemeClr>
-            </a:gs>
-            <a:gs pos="100000">
-              <a:schemeClr val="phClr">
-                <a:tint val="50000"/>
-                <a:shade val="100000"/>
-                <a:satMod val="350000"/>
-              </a:schemeClr>
-            </a:gs>
-          </a:gsLst>
-          <a:lin ang="16200000" scaled="0"/>
-        </a:gradFill>
-      </a:fillStyleLst>
-      <a:lnStyleLst>
-        <a:ln w="9525" cap="flat" cmpd="sng" algn="ctr">
-          <a:solidFill>
-            <a:schemeClr val="phClr">
-              <a:shade val="95000"/>
-              <a:satMod val="105000"/>
-            </a:schemeClr>
-          </a:solidFill>
-          <a:prstDash val="solid"/>
-        </a:ln>
-        <a:ln w="25400" cap="flat" cmpd="sng" algn="ctr">
-          <a:solidFill>
-            <a:schemeClr val="phClr"/>
-          </a:solidFill>
-          <a:prstDash val="solid"/>
-        </a:ln>
-        <a:ln w="38100" cap="flat" cmpd="sng" algn="ctr">
-          <a:solidFill>
-            <a:schemeClr val="phClr"/>
-          </a:solidFill>
-          <a:prstDash val="solid"/>
-        </a:ln>
-      </a:lnStyleLst>
-      <a:effectStyleLst>
-        <a:effectStyle>
-          <a:effectLst>
-            <a:outerShdw blurRad="40000" dist="20000" dir="5400000" rotWithShape="0">
-              <a:srgbClr val="000000">
-                <a:alpha val="38000"/>
-              </a:srgbClr>
-            </a:outerShdw>
-          </a:effectLst>
-        </a:effectStyle>
-        <a:effectStyle>
-          <a:effectLst>
-            <a:outerShdw blurRad="40000" dist="23000" dir="5400000" rotWithShape="0">
-              <a:srgbClr val="000000">
-                <a:alpha val="35000"/>
-              </a:srgbClr>
-            </a:outerShdw>
-          </a:effectLst>
-        </a:effectStyle>
-        <a:effectStyle>
-          <a:effectLst>
-            <a:outerShdw blurRad="40000" dist="23000" dir="5400000" rotWithShape="0">
-              <a:srgbClr val="000000">
-                <a:alpha val="35000"/>
-              </a:srgbClr>
-            </a:outerShdw>
-          </a:effectLst>
-          <a:scene3d>
-            <a:camera prst="orthographicFront">
-              <a:rot lat="0" lon="0" rev="0"/>
-            </a:camera>
-            <a:lightRig rig="threePt" dir="t">
-              <a:rot lat="0" lon="0" rev="1200000"/>
-            </a:lightRig>
-          </a:scene3d>
-          <a:sp3d>
-            <a:bevelT w="63500" h="25400"/>
-          </a:sp3d>
-        </a:effectStyle>
-      </a:effectStyleLst>
-      <a:bgFillStyleLst>
-        <a:solidFill>
-          <a:schemeClr val="phClr"/>
-        </a:solidFill>
-        <a:gradFill rotWithShape="1">
-          <a:gsLst>
-            <a:gs pos="0">
-              <a:schemeClr val="phClr">
-                <a:tint val="40000"/>
-                <a:satMod val="350000"/>
-              </a:schemeClr>
-            </a:gs>
-            <a:gs pos="40000">
-              <a:schemeClr val="phClr">
-                <a:tint val="45000"/>
-                <a:shade val="99000"/>
-                <a:satMod val="350000"/>
-              </a:schemeClr>
-            </a:gs>
-            <a:gs pos="100000">
-              <a:schemeClr val="phClr">
-                <a:shade val="20000"/>
-                <a:satMod val="255000"/>
-              </a:schemeClr>
-            </a:gs>
-          </a:gsLst>
-          <a:path path="circle">
-            <a:fillToRect l="50000" t="-80000" r="50000" b="180000"/>
-          </a:path>
-        </a:gradFill>
-        <a:gradFill rotWithShape="1">
-          <a:gsLst>
-            <a:gs pos="0">
-              <a:schemeClr val="phClr">
-                <a:tint val="80000"/>
-                <a:satMod val="300000"/>
-              </a:schemeClr>
-            </a:gs>
-            <a:gs pos="100000">
-              <a:schemeClr val="phClr">
-                <a:shade val="30000"/>
-                <a:satMod val="200000"/>
-              </a:schemeClr>
-            </a:gs>
-          </a:gsLst>
-          <a:path path="circle">
-            <a:fillToRect l="50000" t="50000" r="50000" b="50000"/>
-          </a:path>
-        </a:gradFill>
-      </a:bgFillStyleLst>
-    </a:fmtScheme>
-  </a:themeElements>
-</a:theme>
 </file>
--- a/assets/files/Tema3/3. Técnicas de validación.pptx
+++ b/assets/files/Tema3/3. Técnicas de validación.pptx
@@ -15,21 +15,32 @@
     <p:sldId id="260" r:id="rId10"/>
     <p:sldId id="261" r:id="rId11"/>
     <p:sldId id="262" r:id="rId12"/>
+    <p:sldId id="263" r:id="rId13"/>
+    <p:sldId id="264" r:id="rId14"/>
+    <p:sldId id="265" r:id="rId15"/>
+    <p:sldId id="266" r:id="rId16"/>
+    <p:sldId id="267" r:id="rId17"/>
+    <p:sldId id="268" r:id="rId18"/>
+    <p:sldId id="269" r:id="rId19"/>
+    <p:sldId id="270" r:id="rId20"/>
+    <p:sldId id="271" r:id="rId21"/>
+    <p:sldId id="272" r:id="rId22"/>
+    <p:sldId id="273" r:id="rId23"/>
   </p:sldIdLst>
   <p:sldSz cy="5143500" cx="9144000"/>
   <p:notesSz cx="6858000" cy="9144000"/>
   <p:embeddedFontLst>
     <p:embeddedFont>
       <p:font typeface="Amatic SC"/>
-      <p:regular r:id="rId13"/>
-      <p:bold r:id="rId14"/>
+      <p:regular r:id="rId24"/>
+      <p:bold r:id="rId25"/>
     </p:embeddedFont>
     <p:embeddedFont>
       <p:font typeface="Source Code Pro"/>
-      <p:regular r:id="rId15"/>
-      <p:bold r:id="rId16"/>
-      <p:italic r:id="rId17"/>
-      <p:boldItalic r:id="rId18"/>
+      <p:regular r:id="rId26"/>
+      <p:bold r:id="rId27"/>
+      <p:italic r:id="rId28"/>
+      <p:boldItalic r:id="rId29"/>
     </p:embeddedFont>
   </p:embeddedFontLst>
   <p:defaultTextStyle>
@@ -805,12 +816,12 @@
 </p:notes>
 </file>
 
-<file path=ppt/notesSlides/notesSlide2.xml><?xml version="1.0" encoding="utf-8"?>
+<file path=ppt/notesSlides/notesSlide10.xml><?xml version="1.0" encoding="utf-8"?>
 <p:notes xmlns:a="http://schemas.openxmlformats.org/drawingml/2006/main" xmlns:r="http://schemas.openxmlformats.org/officeDocument/2006/relationships" xmlns:mc="http://schemas.openxmlformats.org/markup-compatibility/2006" xmlns:mv="urn:schemas-microsoft-com:mac:vml" xmlns:p="http://schemas.openxmlformats.org/presentationml/2006/main" xmlns:c="http://schemas.openxmlformats.org/drawingml/2006/chart" xmlns:dgm="http://schemas.openxmlformats.org/drawingml/2006/diagram" xmlns:o="urn:schemas-microsoft-com:office:office" xmlns:v="urn:schemas-microsoft-com:vml" xmlns:pvml="urn:schemas-microsoft-com:office:powerpoint" xmlns:com="http://schemas.openxmlformats.org/drawingml/2006/compatibility" xmlns:p14="http://schemas.microsoft.com/office/powerpoint/2010/main" xmlns:p15="http://schemas.microsoft.com/office/powerpoint/2012/main" xmlns:ahyp="http://schemas.microsoft.com/office/drawing/2018/hyperlinkcolor" showMasterPhAnim="0" showMasterSp="0">
   <p:cSld>
     <p:spTree>
       <p:nvGrpSpPr>
-        <p:cNvPr id="58" name="Shape 58"/>
+        <p:cNvPr id="119" name="Shape 119"/>
         <p:cNvGrpSpPr/>
         <p:nvPr/>
       </p:nvGrpSpPr>
@@ -824,7 +835,7 @@
       </p:grpSpPr>
       <p:sp>
         <p:nvSpPr>
-          <p:cNvPr id="59" name="Google Shape;59;gb024cd2ff8_0_47:notes"/>
+          <p:cNvPr id="120" name="Google Shape;120;gb1c0554b78_1_1:notes"/>
           <p:cNvSpPr/>
           <p:nvPr>
             <p:ph idx="2" type="sldImg"/>
@@ -832,8 +843,8 @@
         </p:nvSpPr>
         <p:spPr>
           <a:xfrm>
-            <a:off x="381300" y="685800"/>
-            <a:ext cx="6096000" cy="3429000"/>
+            <a:off x="381188" y="685800"/>
+            <a:ext cx="6096300" cy="3429000"/>
           </a:xfrm>
           <a:custGeom>
             <a:rect b="b" l="l" r="r" t="t"/>
@@ -859,7 +870,898 @@
       </p:sp>
       <p:sp>
         <p:nvSpPr>
-          <p:cNvPr id="60" name="Google Shape;60;gb024cd2ff8_0_47:notes"/>
+          <p:cNvPr id="121" name="Google Shape;121;gb1c0554b78_1_1:notes"/>
+          <p:cNvSpPr txBox="1"/>
+          <p:nvPr>
+            <p:ph idx="1" type="body"/>
+          </p:nvPr>
+        </p:nvSpPr>
+        <p:spPr>
+          <a:xfrm>
+            <a:off x="685800" y="4343400"/>
+            <a:ext cx="5486400" cy="4114800"/>
+          </a:xfrm>
+          <a:prstGeom prst="rect">
+            <a:avLst/>
+          </a:prstGeom>
+        </p:spPr>
+        <p:txBody>
+          <a:bodyPr anchorCtr="0" anchor="t" bIns="91425" lIns="91425" spcFirstLastPara="1" rIns="91425" wrap="square" tIns="91425">
+            <a:noAutofit/>
+          </a:bodyPr>
+          <a:lstStyle/>
+          <a:p>
+            <a:pPr indent="0" lvl="0" marL="0" rtl="0" algn="l">
+              <a:spcBef>
+                <a:spcPts val="0"/>
+              </a:spcBef>
+              <a:spcAft>
+                <a:spcPts val="0"/>
+              </a:spcAft>
+              <a:buNone/>
+            </a:pPr>
+            <a:r>
+              <a:t/>
+            </a:r>
+            <a:endParaRPr/>
+          </a:p>
+        </p:txBody>
+      </p:sp>
+    </p:spTree>
+  </p:cSld>
+  <p:clrMapOvr>
+    <a:masterClrMapping/>
+  </p:clrMapOvr>
+</p:notes>
+</file>
+
+<file path=ppt/notesSlides/notesSlide11.xml><?xml version="1.0" encoding="utf-8"?>
+<p:notes xmlns:a="http://schemas.openxmlformats.org/drawingml/2006/main" xmlns:r="http://schemas.openxmlformats.org/officeDocument/2006/relationships" xmlns:mc="http://schemas.openxmlformats.org/markup-compatibility/2006" xmlns:mv="urn:schemas-microsoft-com:mac:vml" xmlns:p="http://schemas.openxmlformats.org/presentationml/2006/main" xmlns:c="http://schemas.openxmlformats.org/drawingml/2006/chart" xmlns:dgm="http://schemas.openxmlformats.org/drawingml/2006/diagram" xmlns:o="urn:schemas-microsoft-com:office:office" xmlns:v="urn:schemas-microsoft-com:vml" xmlns:pvml="urn:schemas-microsoft-com:office:powerpoint" xmlns:com="http://schemas.openxmlformats.org/drawingml/2006/compatibility" xmlns:p14="http://schemas.microsoft.com/office/powerpoint/2010/main" xmlns:p15="http://schemas.microsoft.com/office/powerpoint/2012/main" xmlns:ahyp="http://schemas.microsoft.com/office/drawing/2018/hyperlinkcolor" showMasterPhAnim="0" showMasterSp="0">
+  <p:cSld>
+    <p:spTree>
+      <p:nvGrpSpPr>
+        <p:cNvPr id="128" name="Shape 128"/>
+        <p:cNvGrpSpPr/>
+        <p:nvPr/>
+      </p:nvGrpSpPr>
+      <p:grpSpPr>
+        <a:xfrm>
+          <a:off x="0" y="0"/>
+          <a:ext cx="0" cy="0"/>
+          <a:chOff x="0" y="0"/>
+          <a:chExt cx="0" cy="0"/>
+        </a:xfrm>
+      </p:grpSpPr>
+      <p:sp>
+        <p:nvSpPr>
+          <p:cNvPr id="129" name="Google Shape;129;gb7016c5331_0_130:notes"/>
+          <p:cNvSpPr/>
+          <p:nvPr>
+            <p:ph idx="2" type="sldImg"/>
+          </p:nvPr>
+        </p:nvSpPr>
+        <p:spPr>
+          <a:xfrm>
+            <a:off x="381188" y="685800"/>
+            <a:ext cx="6096300" cy="3429000"/>
+          </a:xfrm>
+          <a:custGeom>
+            <a:rect b="b" l="l" r="r" t="t"/>
+            <a:pathLst>
+              <a:path extrusionOk="0" h="120000" w="120000">
+                <a:moveTo>
+                  <a:pt x="0" y="0"/>
+                </a:moveTo>
+                <a:lnTo>
+                  <a:pt x="120000" y="0"/>
+                </a:lnTo>
+                <a:lnTo>
+                  <a:pt x="120000" y="120000"/>
+                </a:lnTo>
+                <a:lnTo>
+                  <a:pt x="0" y="120000"/>
+                </a:lnTo>
+                <a:close/>
+              </a:path>
+            </a:pathLst>
+          </a:custGeom>
+        </p:spPr>
+      </p:sp>
+      <p:sp>
+        <p:nvSpPr>
+          <p:cNvPr id="130" name="Google Shape;130;gb7016c5331_0_130:notes"/>
+          <p:cNvSpPr txBox="1"/>
+          <p:nvPr>
+            <p:ph idx="1" type="body"/>
+          </p:nvPr>
+        </p:nvSpPr>
+        <p:spPr>
+          <a:xfrm>
+            <a:off x="685800" y="4343400"/>
+            <a:ext cx="5486400" cy="4114800"/>
+          </a:xfrm>
+          <a:prstGeom prst="rect">
+            <a:avLst/>
+          </a:prstGeom>
+        </p:spPr>
+        <p:txBody>
+          <a:bodyPr anchorCtr="0" anchor="t" bIns="91425" lIns="91425" spcFirstLastPara="1" rIns="91425" wrap="square" tIns="91425">
+            <a:noAutofit/>
+          </a:bodyPr>
+          <a:lstStyle/>
+          <a:p>
+            <a:pPr indent="0" lvl="0" marL="0" rtl="0" algn="l">
+              <a:spcBef>
+                <a:spcPts val="0"/>
+              </a:spcBef>
+              <a:spcAft>
+                <a:spcPts val="0"/>
+              </a:spcAft>
+              <a:buNone/>
+            </a:pPr>
+            <a:r>
+              <a:t/>
+            </a:r>
+            <a:endParaRPr/>
+          </a:p>
+        </p:txBody>
+      </p:sp>
+    </p:spTree>
+  </p:cSld>
+  <p:clrMapOvr>
+    <a:masterClrMapping/>
+  </p:clrMapOvr>
+</p:notes>
+</file>
+
+<file path=ppt/notesSlides/notesSlide12.xml><?xml version="1.0" encoding="utf-8"?>
+<p:notes xmlns:a="http://schemas.openxmlformats.org/drawingml/2006/main" xmlns:r="http://schemas.openxmlformats.org/officeDocument/2006/relationships" xmlns:mc="http://schemas.openxmlformats.org/markup-compatibility/2006" xmlns:mv="urn:schemas-microsoft-com:mac:vml" xmlns:p="http://schemas.openxmlformats.org/presentationml/2006/main" xmlns:c="http://schemas.openxmlformats.org/drawingml/2006/chart" xmlns:dgm="http://schemas.openxmlformats.org/drawingml/2006/diagram" xmlns:o="urn:schemas-microsoft-com:office:office" xmlns:v="urn:schemas-microsoft-com:vml" xmlns:pvml="urn:schemas-microsoft-com:office:powerpoint" xmlns:com="http://schemas.openxmlformats.org/drawingml/2006/compatibility" xmlns:p14="http://schemas.microsoft.com/office/powerpoint/2010/main" xmlns:p15="http://schemas.microsoft.com/office/powerpoint/2012/main" xmlns:ahyp="http://schemas.microsoft.com/office/drawing/2018/hyperlinkcolor" showMasterPhAnim="0" showMasterSp="0">
+  <p:cSld>
+    <p:spTree>
+      <p:nvGrpSpPr>
+        <p:cNvPr id="133" name="Shape 133"/>
+        <p:cNvGrpSpPr/>
+        <p:nvPr/>
+      </p:nvGrpSpPr>
+      <p:grpSpPr>
+        <a:xfrm>
+          <a:off x="0" y="0"/>
+          <a:ext cx="0" cy="0"/>
+          <a:chOff x="0" y="0"/>
+          <a:chExt cx="0" cy="0"/>
+        </a:xfrm>
+      </p:grpSpPr>
+      <p:sp>
+        <p:nvSpPr>
+          <p:cNvPr id="134" name="Google Shape;134;gb024cd2ff8_0_53:notes"/>
+          <p:cNvSpPr/>
+          <p:nvPr>
+            <p:ph idx="2" type="sldImg"/>
+          </p:nvPr>
+        </p:nvSpPr>
+        <p:spPr>
+          <a:xfrm>
+            <a:off x="381300" y="685800"/>
+            <a:ext cx="6096000" cy="3429000"/>
+          </a:xfrm>
+          <a:custGeom>
+            <a:rect b="b" l="l" r="r" t="t"/>
+            <a:pathLst>
+              <a:path extrusionOk="0" h="120000" w="120000">
+                <a:moveTo>
+                  <a:pt x="0" y="0"/>
+                </a:moveTo>
+                <a:lnTo>
+                  <a:pt x="120000" y="0"/>
+                </a:lnTo>
+                <a:lnTo>
+                  <a:pt x="120000" y="120000"/>
+                </a:lnTo>
+                <a:lnTo>
+                  <a:pt x="0" y="120000"/>
+                </a:lnTo>
+                <a:close/>
+              </a:path>
+            </a:pathLst>
+          </a:custGeom>
+        </p:spPr>
+      </p:sp>
+      <p:sp>
+        <p:nvSpPr>
+          <p:cNvPr id="135" name="Google Shape;135;gb024cd2ff8_0_53:notes"/>
+          <p:cNvSpPr txBox="1"/>
+          <p:nvPr>
+            <p:ph idx="1" type="body"/>
+          </p:nvPr>
+        </p:nvSpPr>
+        <p:spPr>
+          <a:xfrm>
+            <a:off x="685800" y="4343400"/>
+            <a:ext cx="5486400" cy="4114800"/>
+          </a:xfrm>
+          <a:prstGeom prst="rect">
+            <a:avLst/>
+          </a:prstGeom>
+        </p:spPr>
+        <p:txBody>
+          <a:bodyPr anchorCtr="0" anchor="t" bIns="91425" lIns="91425" spcFirstLastPara="1" rIns="91425" wrap="square" tIns="91425">
+            <a:noAutofit/>
+          </a:bodyPr>
+          <a:lstStyle/>
+          <a:p>
+            <a:pPr indent="0" lvl="0" marL="0" rtl="0" algn="l">
+              <a:spcBef>
+                <a:spcPts val="0"/>
+              </a:spcBef>
+              <a:spcAft>
+                <a:spcPts val="0"/>
+              </a:spcAft>
+              <a:buNone/>
+            </a:pPr>
+            <a:r>
+              <a:t/>
+            </a:r>
+            <a:endParaRPr/>
+          </a:p>
+        </p:txBody>
+      </p:sp>
+    </p:spTree>
+  </p:cSld>
+  <p:clrMapOvr>
+    <a:masterClrMapping/>
+  </p:clrMapOvr>
+</p:notes>
+</file>
+
+<file path=ppt/notesSlides/notesSlide13.xml><?xml version="1.0" encoding="utf-8"?>
+<p:notes xmlns:a="http://schemas.openxmlformats.org/drawingml/2006/main" xmlns:r="http://schemas.openxmlformats.org/officeDocument/2006/relationships" xmlns:mc="http://schemas.openxmlformats.org/markup-compatibility/2006" xmlns:mv="urn:schemas-microsoft-com:mac:vml" xmlns:p="http://schemas.openxmlformats.org/presentationml/2006/main" xmlns:c="http://schemas.openxmlformats.org/drawingml/2006/chart" xmlns:dgm="http://schemas.openxmlformats.org/drawingml/2006/diagram" xmlns:o="urn:schemas-microsoft-com:office:office" xmlns:v="urn:schemas-microsoft-com:vml" xmlns:pvml="urn:schemas-microsoft-com:office:powerpoint" xmlns:com="http://schemas.openxmlformats.org/drawingml/2006/compatibility" xmlns:p14="http://schemas.microsoft.com/office/powerpoint/2010/main" xmlns:p15="http://schemas.microsoft.com/office/powerpoint/2012/main" xmlns:ahyp="http://schemas.microsoft.com/office/drawing/2018/hyperlinkcolor" showMasterPhAnim="0" showMasterSp="0">
+  <p:cSld>
+    <p:spTree>
+      <p:nvGrpSpPr>
+        <p:cNvPr id="140" name="Shape 140"/>
+        <p:cNvGrpSpPr/>
+        <p:nvPr/>
+      </p:nvGrpSpPr>
+      <p:grpSpPr>
+        <a:xfrm>
+          <a:off x="0" y="0"/>
+          <a:ext cx="0" cy="0"/>
+          <a:chOff x="0" y="0"/>
+          <a:chExt cx="0" cy="0"/>
+        </a:xfrm>
+      </p:grpSpPr>
+      <p:sp>
+        <p:nvSpPr>
+          <p:cNvPr id="141" name="Google Shape;141;g78c86f85ff_0_0:notes"/>
+          <p:cNvSpPr/>
+          <p:nvPr>
+            <p:ph idx="2" type="sldImg"/>
+          </p:nvPr>
+        </p:nvSpPr>
+        <p:spPr>
+          <a:xfrm>
+            <a:off x="381300" y="685800"/>
+            <a:ext cx="6096000" cy="3429000"/>
+          </a:xfrm>
+          <a:custGeom>
+            <a:rect b="b" l="l" r="r" t="t"/>
+            <a:pathLst>
+              <a:path extrusionOk="0" h="120000" w="120000">
+                <a:moveTo>
+                  <a:pt x="0" y="0"/>
+                </a:moveTo>
+                <a:lnTo>
+                  <a:pt x="120000" y="0"/>
+                </a:lnTo>
+                <a:lnTo>
+                  <a:pt x="120000" y="120000"/>
+                </a:lnTo>
+                <a:lnTo>
+                  <a:pt x="0" y="120000"/>
+                </a:lnTo>
+                <a:close/>
+              </a:path>
+            </a:pathLst>
+          </a:custGeom>
+        </p:spPr>
+      </p:sp>
+      <p:sp>
+        <p:nvSpPr>
+          <p:cNvPr id="142" name="Google Shape;142;g78c86f85ff_0_0:notes"/>
+          <p:cNvSpPr txBox="1"/>
+          <p:nvPr>
+            <p:ph idx="1" type="body"/>
+          </p:nvPr>
+        </p:nvSpPr>
+        <p:spPr>
+          <a:xfrm>
+            <a:off x="685800" y="4343400"/>
+            <a:ext cx="5486400" cy="4114800"/>
+          </a:xfrm>
+          <a:prstGeom prst="rect">
+            <a:avLst/>
+          </a:prstGeom>
+        </p:spPr>
+        <p:txBody>
+          <a:bodyPr anchorCtr="0" anchor="t" bIns="91425" lIns="91425" spcFirstLastPara="1" rIns="91425" wrap="square" tIns="91425">
+            <a:noAutofit/>
+          </a:bodyPr>
+          <a:lstStyle/>
+          <a:p>
+            <a:pPr indent="0" lvl="0" marL="0" rtl="0" algn="l">
+              <a:spcBef>
+                <a:spcPts val="0"/>
+              </a:spcBef>
+              <a:spcAft>
+                <a:spcPts val="0"/>
+              </a:spcAft>
+              <a:buNone/>
+            </a:pPr>
+            <a:r>
+              <a:t/>
+            </a:r>
+            <a:endParaRPr/>
+          </a:p>
+        </p:txBody>
+      </p:sp>
+    </p:spTree>
+  </p:cSld>
+  <p:clrMapOvr>
+    <a:masterClrMapping/>
+  </p:clrMapOvr>
+</p:notes>
+</file>
+
+<file path=ppt/notesSlides/notesSlide14.xml><?xml version="1.0" encoding="utf-8"?>
+<p:notes xmlns:a="http://schemas.openxmlformats.org/drawingml/2006/main" xmlns:r="http://schemas.openxmlformats.org/officeDocument/2006/relationships" xmlns:mc="http://schemas.openxmlformats.org/markup-compatibility/2006" xmlns:mv="urn:schemas-microsoft-com:mac:vml" xmlns:p="http://schemas.openxmlformats.org/presentationml/2006/main" xmlns:c="http://schemas.openxmlformats.org/drawingml/2006/chart" xmlns:dgm="http://schemas.openxmlformats.org/drawingml/2006/diagram" xmlns:o="urn:schemas-microsoft-com:office:office" xmlns:v="urn:schemas-microsoft-com:vml" xmlns:pvml="urn:schemas-microsoft-com:office:powerpoint" xmlns:com="http://schemas.openxmlformats.org/drawingml/2006/compatibility" xmlns:p14="http://schemas.microsoft.com/office/powerpoint/2010/main" xmlns:p15="http://schemas.microsoft.com/office/powerpoint/2012/main" xmlns:ahyp="http://schemas.microsoft.com/office/drawing/2018/hyperlinkcolor" showMasterPhAnim="0" showMasterSp="0">
+  <p:cSld>
+    <p:spTree>
+      <p:nvGrpSpPr>
+        <p:cNvPr id="147" name="Shape 147"/>
+        <p:cNvGrpSpPr/>
+        <p:nvPr/>
+      </p:nvGrpSpPr>
+      <p:grpSpPr>
+        <a:xfrm>
+          <a:off x="0" y="0"/>
+          <a:ext cx="0" cy="0"/>
+          <a:chOff x="0" y="0"/>
+          <a:chExt cx="0" cy="0"/>
+        </a:xfrm>
+      </p:grpSpPr>
+      <p:sp>
+        <p:nvSpPr>
+          <p:cNvPr id="148" name="Google Shape;148;gb024cd2ff8_0_58:notes"/>
+          <p:cNvSpPr/>
+          <p:nvPr>
+            <p:ph idx="2" type="sldImg"/>
+          </p:nvPr>
+        </p:nvSpPr>
+        <p:spPr>
+          <a:xfrm>
+            <a:off x="381300" y="685800"/>
+            <a:ext cx="6096000" cy="3429000"/>
+          </a:xfrm>
+          <a:custGeom>
+            <a:rect b="b" l="l" r="r" t="t"/>
+            <a:pathLst>
+              <a:path extrusionOk="0" h="120000" w="120000">
+                <a:moveTo>
+                  <a:pt x="0" y="0"/>
+                </a:moveTo>
+                <a:lnTo>
+                  <a:pt x="120000" y="0"/>
+                </a:lnTo>
+                <a:lnTo>
+                  <a:pt x="120000" y="120000"/>
+                </a:lnTo>
+                <a:lnTo>
+                  <a:pt x="0" y="120000"/>
+                </a:lnTo>
+                <a:close/>
+              </a:path>
+            </a:pathLst>
+          </a:custGeom>
+        </p:spPr>
+      </p:sp>
+      <p:sp>
+        <p:nvSpPr>
+          <p:cNvPr id="149" name="Google Shape;149;gb024cd2ff8_0_58:notes"/>
+          <p:cNvSpPr txBox="1"/>
+          <p:nvPr>
+            <p:ph idx="1" type="body"/>
+          </p:nvPr>
+        </p:nvSpPr>
+        <p:spPr>
+          <a:xfrm>
+            <a:off x="685800" y="4343400"/>
+            <a:ext cx="5486400" cy="4114800"/>
+          </a:xfrm>
+          <a:prstGeom prst="rect">
+            <a:avLst/>
+          </a:prstGeom>
+        </p:spPr>
+        <p:txBody>
+          <a:bodyPr anchorCtr="0" anchor="t" bIns="91425" lIns="91425" spcFirstLastPara="1" rIns="91425" wrap="square" tIns="91425">
+            <a:noAutofit/>
+          </a:bodyPr>
+          <a:lstStyle/>
+          <a:p>
+            <a:pPr indent="0" lvl="0" marL="0" rtl="0" algn="l">
+              <a:spcBef>
+                <a:spcPts val="0"/>
+              </a:spcBef>
+              <a:spcAft>
+                <a:spcPts val="0"/>
+              </a:spcAft>
+              <a:buNone/>
+            </a:pPr>
+            <a:r>
+              <a:t/>
+            </a:r>
+            <a:endParaRPr/>
+          </a:p>
+        </p:txBody>
+      </p:sp>
+    </p:spTree>
+  </p:cSld>
+  <p:clrMapOvr>
+    <a:masterClrMapping/>
+  </p:clrMapOvr>
+</p:notes>
+</file>
+
+<file path=ppt/notesSlides/notesSlide15.xml><?xml version="1.0" encoding="utf-8"?>
+<p:notes xmlns:a="http://schemas.openxmlformats.org/drawingml/2006/main" xmlns:r="http://schemas.openxmlformats.org/officeDocument/2006/relationships" xmlns:mc="http://schemas.openxmlformats.org/markup-compatibility/2006" xmlns:mv="urn:schemas-microsoft-com:mac:vml" xmlns:p="http://schemas.openxmlformats.org/presentationml/2006/main" xmlns:c="http://schemas.openxmlformats.org/drawingml/2006/chart" xmlns:dgm="http://schemas.openxmlformats.org/drawingml/2006/diagram" xmlns:o="urn:schemas-microsoft-com:office:office" xmlns:v="urn:schemas-microsoft-com:vml" xmlns:pvml="urn:schemas-microsoft-com:office:powerpoint" xmlns:com="http://schemas.openxmlformats.org/drawingml/2006/compatibility" xmlns:p14="http://schemas.microsoft.com/office/powerpoint/2010/main" xmlns:p15="http://schemas.microsoft.com/office/powerpoint/2012/main" xmlns:ahyp="http://schemas.microsoft.com/office/drawing/2018/hyperlinkcolor" showMasterPhAnim="0" showMasterSp="0">
+  <p:cSld>
+    <p:spTree>
+      <p:nvGrpSpPr>
+        <p:cNvPr id="154" name="Shape 154"/>
+        <p:cNvGrpSpPr/>
+        <p:nvPr/>
+      </p:nvGrpSpPr>
+      <p:grpSpPr>
+        <a:xfrm>
+          <a:off x="0" y="0"/>
+          <a:ext cx="0" cy="0"/>
+          <a:chOff x="0" y="0"/>
+          <a:chExt cx="0" cy="0"/>
+        </a:xfrm>
+      </p:grpSpPr>
+      <p:sp>
+        <p:nvSpPr>
+          <p:cNvPr id="155" name="Google Shape;155;g78c86f85ff_0_6:notes"/>
+          <p:cNvSpPr/>
+          <p:nvPr>
+            <p:ph idx="2" type="sldImg"/>
+          </p:nvPr>
+        </p:nvSpPr>
+        <p:spPr>
+          <a:xfrm>
+            <a:off x="381300" y="685800"/>
+            <a:ext cx="6096000" cy="3429000"/>
+          </a:xfrm>
+          <a:custGeom>
+            <a:rect b="b" l="l" r="r" t="t"/>
+            <a:pathLst>
+              <a:path extrusionOk="0" h="120000" w="120000">
+                <a:moveTo>
+                  <a:pt x="0" y="0"/>
+                </a:moveTo>
+                <a:lnTo>
+                  <a:pt x="120000" y="0"/>
+                </a:lnTo>
+                <a:lnTo>
+                  <a:pt x="120000" y="120000"/>
+                </a:lnTo>
+                <a:lnTo>
+                  <a:pt x="0" y="120000"/>
+                </a:lnTo>
+                <a:close/>
+              </a:path>
+            </a:pathLst>
+          </a:custGeom>
+        </p:spPr>
+      </p:sp>
+      <p:sp>
+        <p:nvSpPr>
+          <p:cNvPr id="156" name="Google Shape;156;g78c86f85ff_0_6:notes"/>
+          <p:cNvSpPr txBox="1"/>
+          <p:nvPr>
+            <p:ph idx="1" type="body"/>
+          </p:nvPr>
+        </p:nvSpPr>
+        <p:spPr>
+          <a:xfrm>
+            <a:off x="685800" y="4343400"/>
+            <a:ext cx="5486400" cy="4114800"/>
+          </a:xfrm>
+          <a:prstGeom prst="rect">
+            <a:avLst/>
+          </a:prstGeom>
+        </p:spPr>
+        <p:txBody>
+          <a:bodyPr anchorCtr="0" anchor="t" bIns="91425" lIns="91425" spcFirstLastPara="1" rIns="91425" wrap="square" tIns="91425">
+            <a:noAutofit/>
+          </a:bodyPr>
+          <a:lstStyle/>
+          <a:p>
+            <a:pPr indent="0" lvl="0" marL="0" rtl="0" algn="l">
+              <a:spcBef>
+                <a:spcPts val="0"/>
+              </a:spcBef>
+              <a:spcAft>
+                <a:spcPts val="0"/>
+              </a:spcAft>
+              <a:buNone/>
+            </a:pPr>
+            <a:r>
+              <a:t/>
+            </a:r>
+            <a:endParaRPr/>
+          </a:p>
+        </p:txBody>
+      </p:sp>
+    </p:spTree>
+  </p:cSld>
+  <p:clrMapOvr>
+    <a:masterClrMapping/>
+  </p:clrMapOvr>
+</p:notes>
+</file>
+
+<file path=ppt/notesSlides/notesSlide16.xml><?xml version="1.0" encoding="utf-8"?>
+<p:notes xmlns:a="http://schemas.openxmlformats.org/drawingml/2006/main" xmlns:r="http://schemas.openxmlformats.org/officeDocument/2006/relationships" xmlns:mc="http://schemas.openxmlformats.org/markup-compatibility/2006" xmlns:mv="urn:schemas-microsoft-com:mac:vml" xmlns:p="http://schemas.openxmlformats.org/presentationml/2006/main" xmlns:c="http://schemas.openxmlformats.org/drawingml/2006/chart" xmlns:dgm="http://schemas.openxmlformats.org/drawingml/2006/diagram" xmlns:o="urn:schemas-microsoft-com:office:office" xmlns:v="urn:schemas-microsoft-com:vml" xmlns:pvml="urn:schemas-microsoft-com:office:powerpoint" xmlns:com="http://schemas.openxmlformats.org/drawingml/2006/compatibility" xmlns:p14="http://schemas.microsoft.com/office/powerpoint/2010/main" xmlns:p15="http://schemas.microsoft.com/office/powerpoint/2012/main" xmlns:ahyp="http://schemas.microsoft.com/office/drawing/2018/hyperlinkcolor" showMasterPhAnim="0" showMasterSp="0">
+  <p:cSld>
+    <p:spTree>
+      <p:nvGrpSpPr>
+        <p:cNvPr id="160" name="Shape 160"/>
+        <p:cNvGrpSpPr/>
+        <p:nvPr/>
+      </p:nvGrpSpPr>
+      <p:grpSpPr>
+        <a:xfrm>
+          <a:off x="0" y="0"/>
+          <a:ext cx="0" cy="0"/>
+          <a:chOff x="0" y="0"/>
+          <a:chExt cx="0" cy="0"/>
+        </a:xfrm>
+      </p:grpSpPr>
+      <p:sp>
+        <p:nvSpPr>
+          <p:cNvPr id="161" name="Google Shape;161;gb024cd2ff8_0_68:notes"/>
+          <p:cNvSpPr/>
+          <p:nvPr>
+            <p:ph idx="2" type="sldImg"/>
+          </p:nvPr>
+        </p:nvSpPr>
+        <p:spPr>
+          <a:xfrm>
+            <a:off x="381300" y="685800"/>
+            <a:ext cx="6096000" cy="3429000"/>
+          </a:xfrm>
+          <a:custGeom>
+            <a:rect b="b" l="l" r="r" t="t"/>
+            <a:pathLst>
+              <a:path extrusionOk="0" h="120000" w="120000">
+                <a:moveTo>
+                  <a:pt x="0" y="0"/>
+                </a:moveTo>
+                <a:lnTo>
+                  <a:pt x="120000" y="0"/>
+                </a:lnTo>
+                <a:lnTo>
+                  <a:pt x="120000" y="120000"/>
+                </a:lnTo>
+                <a:lnTo>
+                  <a:pt x="0" y="120000"/>
+                </a:lnTo>
+                <a:close/>
+              </a:path>
+            </a:pathLst>
+          </a:custGeom>
+        </p:spPr>
+      </p:sp>
+      <p:sp>
+        <p:nvSpPr>
+          <p:cNvPr id="162" name="Google Shape;162;gb024cd2ff8_0_68:notes"/>
+          <p:cNvSpPr txBox="1"/>
+          <p:nvPr>
+            <p:ph idx="1" type="body"/>
+          </p:nvPr>
+        </p:nvSpPr>
+        <p:spPr>
+          <a:xfrm>
+            <a:off x="685800" y="4343400"/>
+            <a:ext cx="5486400" cy="4114800"/>
+          </a:xfrm>
+          <a:prstGeom prst="rect">
+            <a:avLst/>
+          </a:prstGeom>
+        </p:spPr>
+        <p:txBody>
+          <a:bodyPr anchorCtr="0" anchor="t" bIns="91425" lIns="91425" spcFirstLastPara="1" rIns="91425" wrap="square" tIns="91425">
+            <a:noAutofit/>
+          </a:bodyPr>
+          <a:lstStyle/>
+          <a:p>
+            <a:pPr indent="0" lvl="0" marL="0" rtl="0" algn="l">
+              <a:spcBef>
+                <a:spcPts val="0"/>
+              </a:spcBef>
+              <a:spcAft>
+                <a:spcPts val="0"/>
+              </a:spcAft>
+              <a:buNone/>
+            </a:pPr>
+            <a:r>
+              <a:t/>
+            </a:r>
+            <a:endParaRPr/>
+          </a:p>
+        </p:txBody>
+      </p:sp>
+    </p:spTree>
+  </p:cSld>
+  <p:clrMapOvr>
+    <a:masterClrMapping/>
+  </p:clrMapOvr>
+</p:notes>
+</file>
+
+<file path=ppt/notesSlides/notesSlide17.xml><?xml version="1.0" encoding="utf-8"?>
+<p:notes xmlns:a="http://schemas.openxmlformats.org/drawingml/2006/main" xmlns:r="http://schemas.openxmlformats.org/officeDocument/2006/relationships" xmlns:mc="http://schemas.openxmlformats.org/markup-compatibility/2006" xmlns:mv="urn:schemas-microsoft-com:mac:vml" xmlns:p="http://schemas.openxmlformats.org/presentationml/2006/main" xmlns:c="http://schemas.openxmlformats.org/drawingml/2006/chart" xmlns:dgm="http://schemas.openxmlformats.org/drawingml/2006/diagram" xmlns:o="urn:schemas-microsoft-com:office:office" xmlns:v="urn:schemas-microsoft-com:vml" xmlns:pvml="urn:schemas-microsoft-com:office:powerpoint" xmlns:com="http://schemas.openxmlformats.org/drawingml/2006/compatibility" xmlns:p14="http://schemas.microsoft.com/office/powerpoint/2010/main" xmlns:p15="http://schemas.microsoft.com/office/powerpoint/2012/main" xmlns:ahyp="http://schemas.microsoft.com/office/drawing/2018/hyperlinkcolor" showMasterPhAnim="0" showMasterSp="0">
+  <p:cSld>
+    <p:spTree>
+      <p:nvGrpSpPr>
+        <p:cNvPr id="166" name="Shape 166"/>
+        <p:cNvGrpSpPr/>
+        <p:nvPr/>
+      </p:nvGrpSpPr>
+      <p:grpSpPr>
+        <a:xfrm>
+          <a:off x="0" y="0"/>
+          <a:ext cx="0" cy="0"/>
+          <a:chOff x="0" y="0"/>
+          <a:chExt cx="0" cy="0"/>
+        </a:xfrm>
+      </p:grpSpPr>
+      <p:sp>
+        <p:nvSpPr>
+          <p:cNvPr id="167" name="Google Shape;167;gb024cd2ff8_0_75:notes"/>
+          <p:cNvSpPr/>
+          <p:nvPr>
+            <p:ph idx="2" type="sldImg"/>
+          </p:nvPr>
+        </p:nvSpPr>
+        <p:spPr>
+          <a:xfrm>
+            <a:off x="381300" y="685800"/>
+            <a:ext cx="6096000" cy="3429000"/>
+          </a:xfrm>
+          <a:custGeom>
+            <a:rect b="b" l="l" r="r" t="t"/>
+            <a:pathLst>
+              <a:path extrusionOk="0" h="120000" w="120000">
+                <a:moveTo>
+                  <a:pt x="0" y="0"/>
+                </a:moveTo>
+                <a:lnTo>
+                  <a:pt x="120000" y="0"/>
+                </a:lnTo>
+                <a:lnTo>
+                  <a:pt x="120000" y="120000"/>
+                </a:lnTo>
+                <a:lnTo>
+                  <a:pt x="0" y="120000"/>
+                </a:lnTo>
+                <a:close/>
+              </a:path>
+            </a:pathLst>
+          </a:custGeom>
+        </p:spPr>
+      </p:sp>
+      <p:sp>
+        <p:nvSpPr>
+          <p:cNvPr id="168" name="Google Shape;168;gb024cd2ff8_0_75:notes"/>
+          <p:cNvSpPr txBox="1"/>
+          <p:nvPr>
+            <p:ph idx="1" type="body"/>
+          </p:nvPr>
+        </p:nvSpPr>
+        <p:spPr>
+          <a:xfrm>
+            <a:off x="685800" y="4343400"/>
+            <a:ext cx="5486400" cy="4114800"/>
+          </a:xfrm>
+          <a:prstGeom prst="rect">
+            <a:avLst/>
+          </a:prstGeom>
+        </p:spPr>
+        <p:txBody>
+          <a:bodyPr anchorCtr="0" anchor="t" bIns="91425" lIns="91425" spcFirstLastPara="1" rIns="91425" wrap="square" tIns="91425">
+            <a:noAutofit/>
+          </a:bodyPr>
+          <a:lstStyle/>
+          <a:p>
+            <a:pPr indent="0" lvl="0" marL="0" rtl="0" algn="l">
+              <a:spcBef>
+                <a:spcPts val="0"/>
+              </a:spcBef>
+              <a:spcAft>
+                <a:spcPts val="0"/>
+              </a:spcAft>
+              <a:buNone/>
+            </a:pPr>
+            <a:r>
+              <a:t/>
+            </a:r>
+            <a:endParaRPr/>
+          </a:p>
+        </p:txBody>
+      </p:sp>
+    </p:spTree>
+  </p:cSld>
+  <p:clrMapOvr>
+    <a:masterClrMapping/>
+  </p:clrMapOvr>
+</p:notes>
+</file>
+
+<file path=ppt/notesSlides/notesSlide18.xml><?xml version="1.0" encoding="utf-8"?>
+<p:notes xmlns:a="http://schemas.openxmlformats.org/drawingml/2006/main" xmlns:r="http://schemas.openxmlformats.org/officeDocument/2006/relationships" xmlns:mc="http://schemas.openxmlformats.org/markup-compatibility/2006" xmlns:mv="urn:schemas-microsoft-com:mac:vml" xmlns:p="http://schemas.openxmlformats.org/presentationml/2006/main" xmlns:c="http://schemas.openxmlformats.org/drawingml/2006/chart" xmlns:dgm="http://schemas.openxmlformats.org/drawingml/2006/diagram" xmlns:o="urn:schemas-microsoft-com:office:office" xmlns:v="urn:schemas-microsoft-com:vml" xmlns:pvml="urn:schemas-microsoft-com:office:powerpoint" xmlns:com="http://schemas.openxmlformats.org/drawingml/2006/compatibility" xmlns:p14="http://schemas.microsoft.com/office/powerpoint/2010/main" xmlns:p15="http://schemas.microsoft.com/office/powerpoint/2012/main" xmlns:ahyp="http://schemas.microsoft.com/office/drawing/2018/hyperlinkcolor" showMasterPhAnim="0" showMasterSp="0">
+  <p:cSld>
+    <p:spTree>
+      <p:nvGrpSpPr>
+        <p:cNvPr id="173" name="Shape 173"/>
+        <p:cNvGrpSpPr/>
+        <p:nvPr/>
+      </p:nvGrpSpPr>
+      <p:grpSpPr>
+        <a:xfrm>
+          <a:off x="0" y="0"/>
+          <a:ext cx="0" cy="0"/>
+          <a:chOff x="0" y="0"/>
+          <a:chExt cx="0" cy="0"/>
+        </a:xfrm>
+      </p:grpSpPr>
+      <p:sp>
+        <p:nvSpPr>
+          <p:cNvPr id="174" name="Google Shape;174;g78c86f85ff_0_17:notes"/>
+          <p:cNvSpPr/>
+          <p:nvPr>
+            <p:ph idx="2" type="sldImg"/>
+          </p:nvPr>
+        </p:nvSpPr>
+        <p:spPr>
+          <a:xfrm>
+            <a:off x="381300" y="685800"/>
+            <a:ext cx="6096000" cy="3429000"/>
+          </a:xfrm>
+          <a:custGeom>
+            <a:rect b="b" l="l" r="r" t="t"/>
+            <a:pathLst>
+              <a:path extrusionOk="0" h="120000" w="120000">
+                <a:moveTo>
+                  <a:pt x="0" y="0"/>
+                </a:moveTo>
+                <a:lnTo>
+                  <a:pt x="120000" y="0"/>
+                </a:lnTo>
+                <a:lnTo>
+                  <a:pt x="120000" y="120000"/>
+                </a:lnTo>
+                <a:lnTo>
+                  <a:pt x="0" y="120000"/>
+                </a:lnTo>
+                <a:close/>
+              </a:path>
+            </a:pathLst>
+          </a:custGeom>
+        </p:spPr>
+      </p:sp>
+      <p:sp>
+        <p:nvSpPr>
+          <p:cNvPr id="175" name="Google Shape;175;g78c86f85ff_0_17:notes"/>
+          <p:cNvSpPr txBox="1"/>
+          <p:nvPr>
+            <p:ph idx="1" type="body"/>
+          </p:nvPr>
+        </p:nvSpPr>
+        <p:spPr>
+          <a:xfrm>
+            <a:off x="685800" y="4343400"/>
+            <a:ext cx="5486400" cy="4114800"/>
+          </a:xfrm>
+          <a:prstGeom prst="rect">
+            <a:avLst/>
+          </a:prstGeom>
+        </p:spPr>
+        <p:txBody>
+          <a:bodyPr anchorCtr="0" anchor="t" bIns="91425" lIns="91425" spcFirstLastPara="1" rIns="91425" wrap="square" tIns="91425">
+            <a:noAutofit/>
+          </a:bodyPr>
+          <a:lstStyle/>
+          <a:p>
+            <a:pPr indent="0" lvl="0" marL="0" rtl="0" algn="l">
+              <a:spcBef>
+                <a:spcPts val="0"/>
+              </a:spcBef>
+              <a:spcAft>
+                <a:spcPts val="0"/>
+              </a:spcAft>
+              <a:buNone/>
+            </a:pPr>
+            <a:r>
+              <a:t/>
+            </a:r>
+            <a:endParaRPr/>
+          </a:p>
+        </p:txBody>
+      </p:sp>
+    </p:spTree>
+  </p:cSld>
+  <p:clrMapOvr>
+    <a:masterClrMapping/>
+  </p:clrMapOvr>
+</p:notes>
+</file>
+
+<file path=ppt/notesSlides/notesSlide2.xml><?xml version="1.0" encoding="utf-8"?>
+<p:notes xmlns:a="http://schemas.openxmlformats.org/drawingml/2006/main" xmlns:r="http://schemas.openxmlformats.org/officeDocument/2006/relationships" xmlns:mc="http://schemas.openxmlformats.org/markup-compatibility/2006" xmlns:mv="urn:schemas-microsoft-com:mac:vml" xmlns:p="http://schemas.openxmlformats.org/presentationml/2006/main" xmlns:c="http://schemas.openxmlformats.org/drawingml/2006/chart" xmlns:dgm="http://schemas.openxmlformats.org/drawingml/2006/diagram" xmlns:o="urn:schemas-microsoft-com:office:office" xmlns:v="urn:schemas-microsoft-com:vml" xmlns:pvml="urn:schemas-microsoft-com:office:powerpoint" xmlns:com="http://schemas.openxmlformats.org/drawingml/2006/compatibility" xmlns:p14="http://schemas.microsoft.com/office/powerpoint/2010/main" xmlns:p15="http://schemas.microsoft.com/office/powerpoint/2012/main" xmlns:ahyp="http://schemas.microsoft.com/office/drawing/2018/hyperlinkcolor" showMasterPhAnim="0" showMasterSp="0">
+  <p:cSld>
+    <p:spTree>
+      <p:nvGrpSpPr>
+        <p:cNvPr id="58" name="Shape 58"/>
+        <p:cNvGrpSpPr/>
+        <p:nvPr/>
+      </p:nvGrpSpPr>
+      <p:grpSpPr>
+        <a:xfrm>
+          <a:off x="0" y="0"/>
+          <a:ext cx="0" cy="0"/>
+          <a:chOff x="0" y="0"/>
+          <a:chExt cx="0" cy="0"/>
+        </a:xfrm>
+      </p:grpSpPr>
+      <p:sp>
+        <p:nvSpPr>
+          <p:cNvPr id="59" name="Google Shape;59;gb7016c5331_0_5:notes"/>
+          <p:cNvSpPr/>
+          <p:nvPr>
+            <p:ph idx="2" type="sldImg"/>
+          </p:nvPr>
+        </p:nvSpPr>
+        <p:spPr>
+          <a:xfrm>
+            <a:off x="381300" y="685800"/>
+            <a:ext cx="6096000" cy="3429000"/>
+          </a:xfrm>
+          <a:custGeom>
+            <a:rect b="b" l="l" r="r" t="t"/>
+            <a:pathLst>
+              <a:path extrusionOk="0" h="120000" w="120000">
+                <a:moveTo>
+                  <a:pt x="0" y="0"/>
+                </a:moveTo>
+                <a:lnTo>
+                  <a:pt x="120000" y="0"/>
+                </a:lnTo>
+                <a:lnTo>
+                  <a:pt x="120000" y="120000"/>
+                </a:lnTo>
+                <a:lnTo>
+                  <a:pt x="0" y="120000"/>
+                </a:lnTo>
+                <a:close/>
+              </a:path>
+            </a:pathLst>
+          </a:custGeom>
+        </p:spPr>
+      </p:sp>
+      <p:sp>
+        <p:nvSpPr>
+          <p:cNvPr id="60" name="Google Shape;60;gb7016c5331_0_5:notes"/>
           <p:cNvSpPr txBox="1"/>
           <p:nvPr>
             <p:ph idx="1" type="body"/>
@@ -923,7 +1825,7 @@
       </p:grpSpPr>
       <p:sp>
         <p:nvSpPr>
-          <p:cNvPr id="66" name="Google Shape;66;gb1c0554b78_1_1:notes"/>
+          <p:cNvPr id="66" name="Google Shape;66;gb7016c5331_0_79:notes"/>
           <p:cNvSpPr/>
           <p:nvPr>
             <p:ph idx="2" type="sldImg"/>
@@ -958,7 +1860,7 @@
       </p:sp>
       <p:sp>
         <p:nvSpPr>
-          <p:cNvPr id="67" name="Google Shape;67;gb1c0554b78_1_1:notes"/>
+          <p:cNvPr id="67" name="Google Shape;67;gb7016c5331_0_79:notes"/>
           <p:cNvSpPr txBox="1"/>
           <p:nvPr>
             <p:ph idx="1" type="body"/>
@@ -1008,7 +1910,7 @@
   <p:cSld>
     <p:spTree>
       <p:nvGrpSpPr>
-        <p:cNvPr id="74" name="Shape 74"/>
+        <p:cNvPr id="70" name="Shape 70"/>
         <p:cNvGrpSpPr/>
         <p:nvPr/>
       </p:nvGrpSpPr>
@@ -1022,7 +1924,7 @@
       </p:grpSpPr>
       <p:sp>
         <p:nvSpPr>
-          <p:cNvPr id="75" name="Google Shape;75;gb024cd2ff8_0_53:notes"/>
+          <p:cNvPr id="71" name="Google Shape;71;gb7016c5331_0_142:notes"/>
           <p:cNvSpPr/>
           <p:nvPr>
             <p:ph idx="2" type="sldImg"/>
@@ -1057,7 +1959,7 @@
       </p:sp>
       <p:sp>
         <p:nvSpPr>
-          <p:cNvPr id="76" name="Google Shape;76;gb024cd2ff8_0_53:notes"/>
+          <p:cNvPr id="72" name="Google Shape;72;gb7016c5331_0_142:notes"/>
           <p:cNvSpPr txBox="1"/>
           <p:nvPr>
             <p:ph idx="1" type="body"/>
@@ -1107,7 +2009,7 @@
   <p:cSld>
     <p:spTree>
       <p:nvGrpSpPr>
-        <p:cNvPr id="81" name="Shape 81"/>
+        <p:cNvPr id="87" name="Shape 87"/>
         <p:cNvGrpSpPr/>
         <p:nvPr/>
       </p:nvGrpSpPr>
@@ -1121,7 +2023,7 @@
       </p:grpSpPr>
       <p:sp>
         <p:nvSpPr>
-          <p:cNvPr id="82" name="Google Shape;82;gb024cd2ff8_0_58:notes"/>
+          <p:cNvPr id="88" name="Google Shape;88;g78c86f85ff_0_23:notes"/>
           <p:cNvSpPr/>
           <p:nvPr>
             <p:ph idx="2" type="sldImg"/>
@@ -1156,7 +2058,7 @@
       </p:sp>
       <p:sp>
         <p:nvSpPr>
-          <p:cNvPr id="83" name="Google Shape;83;gb024cd2ff8_0_58:notes"/>
+          <p:cNvPr id="89" name="Google Shape;89;g78c86f85ff_0_23:notes"/>
           <p:cNvSpPr txBox="1"/>
           <p:nvPr>
             <p:ph idx="1" type="body"/>
@@ -1206,7 +2108,7 @@
   <p:cSld>
     <p:spTree>
       <p:nvGrpSpPr>
-        <p:cNvPr id="88" name="Shape 88"/>
+        <p:cNvPr id="93" name="Shape 93"/>
         <p:cNvGrpSpPr/>
         <p:nvPr/>
       </p:nvGrpSpPr>
@@ -1220,7 +2122,7 @@
       </p:grpSpPr>
       <p:sp>
         <p:nvSpPr>
-          <p:cNvPr id="89" name="Google Shape;89;gb024cd2ff8_0_68:notes"/>
+          <p:cNvPr id="94" name="Google Shape;94;gb7016c5331_0_138:notes"/>
           <p:cNvSpPr/>
           <p:nvPr>
             <p:ph idx="2" type="sldImg"/>
@@ -1228,8 +2130,8 @@
         </p:nvSpPr>
         <p:spPr>
           <a:xfrm>
-            <a:off x="381300" y="685800"/>
-            <a:ext cx="6096000" cy="3429000"/>
+            <a:off x="381188" y="685800"/>
+            <a:ext cx="6096300" cy="3429000"/>
           </a:xfrm>
           <a:custGeom>
             <a:rect b="b" l="l" r="r" t="t"/>
@@ -1255,7 +2157,7 @@
       </p:sp>
       <p:sp>
         <p:nvSpPr>
-          <p:cNvPr id="90" name="Google Shape;90;gb024cd2ff8_0_68:notes"/>
+          <p:cNvPr id="95" name="Google Shape;95;gb7016c5331_0_138:notes"/>
           <p:cNvSpPr txBox="1"/>
           <p:nvPr>
             <p:ph idx="1" type="body"/>
@@ -1305,7 +2207,7 @@
   <p:cSld>
     <p:spTree>
       <p:nvGrpSpPr>
-        <p:cNvPr id="94" name="Shape 94"/>
+        <p:cNvPr id="98" name="Shape 98"/>
         <p:cNvGrpSpPr/>
         <p:nvPr/>
       </p:nvGrpSpPr>
@@ -1319,7 +2221,7 @@
       </p:grpSpPr>
       <p:sp>
         <p:nvSpPr>
-          <p:cNvPr id="95" name="Google Shape;95;gb024cd2ff8_0_75:notes"/>
+          <p:cNvPr id="99" name="Google Shape;99;gb024cd2ff8_0_47:notes"/>
           <p:cNvSpPr/>
           <p:nvPr>
             <p:ph idx="2" type="sldImg"/>
@@ -1354,7 +2256,205 @@
       </p:sp>
       <p:sp>
         <p:nvSpPr>
-          <p:cNvPr id="96" name="Google Shape;96;gb024cd2ff8_0_75:notes"/>
+          <p:cNvPr id="100" name="Google Shape;100;gb024cd2ff8_0_47:notes"/>
+          <p:cNvSpPr txBox="1"/>
+          <p:nvPr>
+            <p:ph idx="1" type="body"/>
+          </p:nvPr>
+        </p:nvSpPr>
+        <p:spPr>
+          <a:xfrm>
+            <a:off x="685800" y="4343400"/>
+            <a:ext cx="5486400" cy="4114800"/>
+          </a:xfrm>
+          <a:prstGeom prst="rect">
+            <a:avLst/>
+          </a:prstGeom>
+        </p:spPr>
+        <p:txBody>
+          <a:bodyPr anchorCtr="0" anchor="t" bIns="91425" lIns="91425" spcFirstLastPara="1" rIns="91425" wrap="square" tIns="91425">
+            <a:noAutofit/>
+          </a:bodyPr>
+          <a:lstStyle/>
+          <a:p>
+            <a:pPr indent="0" lvl="0" marL="0" rtl="0" algn="l">
+              <a:spcBef>
+                <a:spcPts val="0"/>
+              </a:spcBef>
+              <a:spcAft>
+                <a:spcPts val="0"/>
+              </a:spcAft>
+              <a:buNone/>
+            </a:pPr>
+            <a:r>
+              <a:t/>
+            </a:r>
+            <a:endParaRPr/>
+          </a:p>
+        </p:txBody>
+      </p:sp>
+    </p:spTree>
+  </p:cSld>
+  <p:clrMapOvr>
+    <a:masterClrMapping/>
+  </p:clrMapOvr>
+</p:notes>
+</file>
+
+<file path=ppt/notesSlides/notesSlide8.xml><?xml version="1.0" encoding="utf-8"?>
+<p:notes xmlns:a="http://schemas.openxmlformats.org/drawingml/2006/main" xmlns:r="http://schemas.openxmlformats.org/officeDocument/2006/relationships" xmlns:mc="http://schemas.openxmlformats.org/markup-compatibility/2006" xmlns:mv="urn:schemas-microsoft-com:mac:vml" xmlns:p="http://schemas.openxmlformats.org/presentationml/2006/main" xmlns:c="http://schemas.openxmlformats.org/drawingml/2006/chart" xmlns:dgm="http://schemas.openxmlformats.org/drawingml/2006/diagram" xmlns:o="urn:schemas-microsoft-com:office:office" xmlns:v="urn:schemas-microsoft-com:vml" xmlns:pvml="urn:schemas-microsoft-com:office:powerpoint" xmlns:com="http://schemas.openxmlformats.org/drawingml/2006/compatibility" xmlns:p14="http://schemas.microsoft.com/office/powerpoint/2010/main" xmlns:p15="http://schemas.microsoft.com/office/powerpoint/2012/main" xmlns:ahyp="http://schemas.microsoft.com/office/drawing/2018/hyperlinkcolor" showMasterPhAnim="0" showMasterSp="0">
+  <p:cSld>
+    <p:spTree>
+      <p:nvGrpSpPr>
+        <p:cNvPr id="105" name="Shape 105"/>
+        <p:cNvGrpSpPr/>
+        <p:nvPr/>
+      </p:nvGrpSpPr>
+      <p:grpSpPr>
+        <a:xfrm>
+          <a:off x="0" y="0"/>
+          <a:ext cx="0" cy="0"/>
+          <a:chOff x="0" y="0"/>
+          <a:chExt cx="0" cy="0"/>
+        </a:xfrm>
+      </p:grpSpPr>
+      <p:sp>
+        <p:nvSpPr>
+          <p:cNvPr id="106" name="Google Shape;106;gb7016c5331_0_205:notes"/>
+          <p:cNvSpPr/>
+          <p:nvPr>
+            <p:ph idx="2" type="sldImg"/>
+          </p:nvPr>
+        </p:nvSpPr>
+        <p:spPr>
+          <a:xfrm>
+            <a:off x="381300" y="685800"/>
+            <a:ext cx="6096000" cy="3429000"/>
+          </a:xfrm>
+          <a:custGeom>
+            <a:rect b="b" l="l" r="r" t="t"/>
+            <a:pathLst>
+              <a:path extrusionOk="0" h="120000" w="120000">
+                <a:moveTo>
+                  <a:pt x="0" y="0"/>
+                </a:moveTo>
+                <a:lnTo>
+                  <a:pt x="120000" y="0"/>
+                </a:lnTo>
+                <a:lnTo>
+                  <a:pt x="120000" y="120000"/>
+                </a:lnTo>
+                <a:lnTo>
+                  <a:pt x="0" y="120000"/>
+                </a:lnTo>
+                <a:close/>
+              </a:path>
+            </a:pathLst>
+          </a:custGeom>
+        </p:spPr>
+      </p:sp>
+      <p:sp>
+        <p:nvSpPr>
+          <p:cNvPr id="107" name="Google Shape;107;gb7016c5331_0_205:notes"/>
+          <p:cNvSpPr txBox="1"/>
+          <p:nvPr>
+            <p:ph idx="1" type="body"/>
+          </p:nvPr>
+        </p:nvSpPr>
+        <p:spPr>
+          <a:xfrm>
+            <a:off x="685800" y="4343400"/>
+            <a:ext cx="5486400" cy="4114800"/>
+          </a:xfrm>
+          <a:prstGeom prst="rect">
+            <a:avLst/>
+          </a:prstGeom>
+        </p:spPr>
+        <p:txBody>
+          <a:bodyPr anchorCtr="0" anchor="t" bIns="91425" lIns="91425" spcFirstLastPara="1" rIns="91425" wrap="square" tIns="91425">
+            <a:noAutofit/>
+          </a:bodyPr>
+          <a:lstStyle/>
+          <a:p>
+            <a:pPr indent="0" lvl="0" marL="0" rtl="0" algn="l">
+              <a:spcBef>
+                <a:spcPts val="0"/>
+              </a:spcBef>
+              <a:spcAft>
+                <a:spcPts val="0"/>
+              </a:spcAft>
+              <a:buNone/>
+            </a:pPr>
+            <a:r>
+              <a:t/>
+            </a:r>
+            <a:endParaRPr/>
+          </a:p>
+        </p:txBody>
+      </p:sp>
+    </p:spTree>
+  </p:cSld>
+  <p:clrMapOvr>
+    <a:masterClrMapping/>
+  </p:clrMapOvr>
+</p:notes>
+</file>
+
+<file path=ppt/notesSlides/notesSlide9.xml><?xml version="1.0" encoding="utf-8"?>
+<p:notes xmlns:a="http://schemas.openxmlformats.org/drawingml/2006/main" xmlns:r="http://schemas.openxmlformats.org/officeDocument/2006/relationships" xmlns:mc="http://schemas.openxmlformats.org/markup-compatibility/2006" xmlns:mv="urn:schemas-microsoft-com:mac:vml" xmlns:p="http://schemas.openxmlformats.org/presentationml/2006/main" xmlns:c="http://schemas.openxmlformats.org/drawingml/2006/chart" xmlns:dgm="http://schemas.openxmlformats.org/drawingml/2006/diagram" xmlns:o="urn:schemas-microsoft-com:office:office" xmlns:v="urn:schemas-microsoft-com:vml" xmlns:pvml="urn:schemas-microsoft-com:office:powerpoint" xmlns:com="http://schemas.openxmlformats.org/drawingml/2006/compatibility" xmlns:p14="http://schemas.microsoft.com/office/powerpoint/2010/main" xmlns:p15="http://schemas.microsoft.com/office/powerpoint/2012/main" xmlns:ahyp="http://schemas.microsoft.com/office/drawing/2018/hyperlinkcolor" showMasterPhAnim="0" showMasterSp="0">
+  <p:cSld>
+    <p:spTree>
+      <p:nvGrpSpPr>
+        <p:cNvPr id="112" name="Shape 112"/>
+        <p:cNvGrpSpPr/>
+        <p:nvPr/>
+      </p:nvGrpSpPr>
+      <p:grpSpPr>
+        <a:xfrm>
+          <a:off x="0" y="0"/>
+          <a:ext cx="0" cy="0"/>
+          <a:chOff x="0" y="0"/>
+          <a:chExt cx="0" cy="0"/>
+        </a:xfrm>
+      </p:grpSpPr>
+      <p:sp>
+        <p:nvSpPr>
+          <p:cNvPr id="113" name="Google Shape;113;gb7016c5331_0_211:notes"/>
+          <p:cNvSpPr/>
+          <p:nvPr>
+            <p:ph idx="2" type="sldImg"/>
+          </p:nvPr>
+        </p:nvSpPr>
+        <p:spPr>
+          <a:xfrm>
+            <a:off x="381300" y="685800"/>
+            <a:ext cx="6096000" cy="3429000"/>
+          </a:xfrm>
+          <a:custGeom>
+            <a:rect b="b" l="l" r="r" t="t"/>
+            <a:pathLst>
+              <a:path extrusionOk="0" h="120000" w="120000">
+                <a:moveTo>
+                  <a:pt x="0" y="0"/>
+                </a:moveTo>
+                <a:lnTo>
+                  <a:pt x="120000" y="0"/>
+                </a:lnTo>
+                <a:lnTo>
+                  <a:pt x="120000" y="120000"/>
+                </a:lnTo>
+                <a:lnTo>
+                  <a:pt x="0" y="120000"/>
+                </a:lnTo>
+                <a:close/>
+              </a:path>
+            </a:pathLst>
+          </a:custGeom>
+        </p:spPr>
+      </p:sp>
+      <p:sp>
+        <p:nvSpPr>
+          <p:cNvPr id="114" name="Google Shape;114;gb7016c5331_0_211:notes"/>
           <p:cNvSpPr txBox="1"/>
           <p:nvPr>
             <p:ph idx="1" type="body"/>
@@ -6838,12 +7938,1490 @@
             </a:pPr>
             <a:r>
               <a:rPr lang="es"/>
-              <a:t>Fecha: </a:t>
+              <a:t>Fecha: 18-enero-2021</a:t>
             </a:r>
             <a:endParaRPr/>
           </a:p>
         </p:txBody>
       </p:sp>
+    </p:spTree>
+  </p:cSld>
+  <p:clrMapOvr>
+    <a:masterClrMapping/>
+  </p:clrMapOvr>
+</p:sld>
+</file>
+
+<file path=ppt/slides/slide10.xml><?xml version="1.0" encoding="utf-8"?>
+<p:sld xmlns:a="http://schemas.openxmlformats.org/drawingml/2006/main" xmlns:r="http://schemas.openxmlformats.org/officeDocument/2006/relationships" xmlns:mc="http://schemas.openxmlformats.org/markup-compatibility/2006" xmlns:mv="urn:schemas-microsoft-com:mac:vml" xmlns:p="http://schemas.openxmlformats.org/presentationml/2006/main" xmlns:c="http://schemas.openxmlformats.org/drawingml/2006/chart" xmlns:dgm="http://schemas.openxmlformats.org/drawingml/2006/diagram" xmlns:o="urn:schemas-microsoft-com:office:office" xmlns:v="urn:schemas-microsoft-com:vml" xmlns:pvml="urn:schemas-microsoft-com:office:powerpoint" xmlns:com="http://schemas.openxmlformats.org/drawingml/2006/compatibility" xmlns:p14="http://schemas.microsoft.com/office/powerpoint/2010/main" xmlns:p15="http://schemas.microsoft.com/office/powerpoint/2012/main" xmlns:ahyp="http://schemas.microsoft.com/office/drawing/2018/hyperlinkcolor">
+  <p:cSld>
+    <p:spTree>
+      <p:nvGrpSpPr>
+        <p:cNvPr id="122" name="Shape 122"/>
+        <p:cNvGrpSpPr/>
+        <p:nvPr/>
+      </p:nvGrpSpPr>
+      <p:grpSpPr>
+        <a:xfrm>
+          <a:off x="0" y="0"/>
+          <a:ext cx="0" cy="0"/>
+          <a:chOff x="0" y="0"/>
+          <a:chExt cx="0" cy="0"/>
+        </a:xfrm>
+      </p:grpSpPr>
+      <p:sp>
+        <p:nvSpPr>
+          <p:cNvPr id="123" name="Google Shape;123;p22"/>
+          <p:cNvSpPr txBox="1"/>
+          <p:nvPr>
+            <p:ph type="title"/>
+          </p:nvPr>
+        </p:nvSpPr>
+        <p:spPr>
+          <a:xfrm>
+            <a:off x="311700" y="221000"/>
+            <a:ext cx="8520600" cy="801000"/>
+          </a:xfrm>
+          <a:prstGeom prst="rect">
+            <a:avLst/>
+          </a:prstGeom>
+        </p:spPr>
+        <p:txBody>
+          <a:bodyPr anchorCtr="0" anchor="t" bIns="91425" lIns="91425" spcFirstLastPara="1" rIns="91425" wrap="square" tIns="91425">
+            <a:noAutofit/>
+          </a:bodyPr>
+          <a:lstStyle/>
+          <a:p>
+            <a:pPr indent="0" lvl="0" marL="0" rtl="0" algn="l">
+              <a:spcBef>
+                <a:spcPts val="0"/>
+              </a:spcBef>
+              <a:spcAft>
+                <a:spcPts val="0"/>
+              </a:spcAft>
+              <a:buNone/>
+            </a:pPr>
+            <a:r>
+              <a:rPr lang="es"/>
+              <a:t>variance bias tradeoff</a:t>
+            </a:r>
+            <a:endParaRPr/>
+          </a:p>
+        </p:txBody>
+      </p:sp>
+      <p:sp>
+        <p:nvSpPr>
+          <p:cNvPr id="124" name="Google Shape;124;p22"/>
+          <p:cNvSpPr txBox="1"/>
+          <p:nvPr>
+            <p:ph idx="1" type="body"/>
+          </p:nvPr>
+        </p:nvSpPr>
+        <p:spPr>
+          <a:xfrm>
+            <a:off x="311700" y="943175"/>
+            <a:ext cx="8520600" cy="3340200"/>
+          </a:xfrm>
+          <a:prstGeom prst="rect">
+            <a:avLst/>
+          </a:prstGeom>
+        </p:spPr>
+        <p:txBody>
+          <a:bodyPr anchorCtr="0" anchor="t" bIns="91425" lIns="91425" spcFirstLastPara="1" rIns="91425" wrap="square" tIns="91425">
+            <a:noAutofit/>
+          </a:bodyPr>
+          <a:lstStyle/>
+          <a:p>
+            <a:pPr indent="0" lvl="0" marL="0" rtl="0" algn="l">
+              <a:spcBef>
+                <a:spcPts val="0"/>
+              </a:spcBef>
+              <a:spcAft>
+                <a:spcPts val="0"/>
+              </a:spcAft>
+              <a:buNone/>
+            </a:pPr>
+            <a:r>
+              <a:rPr lang="es"/>
+              <a:t>¿Qué modelo es mejor? </a:t>
+            </a:r>
+            <a:endParaRPr/>
+          </a:p>
+          <a:p>
+            <a:pPr indent="0" lvl="0" marL="0" rtl="0" algn="l">
+              <a:spcBef>
+                <a:spcPts val="1600"/>
+              </a:spcBef>
+              <a:spcAft>
+                <a:spcPts val="0"/>
+              </a:spcAft>
+              <a:buNone/>
+            </a:pPr>
+            <a:r>
+              <a:t/>
+            </a:r>
+            <a:endParaRPr/>
+          </a:p>
+          <a:p>
+            <a:pPr indent="0" lvl="0" marL="0" rtl="0" algn="l">
+              <a:spcBef>
+                <a:spcPts val="1600"/>
+              </a:spcBef>
+              <a:spcAft>
+                <a:spcPts val="1600"/>
+              </a:spcAft>
+              <a:buNone/>
+            </a:pPr>
+            <a:r>
+              <a:t/>
+            </a:r>
+            <a:endParaRPr/>
+          </a:p>
+        </p:txBody>
+      </p:sp>
+      <p:pic>
+        <p:nvPicPr>
+          <p:cNvPr id="125" name="Google Shape;125;p22"/>
+          <p:cNvPicPr preferRelativeResize="0"/>
+          <p:nvPr/>
+        </p:nvPicPr>
+        <p:blipFill>
+          <a:blip r:embed="rId3">
+            <a:alphaModFix/>
+          </a:blip>
+          <a:stretch>
+            <a:fillRect/>
+          </a:stretch>
+        </p:blipFill>
+        <p:spPr>
+          <a:xfrm>
+            <a:off x="4523000" y="1682500"/>
+            <a:ext cx="4324300" cy="3232399"/>
+          </a:xfrm>
+          <a:prstGeom prst="rect">
+            <a:avLst/>
+          </a:prstGeom>
+          <a:noFill/>
+          <a:ln>
+            <a:noFill/>
+          </a:ln>
+        </p:spPr>
+      </p:pic>
+      <p:pic>
+        <p:nvPicPr>
+          <p:cNvPr id="126" name="Google Shape;126;p22"/>
+          <p:cNvPicPr preferRelativeResize="0"/>
+          <p:nvPr/>
+        </p:nvPicPr>
+        <p:blipFill rotWithShape="1">
+          <a:blip r:embed="rId4">
+            <a:alphaModFix/>
+          </a:blip>
+          <a:srcRect b="7097" l="0" r="0" t="0"/>
+          <a:stretch/>
+        </p:blipFill>
+        <p:spPr>
+          <a:xfrm>
+            <a:off x="361925" y="1466700"/>
+            <a:ext cx="3857351" cy="3581876"/>
+          </a:xfrm>
+          <a:prstGeom prst="rect">
+            <a:avLst/>
+          </a:prstGeom>
+          <a:noFill/>
+          <a:ln>
+            <a:noFill/>
+          </a:ln>
+        </p:spPr>
+      </p:pic>
+      <p:sp>
+        <p:nvSpPr>
+          <p:cNvPr id="127" name="Google Shape;127;p22"/>
+          <p:cNvSpPr txBox="1"/>
+          <p:nvPr/>
+        </p:nvSpPr>
+        <p:spPr>
+          <a:xfrm>
+            <a:off x="4359600" y="221000"/>
+            <a:ext cx="4784400" cy="801000"/>
+          </a:xfrm>
+          <a:prstGeom prst="rect">
+            <a:avLst/>
+          </a:prstGeom>
+          <a:noFill/>
+          <a:ln>
+            <a:noFill/>
+          </a:ln>
+        </p:spPr>
+        <p:txBody>
+          <a:bodyPr anchorCtr="0" anchor="t" bIns="91425" lIns="91425" spcFirstLastPara="1" rIns="91425" wrap="square" tIns="91425">
+            <a:noAutofit/>
+          </a:bodyPr>
+          <a:lstStyle/>
+          <a:p>
+            <a:pPr indent="0" lvl="0" marL="0" rtl="0" algn="l">
+              <a:spcBef>
+                <a:spcPts val="0"/>
+              </a:spcBef>
+              <a:spcAft>
+                <a:spcPts val="0"/>
+              </a:spcAft>
+              <a:buNone/>
+            </a:pPr>
+            <a:r>
+              <a:rPr lang="es" sz="1500">
+                <a:solidFill>
+                  <a:schemeClr val="dk2"/>
+                </a:solidFill>
+                <a:latin typeface="Source Code Pro"/>
+                <a:ea typeface="Source Code Pro"/>
+                <a:cs typeface="Source Code Pro"/>
+                <a:sym typeface="Source Code Pro"/>
+              </a:rPr>
+              <a:t>Se recomienda ver:</a:t>
+            </a:r>
+            <a:endParaRPr sz="1500"/>
+          </a:p>
+          <a:p>
+            <a:pPr indent="0" lvl="0" marL="0" rtl="0" algn="l">
+              <a:spcBef>
+                <a:spcPts val="0"/>
+              </a:spcBef>
+              <a:spcAft>
+                <a:spcPts val="0"/>
+              </a:spcAft>
+              <a:buNone/>
+            </a:pPr>
+            <a:r>
+              <a:rPr lang="es" u="sng">
+                <a:solidFill>
+                  <a:schemeClr val="hlink"/>
+                </a:solidFill>
+                <a:latin typeface="Source Code Pro"/>
+                <a:ea typeface="Source Code Pro"/>
+                <a:cs typeface="Source Code Pro"/>
+                <a:sym typeface="Source Code Pro"/>
+                <a:hlinkClick r:id="rId5"/>
+              </a:rPr>
+              <a:t>https://www.youtube.com/watch?v=V6lWLUGSPf4</a:t>
+            </a:r>
+            <a:endParaRPr>
+              <a:latin typeface="Source Code Pro"/>
+              <a:ea typeface="Source Code Pro"/>
+              <a:cs typeface="Source Code Pro"/>
+              <a:sym typeface="Source Code Pro"/>
+            </a:endParaRPr>
+          </a:p>
+          <a:p>
+            <a:pPr indent="0" lvl="0" marL="0" rtl="0" algn="l">
+              <a:spcBef>
+                <a:spcPts val="0"/>
+              </a:spcBef>
+              <a:spcAft>
+                <a:spcPts val="0"/>
+              </a:spcAft>
+              <a:buNone/>
+            </a:pPr>
+            <a:r>
+              <a:t/>
+            </a:r>
+            <a:endParaRPr>
+              <a:latin typeface="Source Code Pro"/>
+              <a:ea typeface="Source Code Pro"/>
+              <a:cs typeface="Source Code Pro"/>
+              <a:sym typeface="Source Code Pro"/>
+            </a:endParaRPr>
+          </a:p>
+        </p:txBody>
+      </p:sp>
+    </p:spTree>
+  </p:cSld>
+  <p:clrMapOvr>
+    <a:masterClrMapping/>
+  </p:clrMapOvr>
+</p:sld>
+</file>
+
+<file path=ppt/slides/slide11.xml><?xml version="1.0" encoding="utf-8"?>
+<p:sld xmlns:a="http://schemas.openxmlformats.org/drawingml/2006/main" xmlns:r="http://schemas.openxmlformats.org/officeDocument/2006/relationships" xmlns:mc="http://schemas.openxmlformats.org/markup-compatibility/2006" xmlns:mv="urn:schemas-microsoft-com:mac:vml" xmlns:p="http://schemas.openxmlformats.org/presentationml/2006/main" xmlns:c="http://schemas.openxmlformats.org/drawingml/2006/chart" xmlns:dgm="http://schemas.openxmlformats.org/drawingml/2006/diagram" xmlns:o="urn:schemas-microsoft-com:office:office" xmlns:v="urn:schemas-microsoft-com:vml" xmlns:pvml="urn:schemas-microsoft-com:office:powerpoint" xmlns:com="http://schemas.openxmlformats.org/drawingml/2006/compatibility" xmlns:p14="http://schemas.microsoft.com/office/powerpoint/2010/main" xmlns:p15="http://schemas.microsoft.com/office/powerpoint/2012/main" xmlns:ahyp="http://schemas.microsoft.com/office/drawing/2018/hyperlinkcolor">
+  <p:cSld>
+    <p:spTree>
+      <p:nvGrpSpPr>
+        <p:cNvPr id="131" name="Shape 131"/>
+        <p:cNvGrpSpPr/>
+        <p:nvPr/>
+      </p:nvGrpSpPr>
+      <p:grpSpPr>
+        <a:xfrm>
+          <a:off x="0" y="0"/>
+          <a:ext cx="0" cy="0"/>
+          <a:chOff x="0" y="0"/>
+          <a:chExt cx="0" cy="0"/>
+        </a:xfrm>
+      </p:grpSpPr>
+      <p:sp>
+        <p:nvSpPr>
+          <p:cNvPr id="132" name="Google Shape;132;p23"/>
+          <p:cNvSpPr txBox="1"/>
+          <p:nvPr>
+            <p:ph type="title"/>
+          </p:nvPr>
+        </p:nvSpPr>
+        <p:spPr>
+          <a:xfrm>
+            <a:off x="490250" y="526350"/>
+            <a:ext cx="8159700" cy="4090800"/>
+          </a:xfrm>
+          <a:prstGeom prst="rect">
+            <a:avLst/>
+          </a:prstGeom>
+        </p:spPr>
+        <p:txBody>
+          <a:bodyPr anchorCtr="0" anchor="ctr" bIns="91425" lIns="91425" spcFirstLastPara="1" rIns="91425" wrap="square" tIns="91425">
+            <a:noAutofit/>
+          </a:bodyPr>
+          <a:lstStyle/>
+          <a:p>
+            <a:pPr indent="0" lvl="0" marL="0" rtl="0" algn="l">
+              <a:spcBef>
+                <a:spcPts val="0"/>
+              </a:spcBef>
+              <a:spcAft>
+                <a:spcPts val="0"/>
+              </a:spcAft>
+              <a:buNone/>
+            </a:pPr>
+            <a:r>
+              <a:rPr lang="es"/>
+              <a:t>	ESTRATEGIAS DE VALIDACIÓN</a:t>
+            </a:r>
+            <a:endParaRPr/>
+          </a:p>
+        </p:txBody>
+      </p:sp>
+    </p:spTree>
+  </p:cSld>
+  <p:clrMapOvr>
+    <a:masterClrMapping/>
+  </p:clrMapOvr>
+</p:sld>
+</file>
+
+<file path=ppt/slides/slide12.xml><?xml version="1.0" encoding="utf-8"?>
+<p:sld xmlns:a="http://schemas.openxmlformats.org/drawingml/2006/main" xmlns:r="http://schemas.openxmlformats.org/officeDocument/2006/relationships" xmlns:mc="http://schemas.openxmlformats.org/markup-compatibility/2006" xmlns:mv="urn:schemas-microsoft-com:mac:vml" xmlns:p="http://schemas.openxmlformats.org/presentationml/2006/main" xmlns:c="http://schemas.openxmlformats.org/drawingml/2006/chart" xmlns:dgm="http://schemas.openxmlformats.org/drawingml/2006/diagram" xmlns:o="urn:schemas-microsoft-com:office:office" xmlns:v="urn:schemas-microsoft-com:vml" xmlns:pvml="urn:schemas-microsoft-com:office:powerpoint" xmlns:com="http://schemas.openxmlformats.org/drawingml/2006/compatibility" xmlns:p14="http://schemas.microsoft.com/office/powerpoint/2010/main" xmlns:p15="http://schemas.microsoft.com/office/powerpoint/2012/main" xmlns:ahyp="http://schemas.microsoft.com/office/drawing/2018/hyperlinkcolor">
+  <p:cSld>
+    <p:spTree>
+      <p:nvGrpSpPr>
+        <p:cNvPr id="136" name="Shape 136"/>
+        <p:cNvGrpSpPr/>
+        <p:nvPr/>
+      </p:nvGrpSpPr>
+      <p:grpSpPr>
+        <a:xfrm>
+          <a:off x="0" y="0"/>
+          <a:ext cx="0" cy="0"/>
+          <a:chOff x="0" y="0"/>
+          <a:chExt cx="0" cy="0"/>
+        </a:xfrm>
+      </p:grpSpPr>
+      <p:sp>
+        <p:nvSpPr>
+          <p:cNvPr id="137" name="Google Shape;137;p24"/>
+          <p:cNvSpPr txBox="1"/>
+          <p:nvPr>
+            <p:ph type="title"/>
+          </p:nvPr>
+        </p:nvSpPr>
+        <p:spPr>
+          <a:xfrm>
+            <a:off x="311700" y="292850"/>
+            <a:ext cx="8520600" cy="801000"/>
+          </a:xfrm>
+          <a:prstGeom prst="rect">
+            <a:avLst/>
+          </a:prstGeom>
+        </p:spPr>
+        <p:txBody>
+          <a:bodyPr anchorCtr="0" anchor="t" bIns="91425" lIns="91425" spcFirstLastPara="1" rIns="91425" wrap="square" tIns="91425">
+            <a:noAutofit/>
+          </a:bodyPr>
+          <a:lstStyle/>
+          <a:p>
+            <a:pPr indent="0" lvl="0" marL="0" rtl="0" algn="l">
+              <a:spcBef>
+                <a:spcPts val="0"/>
+              </a:spcBef>
+              <a:spcAft>
+                <a:spcPts val="0"/>
+              </a:spcAft>
+              <a:buNone/>
+            </a:pPr>
+            <a:r>
+              <a:rPr lang="es"/>
+              <a:t>Hold out Validation</a:t>
+            </a:r>
+            <a:endParaRPr/>
+          </a:p>
+        </p:txBody>
+      </p:sp>
+      <p:sp>
+        <p:nvSpPr>
+          <p:cNvPr id="138" name="Google Shape;138;p24"/>
+          <p:cNvSpPr txBox="1"/>
+          <p:nvPr>
+            <p:ph idx="1" type="body"/>
+          </p:nvPr>
+        </p:nvSpPr>
+        <p:spPr>
+          <a:xfrm>
+            <a:off x="311700" y="1228675"/>
+            <a:ext cx="8520600" cy="3340200"/>
+          </a:xfrm>
+          <a:prstGeom prst="rect">
+            <a:avLst/>
+          </a:prstGeom>
+        </p:spPr>
+        <p:txBody>
+          <a:bodyPr anchorCtr="0" anchor="t" bIns="91425" lIns="91425" spcFirstLastPara="1" rIns="91425" wrap="square" tIns="91425">
+            <a:noAutofit/>
+          </a:bodyPr>
+          <a:lstStyle/>
+          <a:p>
+            <a:pPr indent="0" lvl="0" marL="0" rtl="0" algn="just">
+              <a:spcBef>
+                <a:spcPts val="0"/>
+              </a:spcBef>
+              <a:spcAft>
+                <a:spcPts val="0"/>
+              </a:spcAft>
+              <a:buNone/>
+            </a:pPr>
+            <a:r>
+              <a:rPr lang="es" sz="1500"/>
+              <a:t>Dado un dataset se particiona aleatoriamente en dos conjuntos independientes:</a:t>
+            </a:r>
+            <a:endParaRPr sz="1500"/>
+          </a:p>
+          <a:p>
+            <a:pPr indent="-323850" lvl="0" marL="457200" rtl="0" algn="just">
+              <a:spcBef>
+                <a:spcPts val="1600"/>
+              </a:spcBef>
+              <a:spcAft>
+                <a:spcPts val="0"/>
+              </a:spcAft>
+              <a:buSzPts val="1500"/>
+              <a:buChar char="●"/>
+            </a:pPr>
+            <a:r>
+              <a:rPr lang="es" sz="1500"/>
+              <a:t>Train set: Para la construcción del modelo estadístico, i.e. construcción del clasificador, (e.g. ⅔ del conjunto de datos).</a:t>
+            </a:r>
+            <a:endParaRPr sz="1500"/>
+          </a:p>
+          <a:p>
+            <a:pPr indent="-323850" lvl="0" marL="457200" rtl="0" algn="just">
+              <a:spcBef>
+                <a:spcPts val="0"/>
+              </a:spcBef>
+              <a:spcAft>
+                <a:spcPts val="0"/>
+              </a:spcAft>
+              <a:buSzPts val="1500"/>
+              <a:buChar char="●"/>
+            </a:pPr>
+            <a:r>
+              <a:rPr lang="es" sz="1500"/>
+              <a:t>Test set: Se utiliza para la estimación de la precisión del clasificador entrenado, (e.g. ⅓ del conjunto de datos).</a:t>
+            </a:r>
+            <a:endParaRPr sz="1500"/>
+          </a:p>
+        </p:txBody>
+      </p:sp>
+      <p:pic>
+        <p:nvPicPr>
+          <p:cNvPr id="139" name="Google Shape;139;p24"/>
+          <p:cNvPicPr preferRelativeResize="0"/>
+          <p:nvPr/>
+        </p:nvPicPr>
+        <p:blipFill rotWithShape="1">
+          <a:blip r:embed="rId3">
+            <a:alphaModFix/>
+          </a:blip>
+          <a:srcRect b="57619" l="0" r="51090" t="6278"/>
+          <a:stretch/>
+        </p:blipFill>
+        <p:spPr>
+          <a:xfrm>
+            <a:off x="3169275" y="3225575"/>
+            <a:ext cx="3029074" cy="1856901"/>
+          </a:xfrm>
+          <a:prstGeom prst="rect">
+            <a:avLst/>
+          </a:prstGeom>
+          <a:noFill/>
+          <a:ln>
+            <a:noFill/>
+          </a:ln>
+        </p:spPr>
+      </p:pic>
+    </p:spTree>
+  </p:cSld>
+  <p:clrMapOvr>
+    <a:masterClrMapping/>
+  </p:clrMapOvr>
+</p:sld>
+</file>
+
+<file path=ppt/slides/slide13.xml><?xml version="1.0" encoding="utf-8"?>
+<p:sld xmlns:a="http://schemas.openxmlformats.org/drawingml/2006/main" xmlns:r="http://schemas.openxmlformats.org/officeDocument/2006/relationships" xmlns:mc="http://schemas.openxmlformats.org/markup-compatibility/2006" xmlns:mv="urn:schemas-microsoft-com:mac:vml" xmlns:p="http://schemas.openxmlformats.org/presentationml/2006/main" xmlns:c="http://schemas.openxmlformats.org/drawingml/2006/chart" xmlns:dgm="http://schemas.openxmlformats.org/drawingml/2006/diagram" xmlns:o="urn:schemas-microsoft-com:office:office" xmlns:v="urn:schemas-microsoft-com:vml" xmlns:pvml="urn:schemas-microsoft-com:office:powerpoint" xmlns:com="http://schemas.openxmlformats.org/drawingml/2006/compatibility" xmlns:p14="http://schemas.microsoft.com/office/powerpoint/2010/main" xmlns:p15="http://schemas.microsoft.com/office/powerpoint/2012/main" xmlns:ahyp="http://schemas.microsoft.com/office/drawing/2018/hyperlinkcolor">
+  <p:cSld>
+    <p:spTree>
+      <p:nvGrpSpPr>
+        <p:cNvPr id="143" name="Shape 143"/>
+        <p:cNvGrpSpPr/>
+        <p:nvPr/>
+      </p:nvGrpSpPr>
+      <p:grpSpPr>
+        <a:xfrm>
+          <a:off x="0" y="0"/>
+          <a:ext cx="0" cy="0"/>
+          <a:chOff x="0" y="0"/>
+          <a:chExt cx="0" cy="0"/>
+        </a:xfrm>
+      </p:grpSpPr>
+      <p:sp>
+        <p:nvSpPr>
+          <p:cNvPr id="144" name="Google Shape;144;p25"/>
+          <p:cNvSpPr txBox="1"/>
+          <p:nvPr>
+            <p:ph type="title"/>
+          </p:nvPr>
+        </p:nvSpPr>
+        <p:spPr>
+          <a:xfrm>
+            <a:off x="311700" y="292850"/>
+            <a:ext cx="8520600" cy="801000"/>
+          </a:xfrm>
+          <a:prstGeom prst="rect">
+            <a:avLst/>
+          </a:prstGeom>
+        </p:spPr>
+        <p:txBody>
+          <a:bodyPr anchorCtr="0" anchor="t" bIns="91425" lIns="91425" spcFirstLastPara="1" rIns="91425" wrap="square" tIns="91425">
+            <a:noAutofit/>
+          </a:bodyPr>
+          <a:lstStyle/>
+          <a:p>
+            <a:pPr indent="0" lvl="0" marL="0" rtl="0" algn="l">
+              <a:spcBef>
+                <a:spcPts val="0"/>
+              </a:spcBef>
+              <a:spcAft>
+                <a:spcPts val="0"/>
+              </a:spcAft>
+              <a:buNone/>
+            </a:pPr>
+            <a:r>
+              <a:rPr lang="es"/>
+              <a:t>Hold out Validation</a:t>
+            </a:r>
+            <a:endParaRPr/>
+          </a:p>
+          <a:p>
+            <a:pPr indent="0" lvl="0" marL="0" rtl="0" algn="l">
+              <a:spcBef>
+                <a:spcPts val="0"/>
+              </a:spcBef>
+              <a:spcAft>
+                <a:spcPts val="0"/>
+              </a:spcAft>
+              <a:buNone/>
+            </a:pPr>
+            <a:r>
+              <a:t/>
+            </a:r>
+            <a:endParaRPr/>
+          </a:p>
+        </p:txBody>
+      </p:sp>
+      <p:sp>
+        <p:nvSpPr>
+          <p:cNvPr id="145" name="Google Shape;145;p25"/>
+          <p:cNvSpPr txBox="1"/>
+          <p:nvPr>
+            <p:ph idx="1" type="body"/>
+          </p:nvPr>
+        </p:nvSpPr>
+        <p:spPr>
+          <a:xfrm>
+            <a:off x="311700" y="1228675"/>
+            <a:ext cx="8520600" cy="3340200"/>
+          </a:xfrm>
+          <a:prstGeom prst="rect">
+            <a:avLst/>
+          </a:prstGeom>
+        </p:spPr>
+        <p:txBody>
+          <a:bodyPr anchorCtr="0" anchor="t" bIns="91425" lIns="91425" spcFirstLastPara="1" rIns="91425" wrap="square" tIns="91425">
+            <a:noAutofit/>
+          </a:bodyPr>
+          <a:lstStyle/>
+          <a:p>
+            <a:pPr indent="0" lvl="0" marL="0" rtl="0" algn="l">
+              <a:spcBef>
+                <a:spcPts val="0"/>
+              </a:spcBef>
+              <a:spcAft>
+                <a:spcPts val="1600"/>
+              </a:spcAft>
+              <a:buNone/>
+            </a:pPr>
+            <a:r>
+              <a:t/>
+            </a:r>
+            <a:endParaRPr/>
+          </a:p>
+        </p:txBody>
+      </p:sp>
+      <p:pic>
+        <p:nvPicPr>
+          <p:cNvPr id="146" name="Google Shape;146;p25"/>
+          <p:cNvPicPr preferRelativeResize="0"/>
+          <p:nvPr/>
+        </p:nvPicPr>
+        <p:blipFill>
+          <a:blip r:embed="rId3">
+            <a:alphaModFix/>
+          </a:blip>
+          <a:stretch>
+            <a:fillRect/>
+          </a:stretch>
+        </p:blipFill>
+        <p:spPr>
+          <a:xfrm>
+            <a:off x="1265787" y="1117776"/>
+            <a:ext cx="6612426" cy="3562000"/>
+          </a:xfrm>
+          <a:prstGeom prst="rect">
+            <a:avLst/>
+          </a:prstGeom>
+          <a:noFill/>
+          <a:ln>
+            <a:noFill/>
+          </a:ln>
+        </p:spPr>
+      </p:pic>
+    </p:spTree>
+  </p:cSld>
+  <p:clrMapOvr>
+    <a:masterClrMapping/>
+  </p:clrMapOvr>
+</p:sld>
+</file>
+
+<file path=ppt/slides/slide14.xml><?xml version="1.0" encoding="utf-8"?>
+<p:sld xmlns:a="http://schemas.openxmlformats.org/drawingml/2006/main" xmlns:r="http://schemas.openxmlformats.org/officeDocument/2006/relationships" xmlns:mc="http://schemas.openxmlformats.org/markup-compatibility/2006" xmlns:mv="urn:schemas-microsoft-com:mac:vml" xmlns:p="http://schemas.openxmlformats.org/presentationml/2006/main" xmlns:c="http://schemas.openxmlformats.org/drawingml/2006/chart" xmlns:dgm="http://schemas.openxmlformats.org/drawingml/2006/diagram" xmlns:o="urn:schemas-microsoft-com:office:office" xmlns:v="urn:schemas-microsoft-com:vml" xmlns:pvml="urn:schemas-microsoft-com:office:powerpoint" xmlns:com="http://schemas.openxmlformats.org/drawingml/2006/compatibility" xmlns:p14="http://schemas.microsoft.com/office/powerpoint/2010/main" xmlns:p15="http://schemas.microsoft.com/office/powerpoint/2012/main" xmlns:ahyp="http://schemas.microsoft.com/office/drawing/2018/hyperlinkcolor">
+  <p:cSld>
+    <p:spTree>
+      <p:nvGrpSpPr>
+        <p:cNvPr id="150" name="Shape 150"/>
+        <p:cNvGrpSpPr/>
+        <p:nvPr/>
+      </p:nvGrpSpPr>
+      <p:grpSpPr>
+        <a:xfrm>
+          <a:off x="0" y="0"/>
+          <a:ext cx="0" cy="0"/>
+          <a:chOff x="0" y="0"/>
+          <a:chExt cx="0" cy="0"/>
+        </a:xfrm>
+      </p:grpSpPr>
+      <p:sp>
+        <p:nvSpPr>
+          <p:cNvPr id="151" name="Google Shape;151;p26"/>
+          <p:cNvSpPr txBox="1"/>
+          <p:nvPr>
+            <p:ph type="title"/>
+          </p:nvPr>
+        </p:nvSpPr>
+        <p:spPr>
+          <a:xfrm>
+            <a:off x="311700" y="292850"/>
+            <a:ext cx="8520600" cy="801000"/>
+          </a:xfrm>
+          <a:prstGeom prst="rect">
+            <a:avLst/>
+          </a:prstGeom>
+        </p:spPr>
+        <p:txBody>
+          <a:bodyPr anchorCtr="0" anchor="t" bIns="91425" lIns="91425" spcFirstLastPara="1" rIns="91425" wrap="square" tIns="91425">
+            <a:noAutofit/>
+          </a:bodyPr>
+          <a:lstStyle/>
+          <a:p>
+            <a:pPr indent="0" lvl="0" marL="0" rtl="0" algn="l">
+              <a:spcBef>
+                <a:spcPts val="0"/>
+              </a:spcBef>
+              <a:spcAft>
+                <a:spcPts val="0"/>
+              </a:spcAft>
+              <a:buNone/>
+            </a:pPr>
+            <a:r>
+              <a:rPr lang="es"/>
+              <a:t>k-fold cross validation </a:t>
+            </a:r>
+            <a:endParaRPr/>
+          </a:p>
+        </p:txBody>
+      </p:sp>
+      <p:sp>
+        <p:nvSpPr>
+          <p:cNvPr id="152" name="Google Shape;152;p26"/>
+          <p:cNvSpPr txBox="1"/>
+          <p:nvPr>
+            <p:ph idx="1" type="body"/>
+          </p:nvPr>
+        </p:nvSpPr>
+        <p:spPr>
+          <a:xfrm>
+            <a:off x="311700" y="1093850"/>
+            <a:ext cx="8520600" cy="3340200"/>
+          </a:xfrm>
+          <a:prstGeom prst="rect">
+            <a:avLst/>
+          </a:prstGeom>
+        </p:spPr>
+        <p:txBody>
+          <a:bodyPr anchorCtr="0" anchor="t" bIns="91425" lIns="91425" spcFirstLastPara="1" rIns="91425" wrap="square" tIns="91425">
+            <a:noAutofit/>
+          </a:bodyPr>
+          <a:lstStyle/>
+          <a:p>
+            <a:pPr indent="-323850" lvl="0" marL="457200" rtl="0" algn="l">
+              <a:spcBef>
+                <a:spcPts val="0"/>
+              </a:spcBef>
+              <a:spcAft>
+                <a:spcPts val="0"/>
+              </a:spcAft>
+              <a:buSzPts val="1500"/>
+              <a:buChar char="●"/>
+            </a:pPr>
+            <a:r>
+              <a:rPr lang="es" sz="1500"/>
+              <a:t>El conjunto de entrenamiento es dividido aleatoriamente en k subconjuntos de igual tamaño.</a:t>
+            </a:r>
+            <a:endParaRPr sz="1500"/>
+          </a:p>
+          <a:p>
+            <a:pPr indent="-323850" lvl="0" marL="457200" rtl="0" algn="l">
+              <a:spcBef>
+                <a:spcPts val="0"/>
+              </a:spcBef>
+              <a:spcAft>
+                <a:spcPts val="0"/>
+              </a:spcAft>
+              <a:buSzPts val="1500"/>
+              <a:buChar char="●"/>
+            </a:pPr>
+            <a:r>
+              <a:rPr lang="es" sz="1500"/>
+              <a:t>El clasificador es entrenado k veces, cada vez con un diferente conjunto de prueba.</a:t>
+            </a:r>
+            <a:endParaRPr sz="1500"/>
+          </a:p>
+          <a:p>
+            <a:pPr indent="-323850" lvl="0" marL="457200" rtl="0" algn="l">
+              <a:spcBef>
+                <a:spcPts val="0"/>
+              </a:spcBef>
+              <a:spcAft>
+                <a:spcPts val="0"/>
+              </a:spcAft>
+              <a:buSzPts val="1500"/>
+              <a:buChar char="●"/>
+            </a:pPr>
+            <a:r>
+              <a:rPr lang="es" sz="1500"/>
+              <a:t>El desempeño del clasificador es la media de los k pliegues.</a:t>
+            </a:r>
+            <a:endParaRPr sz="1500"/>
+          </a:p>
+        </p:txBody>
+      </p:sp>
+      <p:pic>
+        <p:nvPicPr>
+          <p:cNvPr id="153" name="Google Shape;153;p26"/>
+          <p:cNvPicPr preferRelativeResize="0"/>
+          <p:nvPr/>
+        </p:nvPicPr>
+        <p:blipFill rotWithShape="1">
+          <a:blip r:embed="rId3">
+            <a:alphaModFix/>
+          </a:blip>
+          <a:srcRect b="0" l="0" r="0" t="6437"/>
+          <a:stretch/>
+        </p:blipFill>
+        <p:spPr>
+          <a:xfrm>
+            <a:off x="2286000" y="2571750"/>
+            <a:ext cx="4572001" cy="2571749"/>
+          </a:xfrm>
+          <a:prstGeom prst="rect">
+            <a:avLst/>
+          </a:prstGeom>
+          <a:noFill/>
+          <a:ln>
+            <a:noFill/>
+          </a:ln>
+        </p:spPr>
+      </p:pic>
+    </p:spTree>
+  </p:cSld>
+  <p:clrMapOvr>
+    <a:masterClrMapping/>
+  </p:clrMapOvr>
+</p:sld>
+</file>
+
+<file path=ppt/slides/slide15.xml><?xml version="1.0" encoding="utf-8"?>
+<p:sld xmlns:a="http://schemas.openxmlformats.org/drawingml/2006/main" xmlns:r="http://schemas.openxmlformats.org/officeDocument/2006/relationships" xmlns:mc="http://schemas.openxmlformats.org/markup-compatibility/2006" xmlns:mv="urn:schemas-microsoft-com:mac:vml" xmlns:p="http://schemas.openxmlformats.org/presentationml/2006/main" xmlns:c="http://schemas.openxmlformats.org/drawingml/2006/chart" xmlns:dgm="http://schemas.openxmlformats.org/drawingml/2006/diagram" xmlns:o="urn:schemas-microsoft-com:office:office" xmlns:v="urn:schemas-microsoft-com:vml" xmlns:pvml="urn:schemas-microsoft-com:office:powerpoint" xmlns:com="http://schemas.openxmlformats.org/drawingml/2006/compatibility" xmlns:p14="http://schemas.microsoft.com/office/powerpoint/2010/main" xmlns:p15="http://schemas.microsoft.com/office/powerpoint/2012/main" xmlns:ahyp="http://schemas.microsoft.com/office/drawing/2018/hyperlinkcolor">
+  <p:cSld>
+    <p:spTree>
+      <p:nvGrpSpPr>
+        <p:cNvPr id="157" name="Shape 157"/>
+        <p:cNvGrpSpPr/>
+        <p:nvPr/>
+      </p:nvGrpSpPr>
+      <p:grpSpPr>
+        <a:xfrm>
+          <a:off x="0" y="0"/>
+          <a:ext cx="0" cy="0"/>
+          <a:chOff x="0" y="0"/>
+          <a:chExt cx="0" cy="0"/>
+        </a:xfrm>
+      </p:grpSpPr>
+      <p:sp>
+        <p:nvSpPr>
+          <p:cNvPr id="158" name="Google Shape;158;p27"/>
+          <p:cNvSpPr txBox="1"/>
+          <p:nvPr>
+            <p:ph type="title"/>
+          </p:nvPr>
+        </p:nvSpPr>
+        <p:spPr>
+          <a:xfrm>
+            <a:off x="311700" y="292850"/>
+            <a:ext cx="8520600" cy="801000"/>
+          </a:xfrm>
+          <a:prstGeom prst="rect">
+            <a:avLst/>
+          </a:prstGeom>
+        </p:spPr>
+        <p:txBody>
+          <a:bodyPr anchorCtr="0" anchor="t" bIns="91425" lIns="91425" spcFirstLastPara="1" rIns="91425" wrap="square" tIns="91425">
+            <a:noAutofit/>
+          </a:bodyPr>
+          <a:lstStyle/>
+          <a:p>
+            <a:pPr indent="0" lvl="0" marL="0" rtl="0" algn="l">
+              <a:spcBef>
+                <a:spcPts val="0"/>
+              </a:spcBef>
+              <a:spcAft>
+                <a:spcPts val="0"/>
+              </a:spcAft>
+              <a:buNone/>
+            </a:pPr>
+            <a:r>
+              <a:rPr lang="es"/>
+              <a:t>k-fold cross validation </a:t>
+            </a:r>
+            <a:endParaRPr/>
+          </a:p>
+          <a:p>
+            <a:pPr indent="0" lvl="0" marL="0" rtl="0" algn="l">
+              <a:spcBef>
+                <a:spcPts val="0"/>
+              </a:spcBef>
+              <a:spcAft>
+                <a:spcPts val="0"/>
+              </a:spcAft>
+              <a:buNone/>
+            </a:pPr>
+            <a:r>
+              <a:t/>
+            </a:r>
+            <a:endParaRPr/>
+          </a:p>
+        </p:txBody>
+      </p:sp>
+      <p:pic>
+        <p:nvPicPr>
+          <p:cNvPr id="159" name="Google Shape;159;p27"/>
+          <p:cNvPicPr preferRelativeResize="0"/>
+          <p:nvPr/>
+        </p:nvPicPr>
+        <p:blipFill>
+          <a:blip r:embed="rId3">
+            <a:alphaModFix/>
+          </a:blip>
+          <a:stretch>
+            <a:fillRect/>
+          </a:stretch>
+        </p:blipFill>
+        <p:spPr>
+          <a:xfrm>
+            <a:off x="969425" y="1228674"/>
+            <a:ext cx="7205151" cy="3554550"/>
+          </a:xfrm>
+          <a:prstGeom prst="rect">
+            <a:avLst/>
+          </a:prstGeom>
+          <a:noFill/>
+          <a:ln>
+            <a:noFill/>
+          </a:ln>
+        </p:spPr>
+      </p:pic>
+    </p:spTree>
+  </p:cSld>
+  <p:clrMapOvr>
+    <a:masterClrMapping/>
+  </p:clrMapOvr>
+</p:sld>
+</file>
+
+<file path=ppt/slides/slide16.xml><?xml version="1.0" encoding="utf-8"?>
+<p:sld xmlns:a="http://schemas.openxmlformats.org/drawingml/2006/main" xmlns:r="http://schemas.openxmlformats.org/officeDocument/2006/relationships" xmlns:mc="http://schemas.openxmlformats.org/markup-compatibility/2006" xmlns:mv="urn:schemas-microsoft-com:mac:vml" xmlns:p="http://schemas.openxmlformats.org/presentationml/2006/main" xmlns:c="http://schemas.openxmlformats.org/drawingml/2006/chart" xmlns:dgm="http://schemas.openxmlformats.org/drawingml/2006/diagram" xmlns:o="urn:schemas-microsoft-com:office:office" xmlns:v="urn:schemas-microsoft-com:vml" xmlns:pvml="urn:schemas-microsoft-com:office:powerpoint" xmlns:com="http://schemas.openxmlformats.org/drawingml/2006/compatibility" xmlns:p14="http://schemas.microsoft.com/office/powerpoint/2010/main" xmlns:p15="http://schemas.microsoft.com/office/powerpoint/2012/main" xmlns:ahyp="http://schemas.microsoft.com/office/drawing/2018/hyperlinkcolor">
+  <p:cSld>
+    <p:spTree>
+      <p:nvGrpSpPr>
+        <p:cNvPr id="163" name="Shape 163"/>
+        <p:cNvGrpSpPr/>
+        <p:nvPr/>
+      </p:nvGrpSpPr>
+      <p:grpSpPr>
+        <a:xfrm>
+          <a:off x="0" y="0"/>
+          <a:ext cx="0" cy="0"/>
+          <a:chOff x="0" y="0"/>
+          <a:chExt cx="0" cy="0"/>
+        </a:xfrm>
+      </p:grpSpPr>
+      <p:sp>
+        <p:nvSpPr>
+          <p:cNvPr id="164" name="Google Shape;164;p28"/>
+          <p:cNvSpPr txBox="1"/>
+          <p:nvPr>
+            <p:ph type="title"/>
+          </p:nvPr>
+        </p:nvSpPr>
+        <p:spPr>
+          <a:xfrm>
+            <a:off x="311700" y="292850"/>
+            <a:ext cx="8520600" cy="801000"/>
+          </a:xfrm>
+          <a:prstGeom prst="rect">
+            <a:avLst/>
+          </a:prstGeom>
+        </p:spPr>
+        <p:txBody>
+          <a:bodyPr anchorCtr="0" anchor="t" bIns="91425" lIns="91425" spcFirstLastPara="1" rIns="91425" wrap="square" tIns="91425">
+            <a:noAutofit/>
+          </a:bodyPr>
+          <a:lstStyle/>
+          <a:p>
+            <a:pPr indent="0" lvl="0" marL="0" rtl="0" algn="l">
+              <a:spcBef>
+                <a:spcPts val="0"/>
+              </a:spcBef>
+              <a:spcAft>
+                <a:spcPts val="0"/>
+              </a:spcAft>
+              <a:buNone/>
+            </a:pPr>
+            <a:r>
+              <a:rPr lang="es"/>
+              <a:t>Leave-one-out validation </a:t>
+            </a:r>
+            <a:endParaRPr/>
+          </a:p>
+        </p:txBody>
+      </p:sp>
+      <p:sp>
+        <p:nvSpPr>
+          <p:cNvPr id="165" name="Google Shape;165;p28"/>
+          <p:cNvSpPr txBox="1"/>
+          <p:nvPr>
+            <p:ph idx="1" type="body"/>
+          </p:nvPr>
+        </p:nvSpPr>
+        <p:spPr>
+          <a:xfrm>
+            <a:off x="311700" y="1228675"/>
+            <a:ext cx="8520600" cy="3340200"/>
+          </a:xfrm>
+          <a:prstGeom prst="rect">
+            <a:avLst/>
+          </a:prstGeom>
+        </p:spPr>
+        <p:txBody>
+          <a:bodyPr anchorCtr="0" anchor="t" bIns="91425" lIns="91425" spcFirstLastPara="1" rIns="91425" wrap="square" tIns="91425">
+            <a:noAutofit/>
+          </a:bodyPr>
+          <a:lstStyle/>
+          <a:p>
+            <a:pPr indent="-342900" lvl="0" marL="457200" rtl="0" algn="l">
+              <a:spcBef>
+                <a:spcPts val="0"/>
+              </a:spcBef>
+              <a:spcAft>
+                <a:spcPts val="0"/>
+              </a:spcAft>
+              <a:buSzPts val="1800"/>
+              <a:buChar char="●"/>
+            </a:pPr>
+            <a:r>
+              <a:rPr lang="es"/>
+              <a:t>Se trata de una variante del k-cross fold validation, donde </a:t>
+            </a:r>
+            <a:r>
+              <a:rPr i="1" lang="es"/>
+              <a:t>k=n</a:t>
+            </a:r>
+            <a:r>
+              <a:rPr lang="es"/>
+              <a:t>, </a:t>
+            </a:r>
+            <a:r>
+              <a:rPr i="1" lang="es"/>
+              <a:t>n </a:t>
+            </a:r>
+            <a:r>
+              <a:rPr lang="es"/>
+              <a:t>es el número total de muestras en el dataset.</a:t>
+            </a:r>
+            <a:endParaRPr/>
+          </a:p>
+          <a:p>
+            <a:pPr indent="-342900" lvl="0" marL="457200" rtl="0" algn="l">
+              <a:spcBef>
+                <a:spcPts val="0"/>
+              </a:spcBef>
+              <a:spcAft>
+                <a:spcPts val="0"/>
+              </a:spcAft>
+              <a:buSzPts val="1800"/>
+              <a:buChar char="●"/>
+            </a:pPr>
+            <a:r>
+              <a:rPr lang="es"/>
+              <a:t>Se realizan </a:t>
+            </a:r>
+            <a:r>
+              <a:rPr i="1" lang="es"/>
+              <a:t>n</a:t>
+            </a:r>
+            <a:r>
+              <a:rPr lang="es"/>
+              <a:t> experimentos usando </a:t>
+            </a:r>
+            <a:r>
+              <a:rPr i="1" lang="es"/>
+              <a:t>n-1</a:t>
+            </a:r>
+            <a:r>
+              <a:rPr lang="es"/>
+              <a:t> muestras como </a:t>
+            </a:r>
+            <a:r>
+              <a:rPr lang="es"/>
+              <a:t>entrenamiento</a:t>
+            </a:r>
+            <a:r>
+              <a:rPr lang="es"/>
+              <a:t> y el restante como prueba.</a:t>
+            </a:r>
+            <a:endParaRPr/>
+          </a:p>
+          <a:p>
+            <a:pPr indent="-342900" lvl="0" marL="457200" rtl="0" algn="l">
+              <a:spcBef>
+                <a:spcPts val="0"/>
+              </a:spcBef>
+              <a:spcAft>
+                <a:spcPts val="0"/>
+              </a:spcAft>
+              <a:buSzPts val="1800"/>
+              <a:buChar char="●"/>
+            </a:pPr>
+            <a:r>
+              <a:rPr lang="es"/>
+              <a:t>Es muy costoso computacionalmente. </a:t>
+            </a:r>
+            <a:endParaRPr/>
+          </a:p>
+        </p:txBody>
+      </p:sp>
+    </p:spTree>
+  </p:cSld>
+  <p:clrMapOvr>
+    <a:masterClrMapping/>
+  </p:clrMapOvr>
+</p:sld>
+</file>
+
+<file path=ppt/slides/slide17.xml><?xml version="1.0" encoding="utf-8"?>
+<p:sld xmlns:a="http://schemas.openxmlformats.org/drawingml/2006/main" xmlns:r="http://schemas.openxmlformats.org/officeDocument/2006/relationships" xmlns:mc="http://schemas.openxmlformats.org/markup-compatibility/2006" xmlns:mv="urn:schemas-microsoft-com:mac:vml" xmlns:p="http://schemas.openxmlformats.org/presentationml/2006/main" xmlns:c="http://schemas.openxmlformats.org/drawingml/2006/chart" xmlns:dgm="http://schemas.openxmlformats.org/drawingml/2006/diagram" xmlns:o="urn:schemas-microsoft-com:office:office" xmlns:v="urn:schemas-microsoft-com:vml" xmlns:pvml="urn:schemas-microsoft-com:office:powerpoint" xmlns:com="http://schemas.openxmlformats.org/drawingml/2006/compatibility" xmlns:p14="http://schemas.microsoft.com/office/powerpoint/2010/main" xmlns:p15="http://schemas.microsoft.com/office/powerpoint/2012/main" xmlns:ahyp="http://schemas.microsoft.com/office/drawing/2018/hyperlinkcolor">
+  <p:cSld>
+    <p:spTree>
+      <p:nvGrpSpPr>
+        <p:cNvPr id="169" name="Shape 169"/>
+        <p:cNvGrpSpPr/>
+        <p:nvPr/>
+      </p:nvGrpSpPr>
+      <p:grpSpPr>
+        <a:xfrm>
+          <a:off x="0" y="0"/>
+          <a:ext cx="0" cy="0"/>
+          <a:chOff x="0" y="0"/>
+          <a:chExt cx="0" cy="0"/>
+        </a:xfrm>
+      </p:grpSpPr>
+      <p:sp>
+        <p:nvSpPr>
+          <p:cNvPr id="170" name="Google Shape;170;p29"/>
+          <p:cNvSpPr txBox="1"/>
+          <p:nvPr>
+            <p:ph type="title"/>
+          </p:nvPr>
+        </p:nvSpPr>
+        <p:spPr>
+          <a:xfrm>
+            <a:off x="311700" y="292850"/>
+            <a:ext cx="8520600" cy="801000"/>
+          </a:xfrm>
+          <a:prstGeom prst="rect">
+            <a:avLst/>
+          </a:prstGeom>
+        </p:spPr>
+        <p:txBody>
+          <a:bodyPr anchorCtr="0" anchor="t" bIns="91425" lIns="91425" spcFirstLastPara="1" rIns="91425" wrap="square" tIns="91425">
+            <a:noAutofit/>
+          </a:bodyPr>
+          <a:lstStyle/>
+          <a:p>
+            <a:pPr indent="0" lvl="0" marL="0" rtl="0" algn="l">
+              <a:spcBef>
+                <a:spcPts val="0"/>
+              </a:spcBef>
+              <a:spcAft>
+                <a:spcPts val="0"/>
+              </a:spcAft>
+              <a:buNone/>
+            </a:pPr>
+            <a:r>
+              <a:rPr lang="es"/>
+              <a:t>Bootstrap aggregation (bagging)</a:t>
+            </a:r>
+            <a:endParaRPr/>
+          </a:p>
+        </p:txBody>
+      </p:sp>
+      <p:sp>
+        <p:nvSpPr>
+          <p:cNvPr id="171" name="Google Shape;171;p29"/>
+          <p:cNvSpPr txBox="1"/>
+          <p:nvPr>
+            <p:ph idx="1" type="body"/>
+          </p:nvPr>
+        </p:nvSpPr>
+        <p:spPr>
+          <a:xfrm>
+            <a:off x="311700" y="1211275"/>
+            <a:ext cx="8520600" cy="3340200"/>
+          </a:xfrm>
+          <a:prstGeom prst="rect">
+            <a:avLst/>
+          </a:prstGeom>
+        </p:spPr>
+        <p:txBody>
+          <a:bodyPr anchorCtr="0" anchor="t" bIns="91425" lIns="91425" spcFirstLastPara="1" rIns="91425" wrap="square" tIns="91425">
+            <a:noAutofit/>
+          </a:bodyPr>
+          <a:lstStyle/>
+          <a:p>
+            <a:pPr indent="-323850" lvl="0" marL="457200" rtl="0" algn="just">
+              <a:spcBef>
+                <a:spcPts val="0"/>
+              </a:spcBef>
+              <a:spcAft>
+                <a:spcPts val="0"/>
+              </a:spcAft>
+              <a:buSzPts val="1500"/>
+              <a:buChar char="●"/>
+            </a:pPr>
+            <a:r>
+              <a:rPr lang="es" sz="1500"/>
+              <a:t>Es un tipo de re-muestreo aleatorio con reemplazo.</a:t>
+            </a:r>
+            <a:endParaRPr sz="1500"/>
+          </a:p>
+          <a:p>
+            <a:pPr indent="-323850" lvl="0" marL="457200" rtl="0" algn="just">
+              <a:spcBef>
+                <a:spcPts val="0"/>
+              </a:spcBef>
+              <a:spcAft>
+                <a:spcPts val="0"/>
+              </a:spcAft>
+              <a:buSzPts val="1500"/>
+              <a:buChar char="●"/>
+            </a:pPr>
+            <a:r>
+              <a:rPr lang="es" sz="1500"/>
+              <a:t>Para un conjunto de entrenamiento </a:t>
+            </a:r>
+            <a:r>
+              <a:rPr i="1" lang="es" sz="1500"/>
+              <a:t>T</a:t>
+            </a:r>
+            <a:r>
+              <a:rPr lang="es" sz="1500"/>
+              <a:t> de tamaño </a:t>
+            </a:r>
+            <a:r>
+              <a:rPr i="1" lang="es" sz="1500"/>
+              <a:t>n</a:t>
+            </a:r>
+            <a:r>
+              <a:rPr lang="es" sz="1500"/>
+              <a:t>, se generan m nuevos conjuntos de entrenamiento </a:t>
+            </a:r>
+            <a:r>
+              <a:rPr i="1" lang="es" sz="1500"/>
+              <a:t>T’</a:t>
+            </a:r>
+            <a:r>
+              <a:rPr lang="es" sz="1500"/>
+              <a:t>, cada uno de tamaño </a:t>
+            </a:r>
+            <a:r>
+              <a:rPr i="1" lang="es" sz="1500"/>
+              <a:t>n’&lt;n</a:t>
+            </a:r>
+            <a:r>
+              <a:rPr lang="es" sz="1500"/>
+              <a:t> a través del muestreo de uniforme de </a:t>
+            </a:r>
+            <a:r>
+              <a:rPr i="1" lang="es" sz="1500"/>
+              <a:t>T</a:t>
+            </a:r>
+            <a:r>
+              <a:rPr lang="es" sz="1500"/>
+              <a:t>.</a:t>
+            </a:r>
+            <a:endParaRPr sz="1500"/>
+          </a:p>
+          <a:p>
+            <a:pPr indent="-323850" lvl="0" marL="457200" rtl="0" algn="just">
+              <a:spcBef>
+                <a:spcPts val="0"/>
+              </a:spcBef>
+              <a:spcAft>
+                <a:spcPts val="0"/>
+              </a:spcAft>
+              <a:buSzPts val="1500"/>
+              <a:buChar char="●"/>
+            </a:pPr>
+            <a:r>
+              <a:rPr lang="es" sz="1500"/>
+              <a:t>Como consecuencia del remuestreo se pueden tener entradas repetidas. </a:t>
+            </a:r>
+            <a:endParaRPr sz="1500"/>
+          </a:p>
+          <a:p>
+            <a:pPr indent="-323850" lvl="0" marL="457200" rtl="0" algn="just">
+              <a:spcBef>
+                <a:spcPts val="0"/>
+              </a:spcBef>
+              <a:spcAft>
+                <a:spcPts val="0"/>
+              </a:spcAft>
+              <a:buSzPts val="1500"/>
+              <a:buChar char="●"/>
+            </a:pPr>
+            <a:r>
+              <a:rPr lang="es" sz="1500"/>
+              <a:t>Se entrenan los </a:t>
+            </a:r>
+            <a:r>
+              <a:rPr i="1" lang="es" sz="1500"/>
+              <a:t>m</a:t>
+            </a:r>
+            <a:r>
+              <a:rPr lang="es" sz="1500"/>
+              <a:t> modelos estadísticos (clasificadores o regresores), finalmente los modelos son combinados por promediando o por votando.</a:t>
+            </a:r>
+            <a:endParaRPr sz="1500"/>
+          </a:p>
+          <a:p>
+            <a:pPr indent="0" lvl="0" marL="0" rtl="0" algn="l">
+              <a:spcBef>
+                <a:spcPts val="1600"/>
+              </a:spcBef>
+              <a:spcAft>
+                <a:spcPts val="1600"/>
+              </a:spcAft>
+              <a:buNone/>
+            </a:pPr>
+            <a:r>
+              <a:t/>
+            </a:r>
+            <a:endParaRPr/>
+          </a:p>
+        </p:txBody>
+      </p:sp>
+      <p:pic>
+        <p:nvPicPr>
+          <p:cNvPr id="172" name="Google Shape;172;p29"/>
+          <p:cNvPicPr preferRelativeResize="0"/>
+          <p:nvPr/>
+        </p:nvPicPr>
+        <p:blipFill rotWithShape="1">
+          <a:blip r:embed="rId3">
+            <a:alphaModFix/>
+          </a:blip>
+          <a:srcRect b="9305" l="37117" r="37755" t="65483"/>
+          <a:stretch/>
+        </p:blipFill>
+        <p:spPr>
+          <a:xfrm>
+            <a:off x="2950325" y="3225275"/>
+            <a:ext cx="3306226" cy="1866000"/>
+          </a:xfrm>
+          <a:prstGeom prst="rect">
+            <a:avLst/>
+          </a:prstGeom>
+          <a:noFill/>
+          <a:ln>
+            <a:noFill/>
+          </a:ln>
+        </p:spPr>
+      </p:pic>
+    </p:spTree>
+  </p:cSld>
+  <p:clrMapOvr>
+    <a:masterClrMapping/>
+  </p:clrMapOvr>
+</p:sld>
+</file>
+
+<file path=ppt/slides/slide18.xml><?xml version="1.0" encoding="utf-8"?>
+<p:sld xmlns:a="http://schemas.openxmlformats.org/drawingml/2006/main" xmlns:r="http://schemas.openxmlformats.org/officeDocument/2006/relationships" xmlns:mc="http://schemas.openxmlformats.org/markup-compatibility/2006" xmlns:mv="urn:schemas-microsoft-com:mac:vml" xmlns:p="http://schemas.openxmlformats.org/presentationml/2006/main" xmlns:c="http://schemas.openxmlformats.org/drawingml/2006/chart" xmlns:dgm="http://schemas.openxmlformats.org/drawingml/2006/diagram" xmlns:o="urn:schemas-microsoft-com:office:office" xmlns:v="urn:schemas-microsoft-com:vml" xmlns:pvml="urn:schemas-microsoft-com:office:powerpoint" xmlns:com="http://schemas.openxmlformats.org/drawingml/2006/compatibility" xmlns:p14="http://schemas.microsoft.com/office/powerpoint/2010/main" xmlns:p15="http://schemas.microsoft.com/office/powerpoint/2012/main" xmlns:ahyp="http://schemas.microsoft.com/office/drawing/2018/hyperlinkcolor">
+  <p:cSld>
+    <p:spTree>
+      <p:nvGrpSpPr>
+        <p:cNvPr id="176" name="Shape 176"/>
+        <p:cNvGrpSpPr/>
+        <p:nvPr/>
+      </p:nvGrpSpPr>
+      <p:grpSpPr>
+        <a:xfrm>
+          <a:off x="0" y="0"/>
+          <a:ext cx="0" cy="0"/>
+          <a:chOff x="0" y="0"/>
+          <a:chExt cx="0" cy="0"/>
+        </a:xfrm>
+      </p:grpSpPr>
+      <p:sp>
+        <p:nvSpPr>
+          <p:cNvPr id="177" name="Google Shape;177;p30"/>
+          <p:cNvSpPr txBox="1"/>
+          <p:nvPr>
+            <p:ph type="title"/>
+          </p:nvPr>
+        </p:nvSpPr>
+        <p:spPr>
+          <a:xfrm>
+            <a:off x="311700" y="292850"/>
+            <a:ext cx="8520600" cy="801000"/>
+          </a:xfrm>
+          <a:prstGeom prst="rect">
+            <a:avLst/>
+          </a:prstGeom>
+        </p:spPr>
+        <p:txBody>
+          <a:bodyPr anchorCtr="0" anchor="t" bIns="91425" lIns="91425" spcFirstLastPara="1" rIns="91425" wrap="square" tIns="91425">
+            <a:noAutofit/>
+          </a:bodyPr>
+          <a:lstStyle/>
+          <a:p>
+            <a:pPr indent="0" lvl="0" marL="0" rtl="0" algn="l">
+              <a:spcBef>
+                <a:spcPts val="0"/>
+              </a:spcBef>
+              <a:spcAft>
+                <a:spcPts val="0"/>
+              </a:spcAft>
+              <a:buNone/>
+            </a:pPr>
+            <a:r>
+              <a:rPr lang="es"/>
+              <a:t>Bootstrap aggregation </a:t>
+            </a:r>
+            <a:endParaRPr/>
+          </a:p>
+          <a:p>
+            <a:pPr indent="0" lvl="0" marL="0" rtl="0" algn="l">
+              <a:spcBef>
+                <a:spcPts val="0"/>
+              </a:spcBef>
+              <a:spcAft>
+                <a:spcPts val="0"/>
+              </a:spcAft>
+              <a:buNone/>
+            </a:pPr>
+            <a:r>
+              <a:t/>
+            </a:r>
+            <a:endParaRPr/>
+          </a:p>
+        </p:txBody>
+      </p:sp>
+      <p:pic>
+        <p:nvPicPr>
+          <p:cNvPr id="178" name="Google Shape;178;p30"/>
+          <p:cNvPicPr preferRelativeResize="0"/>
+          <p:nvPr/>
+        </p:nvPicPr>
+        <p:blipFill>
+          <a:blip r:embed="rId3">
+            <a:alphaModFix/>
+          </a:blip>
+          <a:stretch>
+            <a:fillRect/>
+          </a:stretch>
+        </p:blipFill>
+        <p:spPr>
+          <a:xfrm>
+            <a:off x="1836364" y="1228675"/>
+            <a:ext cx="5926161" cy="3340200"/>
+          </a:xfrm>
+          <a:prstGeom prst="rect">
+            <a:avLst/>
+          </a:prstGeom>
+          <a:noFill/>
+          <a:ln>
+            <a:noFill/>
+          </a:ln>
+        </p:spPr>
+      </p:pic>
     </p:spTree>
   </p:cSld>
   <p:clrMapOvr>
@@ -6903,7 +9481,7 @@
             </a:pPr>
             <a:r>
               <a:rPr lang="es"/>
-              <a:t>Overfitting</a:t>
+              <a:t>Recordando...</a:t>
             </a:r>
             <a:endParaRPr/>
           </a:p>
@@ -6919,8 +9497,8 @@
         </p:nvSpPr>
         <p:spPr>
           <a:xfrm>
-            <a:off x="311700" y="1228675"/>
-            <a:ext cx="8520600" cy="3340200"/>
+            <a:off x="311700" y="994550"/>
+            <a:ext cx="4580700" cy="3817500"/>
           </a:xfrm>
           <a:prstGeom prst="rect">
             <a:avLst/>
@@ -6937,13 +9515,71 @@
                 <a:spcPts val="0"/>
               </a:spcBef>
               <a:spcAft>
+                <a:spcPts val="0"/>
+              </a:spcAft>
+              <a:buNone/>
+            </a:pPr>
+            <a:r>
+              <a:rPr lang="es"/>
+              <a:t>El aprendizaje de máquina (ML) es un subcampo de la inteligencia artificial que permite a las máquinas tener la habilidad de </a:t>
+            </a:r>
+            <a:r>
+              <a:rPr b="1" lang="es"/>
+              <a:t>aprender</a:t>
+            </a:r>
+            <a:r>
+              <a:rPr lang="es"/>
+              <a:t> sin ser programadas explícitamente para ello.</a:t>
+            </a:r>
+            <a:endParaRPr/>
+          </a:p>
+          <a:p>
+            <a:pPr indent="0" lvl="0" marL="0" rtl="0" algn="l">
+              <a:spcBef>
                 <a:spcPts val="1600"/>
+              </a:spcBef>
+              <a:spcAft>
+                <a:spcPts val="0"/>
               </a:spcAft>
               <a:buNone/>
             </a:pPr>
             <a:r>
               <a:rPr lang="es"/>
-              <a:t>El objetivo es obtener un clasificador robusto y generalizable. </a:t>
+              <a:t>Se basan en la experiencia y con experiencia nos referimos a su </a:t>
+            </a:r>
+            <a:r>
+              <a:rPr lang="es" u="sng"/>
+              <a:t>exposición a más variedad de datos.</a:t>
+            </a:r>
+            <a:endParaRPr u="sng"/>
+          </a:p>
+          <a:p>
+            <a:pPr indent="0" lvl="0" marL="0" rtl="0" algn="l">
+              <a:spcBef>
+                <a:spcPts val="1600"/>
+              </a:spcBef>
+              <a:spcAft>
+                <a:spcPts val="0"/>
+              </a:spcAft>
+              <a:buNone/>
+            </a:pPr>
+            <a:r>
+              <a:t/>
+            </a:r>
+            <a:endParaRPr/>
+          </a:p>
+          <a:p>
+            <a:pPr indent="0" lvl="0" marL="0" rtl="0" algn="just">
+              <a:spcBef>
+                <a:spcPts val="1600"/>
+              </a:spcBef>
+              <a:spcAft>
+                <a:spcPts val="1600"/>
+              </a:spcAft>
+              <a:buNone/>
+            </a:pPr>
+            <a:r>
+              <a:t/>
             </a:r>
             <a:endParaRPr/>
           </a:p>
@@ -6955,17 +9591,18 @@
           <p:cNvPicPr preferRelativeResize="0"/>
           <p:nvPr/>
         </p:nvPicPr>
-        <p:blipFill rotWithShape="1">
+        <p:blipFill>
           <a:blip r:embed="rId3">
             <a:alphaModFix/>
           </a:blip>
-          <a:srcRect b="15792" l="26976" r="25902" t="52742"/>
-          <a:stretch/>
+          <a:stretch>
+            <a:fillRect/>
+          </a:stretch>
         </p:blipFill>
         <p:spPr>
           <a:xfrm>
-            <a:off x="1666887" y="2255950"/>
-            <a:ext cx="5810227" cy="2182475"/>
+            <a:off x="5080400" y="1093850"/>
+            <a:ext cx="4019750" cy="2819825"/>
           </a:xfrm>
           <a:prstGeom prst="rect">
             <a:avLst/>
@@ -7011,15 +9648,15 @@
         </p:nvSpPr>
         <p:spPr>
           <a:xfrm>
-            <a:off x="311700" y="292850"/>
-            <a:ext cx="8520600" cy="801000"/>
+            <a:off x="490250" y="526350"/>
+            <a:ext cx="8159700" cy="4090800"/>
           </a:xfrm>
           <a:prstGeom prst="rect">
             <a:avLst/>
           </a:prstGeom>
         </p:spPr>
         <p:txBody>
-          <a:bodyPr anchorCtr="0" anchor="t" bIns="91425" lIns="91425" spcFirstLastPara="1" rIns="91425" wrap="square" tIns="91425">
+          <a:bodyPr anchorCtr="0" anchor="ctr" bIns="91425" lIns="91425" spcFirstLastPara="1" rIns="91425" wrap="square" tIns="91425">
             <a:noAutofit/>
           </a:bodyPr>
           <a:lstStyle/>
@@ -7035,136 +9672,12 @@
             </a:pPr>
             <a:r>
               <a:rPr lang="es"/>
-              <a:t>variance bias tradeoff</a:t>
+              <a:t>	¿cuántos y cuáles datos?</a:t>
             </a:r>
             <a:endParaRPr/>
           </a:p>
         </p:txBody>
       </p:sp>
-      <p:sp>
-        <p:nvSpPr>
-          <p:cNvPr id="70" name="Google Shape;70;p15"/>
-          <p:cNvSpPr txBox="1"/>
-          <p:nvPr>
-            <p:ph idx="1" type="body"/>
-          </p:nvPr>
-        </p:nvSpPr>
-        <p:spPr>
-          <a:xfrm>
-            <a:off x="311700" y="1228675"/>
-            <a:ext cx="8520600" cy="3340200"/>
-          </a:xfrm>
-          <a:prstGeom prst="rect">
-            <a:avLst/>
-          </a:prstGeom>
-        </p:spPr>
-        <p:txBody>
-          <a:bodyPr anchorCtr="0" anchor="t" bIns="91425" lIns="91425" spcFirstLastPara="1" rIns="91425" wrap="square" tIns="91425">
-            <a:noAutofit/>
-          </a:bodyPr>
-          <a:lstStyle/>
-          <a:p>
-            <a:pPr indent="0" lvl="0" marL="0" rtl="0" algn="l">
-              <a:spcBef>
-                <a:spcPts val="0"/>
-              </a:spcBef>
-              <a:spcAft>
-                <a:spcPts val="1600"/>
-              </a:spcAft>
-              <a:buNone/>
-            </a:pPr>
-            <a:r>
-              <a:rPr lang="es"/>
-              <a:t>¿Qué modelo es mejor?</a:t>
-            </a:r>
-            <a:endParaRPr/>
-          </a:p>
-        </p:txBody>
-      </p:sp>
-      <p:pic>
-        <p:nvPicPr>
-          <p:cNvPr id="71" name="Google Shape;71;p15"/>
-          <p:cNvPicPr preferRelativeResize="0"/>
-          <p:nvPr/>
-        </p:nvPicPr>
-        <p:blipFill>
-          <a:blip r:embed="rId3">
-            <a:alphaModFix/>
-          </a:blip>
-          <a:stretch>
-            <a:fillRect/>
-          </a:stretch>
-        </p:blipFill>
-        <p:spPr>
-          <a:xfrm>
-            <a:off x="69200" y="1666300"/>
-            <a:ext cx="4174601" cy="3477200"/>
-          </a:xfrm>
-          <a:prstGeom prst="rect">
-            <a:avLst/>
-          </a:prstGeom>
-          <a:noFill/>
-          <a:ln>
-            <a:noFill/>
-          </a:ln>
-        </p:spPr>
-      </p:pic>
-      <p:pic>
-        <p:nvPicPr>
-          <p:cNvPr id="72" name="Google Shape;72;p15"/>
-          <p:cNvPicPr preferRelativeResize="0"/>
-          <p:nvPr/>
-        </p:nvPicPr>
-        <p:blipFill>
-          <a:blip r:embed="rId4">
-            <a:alphaModFix/>
-          </a:blip>
-          <a:stretch>
-            <a:fillRect/>
-          </a:stretch>
-        </p:blipFill>
-        <p:spPr>
-          <a:xfrm>
-            <a:off x="4126600" y="195270"/>
-            <a:ext cx="4703075" cy="1830225"/>
-          </a:xfrm>
-          <a:prstGeom prst="rect">
-            <a:avLst/>
-          </a:prstGeom>
-          <a:noFill/>
-          <a:ln>
-            <a:noFill/>
-          </a:ln>
-        </p:spPr>
-      </p:pic>
-      <p:pic>
-        <p:nvPicPr>
-          <p:cNvPr id="73" name="Google Shape;73;p15"/>
-          <p:cNvPicPr preferRelativeResize="0"/>
-          <p:nvPr/>
-        </p:nvPicPr>
-        <p:blipFill>
-          <a:blip r:embed="rId5">
-            <a:alphaModFix/>
-          </a:blip>
-          <a:stretch>
-            <a:fillRect/>
-          </a:stretch>
-        </p:blipFill>
-        <p:spPr>
-          <a:xfrm>
-            <a:off x="4373975" y="1682500"/>
-            <a:ext cx="4324300" cy="3232399"/>
-          </a:xfrm>
-          <a:prstGeom prst="rect">
-            <a:avLst/>
-          </a:prstGeom>
-          <a:noFill/>
-          <a:ln>
-            <a:noFill/>
-          </a:ln>
-        </p:spPr>
-      </p:pic>
     </p:spTree>
   </p:cSld>
   <p:clrMapOvr>
@@ -7178,7 +9691,7 @@
   <p:cSld>
     <p:spTree>
       <p:nvGrpSpPr>
-        <p:cNvPr id="77" name="Shape 77"/>
+        <p:cNvPr id="73" name="Shape 73"/>
         <p:cNvGrpSpPr/>
         <p:nvPr/>
       </p:nvGrpSpPr>
@@ -7192,7 +9705,7 @@
       </p:grpSpPr>
       <p:sp>
         <p:nvSpPr>
-          <p:cNvPr id="78" name="Google Shape;78;p16"/>
+          <p:cNvPr id="74" name="Google Shape;74;p16"/>
           <p:cNvSpPr txBox="1"/>
           <p:nvPr>
             <p:ph type="title"/>
@@ -7200,7 +9713,7 @@
         </p:nvSpPr>
         <p:spPr>
           <a:xfrm>
-            <a:off x="311700" y="292850"/>
+            <a:off x="76200" y="292850"/>
             <a:ext cx="8520600" cy="801000"/>
           </a:xfrm>
           <a:prstGeom prst="rect">
@@ -7223,8 +9736,264 @@
               <a:buNone/>
             </a:pPr>
             <a:r>
+              <a:rPr lang="es" sz="3500"/>
+              <a:t>¿cómo funcionan los algoritmos de aprendizaje?</a:t>
+            </a:r>
+            <a:endParaRPr sz="3500"/>
+          </a:p>
+          <a:p>
+            <a:pPr indent="0" lvl="0" marL="0" rtl="0" algn="l">
+              <a:spcBef>
+                <a:spcPts val="0"/>
+              </a:spcBef>
+              <a:spcAft>
+                <a:spcPts val="0"/>
+              </a:spcAft>
+              <a:buNone/>
+            </a:pPr>
+            <a:r>
+              <a:t/>
+            </a:r>
+            <a:endParaRPr/>
+          </a:p>
+        </p:txBody>
+      </p:sp>
+      <p:sp>
+        <p:nvSpPr>
+          <p:cNvPr id="75" name="Google Shape;75;p16"/>
+          <p:cNvSpPr txBox="1"/>
+          <p:nvPr>
+            <p:ph idx="1" type="body"/>
+          </p:nvPr>
+        </p:nvSpPr>
+        <p:spPr>
+          <a:xfrm>
+            <a:off x="311700" y="3913250"/>
+            <a:ext cx="2442600" cy="951900"/>
+          </a:xfrm>
+          <a:prstGeom prst="rect">
+            <a:avLst/>
+          </a:prstGeom>
+        </p:spPr>
+        <p:txBody>
+          <a:bodyPr anchorCtr="0" anchor="t" bIns="91425" lIns="91425" spcFirstLastPara="1" rIns="91425" wrap="square" tIns="91425">
+            <a:noAutofit/>
+          </a:bodyPr>
+          <a:lstStyle/>
+          <a:p>
+            <a:pPr indent="0" lvl="0" marL="0" rtl="0" algn="just">
+              <a:spcBef>
+                <a:spcPts val="0"/>
+              </a:spcBef>
+              <a:spcAft>
+                <a:spcPts val="0"/>
+              </a:spcAft>
+              <a:buNone/>
+            </a:pPr>
+            <a:r>
               <a:rPr lang="es"/>
-              <a:t>Hold out Validation</a:t>
+              <a:t>Características</a:t>
+            </a:r>
+            <a:endParaRPr/>
+          </a:p>
+          <a:p>
+            <a:pPr indent="0" lvl="0" marL="0" rtl="0" algn="just">
+              <a:spcBef>
+                <a:spcPts val="1600"/>
+              </a:spcBef>
+              <a:spcAft>
+                <a:spcPts val="0"/>
+              </a:spcAft>
+              <a:buNone/>
+            </a:pPr>
+            <a:r>
+              <a:t/>
+            </a:r>
+            <a:endParaRPr sz="1400"/>
+          </a:p>
+          <a:p>
+            <a:pPr indent="0" lvl="0" marL="0" rtl="0" algn="l">
+              <a:spcBef>
+                <a:spcPts val="1600"/>
+              </a:spcBef>
+              <a:spcAft>
+                <a:spcPts val="0"/>
+              </a:spcAft>
+              <a:buNone/>
+            </a:pPr>
+            <a:r>
+              <a:t/>
+            </a:r>
+            <a:endParaRPr/>
+          </a:p>
+          <a:p>
+            <a:pPr indent="0" lvl="0" marL="0" rtl="0" algn="l">
+              <a:spcBef>
+                <a:spcPts val="1600"/>
+              </a:spcBef>
+              <a:spcAft>
+                <a:spcPts val="1600"/>
+              </a:spcAft>
+              <a:buNone/>
+            </a:pPr>
+            <a:r>
+              <a:t/>
+            </a:r>
+            <a:endParaRPr/>
+          </a:p>
+        </p:txBody>
+      </p:sp>
+      <p:sp>
+        <p:nvSpPr>
+          <p:cNvPr id="76" name="Google Shape;76;p16"/>
+          <p:cNvSpPr/>
+          <p:nvPr/>
+        </p:nvSpPr>
+        <p:spPr>
+          <a:xfrm>
+            <a:off x="3309575" y="917125"/>
+            <a:ext cx="2003400" cy="1562976"/>
+          </a:xfrm>
+          <a:prstGeom prst="flowChartMultidocument">
+            <a:avLst/>
+          </a:prstGeom>
+          <a:solidFill>
+            <a:srgbClr val="3D85C6"/>
+          </a:solidFill>
+          <a:ln cap="flat" cmpd="sng" w="9525">
+            <a:solidFill>
+              <a:schemeClr val="dk2"/>
+            </a:solidFill>
+            <a:prstDash val="solid"/>
+            <a:round/>
+            <a:headEnd len="sm" w="sm" type="none"/>
+            <a:tailEnd len="sm" w="sm" type="none"/>
+          </a:ln>
+        </p:spPr>
+        <p:txBody>
+          <a:bodyPr anchorCtr="0" anchor="ctr" bIns="91425" lIns="91425" spcFirstLastPara="1" rIns="91425" wrap="square" tIns="91425">
+            <a:noAutofit/>
+          </a:bodyPr>
+          <a:lstStyle/>
+          <a:p>
+            <a:pPr indent="0" lvl="0" marL="0" rtl="0" algn="l">
+              <a:spcBef>
+                <a:spcPts val="0"/>
+              </a:spcBef>
+              <a:spcAft>
+                <a:spcPts val="0"/>
+              </a:spcAft>
+              <a:buNone/>
+            </a:pPr>
+            <a:r>
+              <a:t/>
+            </a:r>
+            <a:endParaRPr/>
+          </a:p>
+        </p:txBody>
+      </p:sp>
+      <p:sp>
+        <p:nvSpPr>
+          <p:cNvPr id="77" name="Google Shape;77;p16"/>
+          <p:cNvSpPr txBox="1"/>
+          <p:nvPr/>
+        </p:nvSpPr>
+        <p:spPr>
+          <a:xfrm>
+            <a:off x="3423250" y="1339500"/>
+            <a:ext cx="1662300" cy="951900"/>
+          </a:xfrm>
+          <a:prstGeom prst="rect">
+            <a:avLst/>
+          </a:prstGeom>
+          <a:noFill/>
+          <a:ln>
+            <a:noFill/>
+          </a:ln>
+        </p:spPr>
+        <p:txBody>
+          <a:bodyPr anchorCtr="0" anchor="t" bIns="91425" lIns="91425" spcFirstLastPara="1" rIns="91425" wrap="square" tIns="91425">
+            <a:noAutofit/>
+          </a:bodyPr>
+          <a:lstStyle/>
+          <a:p>
+            <a:pPr indent="0" lvl="0" marL="0" rtl="0" algn="l">
+              <a:spcBef>
+                <a:spcPts val="0"/>
+              </a:spcBef>
+              <a:spcAft>
+                <a:spcPts val="0"/>
+              </a:spcAft>
+              <a:buNone/>
+            </a:pPr>
+            <a:r>
+              <a:rPr lang="es">
+                <a:solidFill>
+                  <a:srgbClr val="FFFFFF"/>
+                </a:solidFill>
+                <a:latin typeface="Source Code Pro"/>
+                <a:ea typeface="Source Code Pro"/>
+                <a:cs typeface="Source Code Pro"/>
+                <a:sym typeface="Source Code Pro"/>
+              </a:rPr>
+              <a:t>dataset de entrenamiento</a:t>
+            </a:r>
+            <a:endParaRPr>
+              <a:solidFill>
+                <a:srgbClr val="FFFFFF"/>
+              </a:solidFill>
+              <a:latin typeface="Source Code Pro"/>
+              <a:ea typeface="Source Code Pro"/>
+              <a:cs typeface="Source Code Pro"/>
+              <a:sym typeface="Source Code Pro"/>
+            </a:endParaRPr>
+          </a:p>
+        </p:txBody>
+      </p:sp>
+      <p:sp>
+        <p:nvSpPr>
+          <p:cNvPr id="78" name="Google Shape;78;p16"/>
+          <p:cNvSpPr/>
+          <p:nvPr/>
+        </p:nvSpPr>
+        <p:spPr>
+          <a:xfrm>
+            <a:off x="2862700" y="2889500"/>
+            <a:ext cx="2983800" cy="483000"/>
+          </a:xfrm>
+          <a:prstGeom prst="rect">
+            <a:avLst/>
+          </a:prstGeom>
+          <a:solidFill>
+            <a:srgbClr val="434343"/>
+          </a:solidFill>
+          <a:ln cap="flat" cmpd="sng" w="9525">
+            <a:solidFill>
+              <a:schemeClr val="dk2"/>
+            </a:solidFill>
+            <a:prstDash val="solid"/>
+            <a:round/>
+            <a:headEnd len="sm" w="sm" type="none"/>
+            <a:tailEnd len="sm" w="sm" type="none"/>
+          </a:ln>
+        </p:spPr>
+        <p:txBody>
+          <a:bodyPr anchorCtr="0" anchor="ctr" bIns="91425" lIns="91425" spcFirstLastPara="1" rIns="91425" wrap="square" tIns="91425">
+            <a:noAutofit/>
+          </a:bodyPr>
+          <a:lstStyle/>
+          <a:p>
+            <a:pPr indent="0" lvl="0" marL="0" rtl="0" algn="l">
+              <a:spcBef>
+                <a:spcPts val="0"/>
+              </a:spcBef>
+              <a:spcAft>
+                <a:spcPts val="0"/>
+              </a:spcAft>
+              <a:buNone/>
+            </a:pPr>
+            <a:r>
+              <a:t/>
             </a:r>
             <a:endParaRPr/>
           </a:p>
@@ -7234,14 +10003,181 @@
         <p:nvSpPr>
           <p:cNvPr id="79" name="Google Shape;79;p16"/>
           <p:cNvSpPr txBox="1"/>
+          <p:nvPr/>
+        </p:nvSpPr>
+        <p:spPr>
+          <a:xfrm>
+            <a:off x="3728050" y="2787300"/>
+            <a:ext cx="1662300" cy="951900"/>
+          </a:xfrm>
+          <a:prstGeom prst="rect">
+            <a:avLst/>
+          </a:prstGeom>
+          <a:noFill/>
+          <a:ln>
+            <a:noFill/>
+          </a:ln>
+        </p:spPr>
+        <p:txBody>
+          <a:bodyPr anchorCtr="0" anchor="t" bIns="91425" lIns="91425" spcFirstLastPara="1" rIns="91425" wrap="square" tIns="91425">
+            <a:noAutofit/>
+          </a:bodyPr>
+          <a:lstStyle/>
+          <a:p>
+            <a:pPr indent="0" lvl="0" marL="0" rtl="0" algn="l">
+              <a:spcBef>
+                <a:spcPts val="0"/>
+              </a:spcBef>
+              <a:spcAft>
+                <a:spcPts val="0"/>
+              </a:spcAft>
+              <a:buNone/>
+            </a:pPr>
+            <a:r>
+              <a:rPr lang="es">
+                <a:solidFill>
+                  <a:srgbClr val="FFFFFF"/>
+                </a:solidFill>
+                <a:latin typeface="Source Code Pro"/>
+                <a:ea typeface="Source Code Pro"/>
+                <a:cs typeface="Source Code Pro"/>
+                <a:sym typeface="Source Code Pro"/>
+              </a:rPr>
+              <a:t>algoritmo de aprendizaje</a:t>
+            </a:r>
+            <a:endParaRPr>
+              <a:solidFill>
+                <a:srgbClr val="FFFFFF"/>
+              </a:solidFill>
+              <a:latin typeface="Source Code Pro"/>
+              <a:ea typeface="Source Code Pro"/>
+              <a:cs typeface="Source Code Pro"/>
+              <a:sym typeface="Source Code Pro"/>
+            </a:endParaRPr>
+          </a:p>
+        </p:txBody>
+      </p:sp>
+      <p:sp>
+        <p:nvSpPr>
+          <p:cNvPr id="80" name="Google Shape;80;p16"/>
+          <p:cNvSpPr/>
+          <p:nvPr/>
+        </p:nvSpPr>
+        <p:spPr>
+          <a:xfrm>
+            <a:off x="3564075" y="3850525"/>
+            <a:ext cx="1662300" cy="724500"/>
+          </a:xfrm>
+          <a:prstGeom prst="snip1Rect">
+            <a:avLst>
+              <a:gd fmla="val 16667" name="adj"/>
+            </a:avLst>
+          </a:prstGeom>
+          <a:solidFill>
+            <a:srgbClr val="674EA7"/>
+          </a:solidFill>
+          <a:ln cap="flat" cmpd="sng" w="9525">
+            <a:solidFill>
+              <a:schemeClr val="dk2"/>
+            </a:solidFill>
+            <a:prstDash val="solid"/>
+            <a:round/>
+            <a:headEnd len="sm" w="sm" type="none"/>
+            <a:tailEnd len="sm" w="sm" type="none"/>
+          </a:ln>
+        </p:spPr>
+        <p:txBody>
+          <a:bodyPr anchorCtr="0" anchor="ctr" bIns="91425" lIns="91425" spcFirstLastPara="1" rIns="91425" wrap="square" tIns="91425">
+            <a:noAutofit/>
+          </a:bodyPr>
+          <a:lstStyle/>
+          <a:p>
+            <a:pPr indent="0" lvl="0" marL="0" rtl="0" algn="l">
+              <a:spcBef>
+                <a:spcPts val="0"/>
+              </a:spcBef>
+              <a:spcAft>
+                <a:spcPts val="0"/>
+              </a:spcAft>
+              <a:buNone/>
+            </a:pPr>
+            <a:r>
+              <a:t/>
+            </a:r>
+            <a:endParaRPr/>
+          </a:p>
+        </p:txBody>
+      </p:sp>
+      <p:sp>
+        <p:nvSpPr>
+          <p:cNvPr id="81" name="Google Shape;81;p16"/>
+          <p:cNvSpPr txBox="1"/>
+          <p:nvPr/>
+        </p:nvSpPr>
+        <p:spPr>
+          <a:xfrm>
+            <a:off x="3728050" y="4006500"/>
+            <a:ext cx="1205100" cy="483000"/>
+          </a:xfrm>
+          <a:prstGeom prst="rect">
+            <a:avLst/>
+          </a:prstGeom>
+          <a:noFill/>
+          <a:ln>
+            <a:noFill/>
+          </a:ln>
+        </p:spPr>
+        <p:txBody>
+          <a:bodyPr anchorCtr="0" anchor="t" bIns="91425" lIns="91425" spcFirstLastPara="1" rIns="91425" wrap="square" tIns="91425">
+            <a:noAutofit/>
+          </a:bodyPr>
+          <a:lstStyle/>
+          <a:p>
+            <a:pPr indent="0" lvl="0" marL="0" rtl="0" algn="l">
+              <a:spcBef>
+                <a:spcPts val="0"/>
+              </a:spcBef>
+              <a:spcAft>
+                <a:spcPts val="0"/>
+              </a:spcAft>
+              <a:buNone/>
+            </a:pPr>
+            <a:r>
+              <a:rPr lang="es">
+                <a:solidFill>
+                  <a:srgbClr val="FFFFFF"/>
+                </a:solidFill>
+                <a:latin typeface="Source Code Pro"/>
+                <a:ea typeface="Source Code Pro"/>
+                <a:cs typeface="Source Code Pro"/>
+                <a:sym typeface="Source Code Pro"/>
+              </a:rPr>
+              <a:t>hipótesis</a:t>
+            </a:r>
+            <a:endParaRPr>
+              <a:solidFill>
+                <a:srgbClr val="FFFFFF"/>
+              </a:solidFill>
+              <a:latin typeface="Source Code Pro"/>
+              <a:ea typeface="Source Code Pro"/>
+              <a:cs typeface="Source Code Pro"/>
+              <a:sym typeface="Source Code Pro"/>
+            </a:endParaRPr>
+          </a:p>
+        </p:txBody>
+      </p:sp>
+      <p:sp>
+        <p:nvSpPr>
+          <p:cNvPr id="82" name="Google Shape;82;p16"/>
+          <p:cNvSpPr txBox="1"/>
           <p:nvPr>
             <p:ph idx="1" type="body"/>
           </p:nvPr>
         </p:nvSpPr>
         <p:spPr>
           <a:xfrm>
-            <a:off x="311700" y="1228675"/>
-            <a:ext cx="8520600" cy="3340200"/>
+            <a:off x="6331500" y="3760850"/>
+            <a:ext cx="2442600" cy="951900"/>
           </a:xfrm>
           <a:prstGeom prst="rect">
             <a:avLst/>
@@ -7263,74 +10199,167 @@
               <a:buNone/>
             </a:pPr>
             <a:r>
-              <a:rPr lang="es" sz="1500"/>
-              <a:t>Dado un dataset se particiona aleatoriamente en dos conjuntos independientes:</a:t>
-            </a:r>
-            <a:endParaRPr sz="1500"/>
+              <a:rPr lang="es"/>
+              <a:t>Output: predicción</a:t>
+            </a:r>
+            <a:endParaRPr/>
           </a:p>
           <a:p>
-            <a:pPr indent="-323850" lvl="0" marL="457200" rtl="0" algn="just">
+            <a:pPr indent="0" lvl="0" marL="0" rtl="0" algn="just">
               <a:spcBef>
                 <a:spcPts val="1600"/>
               </a:spcBef>
               <a:spcAft>
                 <a:spcPts val="0"/>
               </a:spcAft>
-              <a:buSzPts val="1500"/>
-              <a:buChar char="●"/>
+              <a:buNone/>
             </a:pPr>
             <a:r>
-              <a:rPr lang="es" sz="1500"/>
-              <a:t>Train set: Para la construcción del modelo estadístico, i.e. construcción del clasificador, (e.g. ⅔ del conjunto de datos).</a:t>
-            </a:r>
-            <a:endParaRPr sz="1500"/>
+              <a:t/>
+            </a:r>
+            <a:endParaRPr sz="1400"/>
           </a:p>
           <a:p>
-            <a:pPr indent="-323850" lvl="0" marL="457200" rtl="0" algn="just">
-              <a:spcBef>
-                <a:spcPts val="0"/>
-              </a:spcBef>
-              <a:spcAft>
-                <a:spcPts val="0"/>
-              </a:spcAft>
-              <a:buSzPts val="1500"/>
-              <a:buChar char="●"/>
+            <a:pPr indent="0" lvl="0" marL="0" rtl="0" algn="l">
+              <a:spcBef>
+                <a:spcPts val="1600"/>
+              </a:spcBef>
+              <a:spcAft>
+                <a:spcPts val="0"/>
+              </a:spcAft>
+              <a:buNone/>
             </a:pPr>
             <a:r>
-              <a:rPr lang="es" sz="1500"/>
-              <a:t>Test set: Se utiliza para la estimación de la precisión del clasificador entrenado, (e.g. ⅓ del conjunto de datos).</a:t>
-            </a:r>
-            <a:endParaRPr sz="1500"/>
+              <a:t/>
+            </a:r>
+            <a:endParaRPr/>
+          </a:p>
+          <a:p>
+            <a:pPr indent="0" lvl="0" marL="0" rtl="0" algn="l">
+              <a:spcBef>
+                <a:spcPts val="1600"/>
+              </a:spcBef>
+              <a:spcAft>
+                <a:spcPts val="1600"/>
+              </a:spcAft>
+              <a:buNone/>
+            </a:pPr>
+            <a:r>
+              <a:t/>
+            </a:r>
+            <a:endParaRPr/>
           </a:p>
         </p:txBody>
       </p:sp>
-      <p:pic>
-        <p:nvPicPr>
-          <p:cNvPr id="80" name="Google Shape;80;p16"/>
-          <p:cNvPicPr preferRelativeResize="0"/>
+      <p:cxnSp>
+        <p:nvCxnSpPr>
+          <p:cNvPr id="83" name="Google Shape;83;p16"/>
+          <p:cNvCxnSpPr/>
           <p:nvPr/>
-        </p:nvPicPr>
-        <p:blipFill rotWithShape="1">
-          <a:blip r:embed="rId3">
-            <a:alphaModFix/>
-          </a:blip>
-          <a:srcRect b="57619" l="0" r="51090" t="6278"/>
-          <a:stretch/>
-        </p:blipFill>
-        <p:spPr>
-          <a:xfrm>
-            <a:off x="3169275" y="3225575"/>
-            <a:ext cx="3029074" cy="1856901"/>
-          </a:xfrm>
-          <a:prstGeom prst="rect">
+        </p:nvCxnSpPr>
+        <p:spPr>
+          <a:xfrm flipH="1">
+            <a:off x="4303000" y="2291400"/>
+            <a:ext cx="27600" cy="578700"/>
+          </a:xfrm>
+          <a:prstGeom prst="straightConnector1">
             <a:avLst/>
           </a:prstGeom>
           <a:noFill/>
-          <a:ln>
-            <a:noFill/>
+          <a:ln cap="flat" cmpd="sng" w="28575">
+            <a:solidFill>
+              <a:schemeClr val="dk2"/>
+            </a:solidFill>
+            <a:prstDash val="solid"/>
+            <a:round/>
+            <a:headEnd len="med" w="med" type="none"/>
+            <a:tailEnd len="med" w="med" type="triangle"/>
           </a:ln>
         </p:spPr>
-      </p:pic>
+      </p:cxnSp>
+      <p:cxnSp>
+        <p:nvCxnSpPr>
+          <p:cNvPr id="84" name="Google Shape;84;p16"/>
+          <p:cNvCxnSpPr/>
+          <p:nvPr/>
+        </p:nvCxnSpPr>
+        <p:spPr>
+          <a:xfrm flipH="1">
+            <a:off x="4318425" y="3358225"/>
+            <a:ext cx="71100" cy="525900"/>
+          </a:xfrm>
+          <a:prstGeom prst="straightConnector1">
+            <a:avLst/>
+          </a:prstGeom>
+          <a:noFill/>
+          <a:ln cap="flat" cmpd="sng" w="28575">
+            <a:solidFill>
+              <a:schemeClr val="dk2"/>
+            </a:solidFill>
+            <a:prstDash val="solid"/>
+            <a:round/>
+            <a:headEnd len="med" w="med" type="none"/>
+            <a:tailEnd len="med" w="med" type="triangle"/>
+          </a:ln>
+        </p:spPr>
+      </p:cxnSp>
+      <p:cxnSp>
+        <p:nvCxnSpPr>
+          <p:cNvPr id="85" name="Google Shape;85;p16"/>
+          <p:cNvCxnSpPr>
+            <a:endCxn id="80" idx="2"/>
+          </p:cNvCxnSpPr>
+          <p:nvPr/>
+        </p:nvCxnSpPr>
+        <p:spPr>
+          <a:xfrm>
+            <a:off x="2526975" y="4177375"/>
+            <a:ext cx="1037100" cy="35400"/>
+          </a:xfrm>
+          <a:prstGeom prst="straightConnector1">
+            <a:avLst/>
+          </a:prstGeom>
+          <a:noFill/>
+          <a:ln cap="flat" cmpd="sng" w="28575">
+            <a:solidFill>
+              <a:schemeClr val="dk2"/>
+            </a:solidFill>
+            <a:prstDash val="solid"/>
+            <a:round/>
+            <a:headEnd len="med" w="med" type="none"/>
+            <a:tailEnd len="med" w="med" type="triangle"/>
+          </a:ln>
+        </p:spPr>
+      </p:cxnSp>
+      <p:cxnSp>
+        <p:nvCxnSpPr>
+          <p:cNvPr id="86" name="Google Shape;86;p16"/>
+          <p:cNvCxnSpPr>
+            <a:stCxn id="80" idx="0"/>
+            <a:endCxn id="82" idx="1"/>
+          </p:cNvCxnSpPr>
+          <p:nvPr/>
+        </p:nvCxnSpPr>
+        <p:spPr>
+          <a:xfrm>
+            <a:off x="5226375" y="4212775"/>
+            <a:ext cx="1105200" cy="24000"/>
+          </a:xfrm>
+          <a:prstGeom prst="straightConnector1">
+            <a:avLst/>
+          </a:prstGeom>
+          <a:noFill/>
+          <a:ln cap="flat" cmpd="sng" w="28575">
+            <a:solidFill>
+              <a:schemeClr val="dk2"/>
+            </a:solidFill>
+            <a:prstDash val="solid"/>
+            <a:round/>
+            <a:headEnd len="med" w="med" type="none"/>
+            <a:tailEnd len="med" w="med" type="triangle"/>
+          </a:ln>
+        </p:spPr>
+      </p:cxnSp>
     </p:spTree>
   </p:cSld>
   <p:clrMapOvr>
@@ -7344,7 +10373,7 @@
   <p:cSld>
     <p:spTree>
       <p:nvGrpSpPr>
-        <p:cNvPr id="84" name="Shape 84"/>
+        <p:cNvPr id="90" name="Shape 90"/>
         <p:cNvGrpSpPr/>
         <p:nvPr/>
       </p:nvGrpSpPr>
@@ -7358,7 +10387,7 @@
       </p:grpSpPr>
       <p:sp>
         <p:nvSpPr>
-          <p:cNvPr id="85" name="Google Shape;85;p17"/>
+          <p:cNvPr id="91" name="Google Shape;91;p17"/>
           <p:cNvSpPr txBox="1"/>
           <p:nvPr>
             <p:ph type="title"/>
@@ -7390,7 +10419,7 @@
             </a:pPr>
             <a:r>
               <a:rPr lang="es"/>
-              <a:t>k-fold cross validation </a:t>
+              <a:t>Definiciones</a:t>
             </a:r>
             <a:endParaRPr/>
           </a:p>
@@ -7398,7 +10427,7 @@
       </p:sp>
       <p:sp>
         <p:nvSpPr>
-          <p:cNvPr id="86" name="Google Shape;86;p17"/>
+          <p:cNvPr id="92" name="Google Shape;92;p17"/>
           <p:cNvSpPr txBox="1"/>
           <p:nvPr>
             <p:ph idx="1" type="body"/>
@@ -7406,7 +10435,7 @@
         </p:nvSpPr>
         <p:spPr>
           <a:xfrm>
-            <a:off x="311700" y="1093850"/>
+            <a:off x="311700" y="1228675"/>
             <a:ext cx="8520600" cy="3340200"/>
           </a:xfrm>
           <a:prstGeom prst="rect">
@@ -7419,85 +10448,116 @@
           </a:bodyPr>
           <a:lstStyle/>
           <a:p>
-            <a:pPr indent="-323850" lvl="0" marL="457200" rtl="0" algn="l">
-              <a:spcBef>
-                <a:spcPts val="0"/>
-              </a:spcBef>
-              <a:spcAft>
-                <a:spcPts val="0"/>
-              </a:spcAft>
-              <a:buSzPts val="1500"/>
-              <a:buChar char="●"/>
+            <a:pPr indent="0" lvl="0" marL="0" rtl="0" algn="just">
+              <a:spcBef>
+                <a:spcPts val="0"/>
+              </a:spcBef>
+              <a:spcAft>
+                <a:spcPts val="0"/>
+              </a:spcAft>
+              <a:buNone/>
             </a:pPr>
             <a:r>
               <a:rPr lang="es" sz="1500"/>
-              <a:t>El conjunto de entrenamiento es dividido aleatoriamente en k subconjuntos de igual tamaño.</a:t>
+              <a:t>Conjunto de entrenamiento </a:t>
+            </a:r>
+            <a:r>
+              <a:rPr b="1" lang="es" sz="1500"/>
+              <a:t>(training set)</a:t>
+            </a:r>
+            <a:r>
+              <a:rPr lang="es" sz="1500"/>
+              <a:t>: datos/observaciones con las que se entrena el modelo.</a:t>
             </a:r>
             <a:endParaRPr sz="1500"/>
           </a:p>
           <a:p>
-            <a:pPr indent="-323850" lvl="0" marL="457200" rtl="0" algn="l">
-              <a:spcBef>
-                <a:spcPts val="0"/>
-              </a:spcBef>
-              <a:spcAft>
-                <a:spcPts val="0"/>
-              </a:spcAft>
-              <a:buSzPts val="1500"/>
-              <a:buChar char="●"/>
+            <a:pPr indent="0" lvl="0" marL="0" rtl="0" algn="just">
+              <a:spcBef>
+                <a:spcPts val="800"/>
+              </a:spcBef>
+              <a:spcAft>
+                <a:spcPts val="0"/>
+              </a:spcAft>
+              <a:buNone/>
             </a:pPr>
             <a:r>
-              <a:rPr lang="es" sz="1500"/>
-              <a:t>El clasificador es entrenado k veces, cada vez con un diferente conjunto de prueba.</a:t>
+              <a:t/>
             </a:r>
             <a:endParaRPr sz="1500"/>
           </a:p>
           <a:p>
-            <a:pPr indent="-323850" lvl="0" marL="457200" rtl="0" algn="l">
-              <a:spcBef>
-                <a:spcPts val="0"/>
-              </a:spcBef>
-              <a:spcAft>
-                <a:spcPts val="0"/>
-              </a:spcAft>
-              <a:buSzPts val="1500"/>
-              <a:buChar char="●"/>
+            <a:pPr indent="0" lvl="0" marL="0" rtl="0" algn="just">
+              <a:spcBef>
+                <a:spcPts val="800"/>
+              </a:spcBef>
+              <a:spcAft>
+                <a:spcPts val="0"/>
+              </a:spcAft>
+              <a:buNone/>
             </a:pPr>
             <a:r>
               <a:rPr lang="es" sz="1500"/>
-              <a:t>El desempeño del clasificador es la media de los k pliegues.</a:t>
+              <a:t>Conjunto de validación y conjunto de prueba </a:t>
+            </a:r>
+            <a:r>
+              <a:rPr b="1" lang="es" sz="1500"/>
+              <a:t>(validation set y test set)</a:t>
+            </a:r>
+            <a:r>
+              <a:rPr lang="es" sz="1500"/>
+              <a:t>: datos/observaciones del mismo tipo que las que forman el conjunto de entrenamiento pero que no se han empleado en la creación del modelo. Son datos que el modelo no ha “visto”.</a:t>
             </a:r>
             <a:endParaRPr sz="1500"/>
+          </a:p>
+          <a:p>
+            <a:pPr indent="0" lvl="0" marL="0" rtl="0" algn="just">
+              <a:spcBef>
+                <a:spcPts val="800"/>
+              </a:spcBef>
+              <a:spcAft>
+                <a:spcPts val="0"/>
+              </a:spcAft>
+              <a:buNone/>
+            </a:pPr>
+            <a:r>
+              <a:t/>
+            </a:r>
+            <a:endParaRPr sz="1500"/>
+          </a:p>
+          <a:p>
+            <a:pPr indent="0" lvl="0" marL="0" rtl="0" algn="just">
+              <a:spcBef>
+                <a:spcPts val="800"/>
+              </a:spcBef>
+              <a:spcAft>
+                <a:spcPts val="0"/>
+              </a:spcAft>
+              <a:buNone/>
+            </a:pPr>
+            <a:r>
+              <a:rPr lang="es" sz="1500"/>
+              <a:t>¿Qué pasaría si entrenamos con todos los datos disponibles?</a:t>
+            </a:r>
+            <a:endParaRPr sz="1500"/>
+          </a:p>
+          <a:p>
+            <a:pPr indent="0" lvl="0" marL="0" rtl="0" algn="l">
+              <a:spcBef>
+                <a:spcPts val="800"/>
+              </a:spcBef>
+              <a:spcAft>
+                <a:spcPts val="1600"/>
+              </a:spcAft>
+              <a:buNone/>
+            </a:pPr>
+            <a:r>
+              <a:t/>
+            </a:r>
+            <a:endParaRPr/>
           </a:p>
         </p:txBody>
       </p:sp>
-      <p:pic>
-        <p:nvPicPr>
-          <p:cNvPr id="87" name="Google Shape;87;p17"/>
-          <p:cNvPicPr preferRelativeResize="0"/>
-          <p:nvPr/>
-        </p:nvPicPr>
-        <p:blipFill rotWithShape="1">
-          <a:blip r:embed="rId3">
-            <a:alphaModFix/>
-          </a:blip>
-          <a:srcRect b="0" l="0" r="0" t="6437"/>
-          <a:stretch/>
-        </p:blipFill>
-        <p:spPr>
-          <a:xfrm>
-            <a:off x="2286000" y="2571750"/>
-            <a:ext cx="4572001" cy="2571749"/>
-          </a:xfrm>
-          <a:prstGeom prst="rect">
-            <a:avLst/>
-          </a:prstGeom>
-          <a:noFill/>
-          <a:ln>
-            <a:noFill/>
-          </a:ln>
-        </p:spPr>
-      </p:pic>
     </p:spTree>
   </p:cSld>
   <p:clrMapOvr>
@@ -7511,7 +10571,7 @@
   <p:cSld>
     <p:spTree>
       <p:nvGrpSpPr>
-        <p:cNvPr id="91" name="Shape 91"/>
+        <p:cNvPr id="96" name="Shape 96"/>
         <p:cNvGrpSpPr/>
         <p:nvPr/>
       </p:nvGrpSpPr>
@@ -7525,7 +10585,7 @@
       </p:grpSpPr>
       <p:sp>
         <p:nvSpPr>
-          <p:cNvPr id="92" name="Google Shape;92;p18"/>
+          <p:cNvPr id="97" name="Google Shape;97;p18"/>
           <p:cNvSpPr txBox="1"/>
           <p:nvPr>
             <p:ph type="title"/>
@@ -7533,15 +10593,15 @@
         </p:nvSpPr>
         <p:spPr>
           <a:xfrm>
-            <a:off x="311700" y="292850"/>
-            <a:ext cx="8520600" cy="801000"/>
+            <a:off x="490250" y="526350"/>
+            <a:ext cx="8159700" cy="4090800"/>
           </a:xfrm>
           <a:prstGeom prst="rect">
             <a:avLst/>
           </a:prstGeom>
         </p:spPr>
         <p:txBody>
-          <a:bodyPr anchorCtr="0" anchor="t" bIns="91425" lIns="91425" spcFirstLastPara="1" rIns="91425" wrap="square" tIns="91425">
+          <a:bodyPr anchorCtr="0" anchor="ctr" bIns="91425" lIns="91425" spcFirstLastPara="1" rIns="91425" wrap="square" tIns="91425">
             <a:noAutofit/>
           </a:bodyPr>
           <a:lstStyle/>
@@ -7557,122 +10617,7 @@
             </a:pPr>
             <a:r>
               <a:rPr lang="es"/>
-              <a:t>Leave-one-out validation </a:t>
-            </a:r>
-            <a:endParaRPr/>
-          </a:p>
-        </p:txBody>
-      </p:sp>
-      <p:sp>
-        <p:nvSpPr>
-          <p:cNvPr id="93" name="Google Shape;93;p18"/>
-          <p:cNvSpPr txBox="1"/>
-          <p:nvPr>
-            <p:ph idx="1" type="body"/>
-          </p:nvPr>
-        </p:nvSpPr>
-        <p:spPr>
-          <a:xfrm>
-            <a:off x="311700" y="1228675"/>
-            <a:ext cx="8520600" cy="3340200"/>
-          </a:xfrm>
-          <a:prstGeom prst="rect">
-            <a:avLst/>
-          </a:prstGeom>
-        </p:spPr>
-        <p:txBody>
-          <a:bodyPr anchorCtr="0" anchor="t" bIns="91425" lIns="91425" spcFirstLastPara="1" rIns="91425" wrap="square" tIns="91425">
-            <a:noAutofit/>
-          </a:bodyPr>
-          <a:lstStyle/>
-          <a:p>
-            <a:pPr indent="-342900" lvl="0" marL="457200" rtl="0" algn="l">
-              <a:spcBef>
-                <a:spcPts val="0"/>
-              </a:spcBef>
-              <a:spcAft>
-                <a:spcPts val="0"/>
-              </a:spcAft>
-              <a:buSzPts val="1800"/>
-              <a:buChar char="●"/>
-            </a:pPr>
-            <a:r>
-              <a:rPr lang="es"/>
-              <a:t>Se trata de una variante del k-cross fold validation, donde </a:t>
-            </a:r>
-            <a:r>
-              <a:rPr i="1" lang="es"/>
-              <a:t>k=n</a:t>
-            </a:r>
-            <a:r>
-              <a:rPr lang="es"/>
-              <a:t>, </a:t>
-            </a:r>
-            <a:r>
-              <a:rPr i="1" lang="es"/>
-              <a:t>n </a:t>
-            </a:r>
-            <a:r>
-              <a:rPr lang="es"/>
-              <a:t>es el número total de muestras en el dataset.</a:t>
-            </a:r>
-            <a:endParaRPr/>
-          </a:p>
-          <a:p>
-            <a:pPr indent="-342900" lvl="0" marL="457200" rtl="0" algn="l">
-              <a:spcBef>
-                <a:spcPts val="0"/>
-              </a:spcBef>
-              <a:spcAft>
-                <a:spcPts val="0"/>
-              </a:spcAft>
-              <a:buSzPts val="1800"/>
-              <a:buChar char="●"/>
-            </a:pPr>
-            <a:r>
-              <a:rPr lang="es"/>
-              <a:t>Se realizan </a:t>
-            </a:r>
-            <a:r>
-              <a:rPr i="1" lang="es"/>
-              <a:t>n</a:t>
-            </a:r>
-            <a:r>
-              <a:rPr lang="es"/>
-              <a:t> experimentos usando </a:t>
-            </a:r>
-            <a:r>
-              <a:rPr i="1" lang="es"/>
-              <a:t>n-1</a:t>
-            </a:r>
-            <a:r>
-              <a:rPr lang="es"/>
-              <a:t> muestras como </a:t>
-            </a:r>
-            <a:r>
-              <a:rPr lang="es"/>
-              <a:t>entrenamiento</a:t>
-            </a:r>
-            <a:r>
-              <a:rPr lang="es"/>
-              <a:t> y el restante como prueba.</a:t>
-            </a:r>
-            <a:endParaRPr/>
-          </a:p>
-          <a:p>
-            <a:pPr indent="-342900" lvl="0" marL="457200" rtl="0" algn="l">
-              <a:spcBef>
-                <a:spcPts val="0"/>
-              </a:spcBef>
-              <a:spcAft>
-                <a:spcPts val="0"/>
-              </a:spcAft>
-              <a:buSzPts val="1800"/>
-              <a:buChar char="●"/>
-            </a:pPr>
-            <a:r>
-              <a:rPr lang="es"/>
-              <a:t>Es muy costoso computacionalmente. </a:t>
+              <a:t>OVERFITTING VS UNDERFITTING </a:t>
             </a:r>
             <a:endParaRPr/>
           </a:p>
@@ -7691,7 +10636,7 @@
   <p:cSld>
     <p:spTree>
       <p:nvGrpSpPr>
-        <p:cNvPr id="97" name="Shape 97"/>
+        <p:cNvPr id="101" name="Shape 101"/>
         <p:cNvGrpSpPr/>
         <p:nvPr/>
       </p:nvGrpSpPr>
@@ -7705,7 +10650,7 @@
       </p:grpSpPr>
       <p:sp>
         <p:nvSpPr>
-          <p:cNvPr id="98" name="Google Shape;98;p19"/>
+          <p:cNvPr id="102" name="Google Shape;102;p19"/>
           <p:cNvSpPr txBox="1"/>
           <p:nvPr>
             <p:ph type="title"/>
@@ -7737,7 +10682,7 @@
             </a:pPr>
             <a:r>
               <a:rPr lang="es"/>
-              <a:t>Bootstrap aggregation (bagging)</a:t>
+              <a:t>Overfitting VS UNDERFITTING </a:t>
             </a:r>
             <a:endParaRPr/>
           </a:p>
@@ -7745,7 +10690,7 @@
       </p:sp>
       <p:sp>
         <p:nvSpPr>
-          <p:cNvPr id="99" name="Google Shape;99;p19"/>
+          <p:cNvPr id="103" name="Google Shape;103;p19"/>
           <p:cNvSpPr txBox="1"/>
           <p:nvPr>
             <p:ph idx="1" type="body"/>
@@ -7753,7 +10698,7 @@
         </p:nvSpPr>
         <p:spPr>
           <a:xfrm>
-            <a:off x="311700" y="1211275"/>
+            <a:off x="311700" y="1228675"/>
             <a:ext cx="8520600" cy="3340200"/>
           </a:xfrm>
           <a:prstGeom prst="rect">
@@ -7766,133 +10711,18 @@
           </a:bodyPr>
           <a:lstStyle/>
           <a:p>
-            <a:pPr indent="-323850" lvl="0" marL="457200" rtl="0" algn="just">
-              <a:spcBef>
-                <a:spcPts val="0"/>
-              </a:spcBef>
-              <a:spcAft>
-                <a:spcPts val="0"/>
-              </a:spcAft>
-              <a:buSzPts val="1500"/>
-              <a:buChar char="●"/>
+            <a:pPr indent="0" lvl="0" marL="0" rtl="0" algn="l">
+              <a:spcBef>
+                <a:spcPts val="0"/>
+              </a:spcBef>
+              <a:spcAft>
+                <a:spcPts val="1600"/>
+              </a:spcAft>
+              <a:buNone/>
             </a:pPr>
             <a:r>
-              <a:rPr lang="es" sz="1500"/>
-              <a:t>Es un tipo de re-muestreo aleatorio con reemplazo.</a:t>
-            </a:r>
-            <a:endParaRPr sz="1500"/>
-          </a:p>
-          <a:p>
-            <a:pPr indent="-323850" lvl="0" marL="457200" rtl="0" algn="just">
-              <a:spcBef>
-                <a:spcPts val="0"/>
-              </a:spcBef>
-              <a:spcAft>
-                <a:spcPts val="0"/>
-              </a:spcAft>
-              <a:buSzPts val="1500"/>
-              <a:buChar char="●"/>
-            </a:pPr>
-            <a:r>
-              <a:rPr lang="es" sz="1500"/>
-              <a:t>Para un conjunto de entrenamiento </a:t>
-            </a:r>
-            <a:r>
-              <a:rPr i="1" lang="es" sz="1500"/>
-              <a:t>T</a:t>
-            </a:r>
-            <a:r>
-              <a:rPr lang="es" sz="1500"/>
-              <a:t> de tamaño </a:t>
-            </a:r>
-            <a:r>
-              <a:rPr i="1" lang="es" sz="1500"/>
-              <a:t>n</a:t>
-            </a:r>
-            <a:r>
-              <a:rPr lang="es" sz="1500"/>
-              <a:t>, se generan m nuevos conjuntos de entrenamiento </a:t>
-            </a:r>
-            <a:r>
-              <a:rPr i="1" lang="es" sz="1500"/>
-              <a:t>T’</a:t>
-            </a:r>
-            <a:r>
-              <a:rPr lang="es" sz="1500"/>
-              <a:t>, cada uno de tamaño </a:t>
-            </a:r>
-            <a:r>
-              <a:rPr i="1" lang="es" sz="1500"/>
-              <a:t>n’&lt;n</a:t>
-            </a:r>
-            <a:r>
-              <a:rPr lang="es" sz="1500"/>
-              <a:t> a través del muestreo de uniforme de </a:t>
-            </a:r>
-            <a:r>
-              <a:rPr i="1" lang="es" sz="1500"/>
-              <a:t>T</a:t>
-            </a:r>
-            <a:r>
-              <a:rPr lang="es" sz="1500"/>
-              <a:t>.</a:t>
-            </a:r>
-            <a:endParaRPr sz="1500"/>
-          </a:p>
-          <a:p>
-            <a:pPr indent="-323850" lvl="0" marL="457200" rtl="0" algn="just">
-              <a:spcBef>
-                <a:spcPts val="0"/>
-              </a:spcBef>
-              <a:spcAft>
-                <a:spcPts val="0"/>
-              </a:spcAft>
-              <a:buSzPts val="1500"/>
-              <a:buChar char="●"/>
-            </a:pPr>
-            <a:r>
-              <a:rPr lang="es" sz="1500"/>
-              <a:t>Como consecuencia del remuestreo se pueden tener entradas repetidas. </a:t>
-            </a:r>
-            <a:endParaRPr sz="1500"/>
-          </a:p>
-          <a:p>
-            <a:pPr indent="-323850" lvl="0" marL="457200" rtl="0" algn="just">
-              <a:spcBef>
-                <a:spcPts val="0"/>
-              </a:spcBef>
-              <a:spcAft>
-                <a:spcPts val="0"/>
-              </a:spcAft>
-              <a:buSzPts val="1500"/>
-              <a:buChar char="●"/>
-            </a:pPr>
-            <a:r>
-              <a:rPr lang="es" sz="1500"/>
-              <a:t>Se entrenan los </a:t>
-            </a:r>
-            <a:r>
-              <a:rPr i="1" lang="es" sz="1500"/>
-              <a:t>m</a:t>
-            </a:r>
-            <a:r>
-              <a:rPr lang="es" sz="1500"/>
-              <a:t> modelos estadísticos (clasificadores o regresores), finalmente los modelos son combinados por promediando o por votando.</a:t>
-            </a:r>
-            <a:endParaRPr sz="1500"/>
-          </a:p>
-          <a:p>
-            <a:pPr indent="0" lvl="0" marL="0" rtl="0" algn="l">
-              <a:spcBef>
-                <a:spcPts val="1600"/>
-              </a:spcBef>
-              <a:spcAft>
-                <a:spcPts val="1600"/>
-              </a:spcAft>
-              <a:buNone/>
-            </a:pPr>
-            <a:r>
-              <a:t/>
+              <a:rPr lang="es"/>
+              <a:t>El objetivo es obtener un clasificador robusto y generalizable. </a:t>
             </a:r>
             <a:endParaRPr/>
           </a:p>
@@ -7900,7 +10730,7 @@
       </p:sp>
       <p:pic>
         <p:nvPicPr>
-          <p:cNvPr id="100" name="Google Shape;100;p19"/>
+          <p:cNvPr id="104" name="Google Shape;104;p19"/>
           <p:cNvPicPr preferRelativeResize="0"/>
           <p:nvPr/>
         </p:nvPicPr>
@@ -7908,13 +10738,264 @@
           <a:blip r:embed="rId3">
             <a:alphaModFix/>
           </a:blip>
-          <a:srcRect b="9305" l="37117" r="37755" t="65483"/>
+          <a:srcRect b="15792" l="26976" r="25902" t="52742"/>
           <a:stretch/>
         </p:blipFill>
         <p:spPr>
           <a:xfrm>
-            <a:off x="2950325" y="3225275"/>
-            <a:ext cx="3306226" cy="1866000"/>
+            <a:off x="1414601" y="2109625"/>
+            <a:ext cx="6173026" cy="2318749"/>
+          </a:xfrm>
+          <a:prstGeom prst="rect">
+            <a:avLst/>
+          </a:prstGeom>
+          <a:noFill/>
+          <a:ln>
+            <a:noFill/>
+          </a:ln>
+        </p:spPr>
+      </p:pic>
+    </p:spTree>
+  </p:cSld>
+  <p:clrMapOvr>
+    <a:masterClrMapping/>
+  </p:clrMapOvr>
+</p:sld>
+</file>
+
+<file path=ppt/slides/slide8.xml><?xml version="1.0" encoding="utf-8"?>
+<p:sld xmlns:a="http://schemas.openxmlformats.org/drawingml/2006/main" xmlns:r="http://schemas.openxmlformats.org/officeDocument/2006/relationships" xmlns:mc="http://schemas.openxmlformats.org/markup-compatibility/2006" xmlns:mv="urn:schemas-microsoft-com:mac:vml" xmlns:p="http://schemas.openxmlformats.org/presentationml/2006/main" xmlns:c="http://schemas.openxmlformats.org/drawingml/2006/chart" xmlns:dgm="http://schemas.openxmlformats.org/drawingml/2006/diagram" xmlns:o="urn:schemas-microsoft-com:office:office" xmlns:v="urn:schemas-microsoft-com:vml" xmlns:pvml="urn:schemas-microsoft-com:office:powerpoint" xmlns:com="http://schemas.openxmlformats.org/drawingml/2006/compatibility" xmlns:p14="http://schemas.microsoft.com/office/powerpoint/2010/main" xmlns:p15="http://schemas.microsoft.com/office/powerpoint/2012/main" xmlns:ahyp="http://schemas.microsoft.com/office/drawing/2018/hyperlinkcolor">
+  <p:cSld>
+    <p:spTree>
+      <p:nvGrpSpPr>
+        <p:cNvPr id="108" name="Shape 108"/>
+        <p:cNvGrpSpPr/>
+        <p:nvPr/>
+      </p:nvGrpSpPr>
+      <p:grpSpPr>
+        <a:xfrm>
+          <a:off x="0" y="0"/>
+          <a:ext cx="0" cy="0"/>
+          <a:chOff x="0" y="0"/>
+          <a:chExt cx="0" cy="0"/>
+        </a:xfrm>
+      </p:grpSpPr>
+      <p:sp>
+        <p:nvSpPr>
+          <p:cNvPr id="109" name="Google Shape;109;p20"/>
+          <p:cNvSpPr txBox="1"/>
+          <p:nvPr>
+            <p:ph type="title"/>
+          </p:nvPr>
+        </p:nvSpPr>
+        <p:spPr>
+          <a:xfrm>
+            <a:off x="311700" y="292850"/>
+            <a:ext cx="8520600" cy="801000"/>
+          </a:xfrm>
+          <a:prstGeom prst="rect">
+            <a:avLst/>
+          </a:prstGeom>
+        </p:spPr>
+        <p:txBody>
+          <a:bodyPr anchorCtr="0" anchor="t" bIns="91425" lIns="91425" spcFirstLastPara="1" rIns="91425" wrap="square" tIns="91425">
+            <a:noAutofit/>
+          </a:bodyPr>
+          <a:lstStyle/>
+          <a:p>
+            <a:pPr indent="0" lvl="0" marL="0" rtl="0" algn="l">
+              <a:spcBef>
+                <a:spcPts val="0"/>
+              </a:spcBef>
+              <a:spcAft>
+                <a:spcPts val="0"/>
+              </a:spcAft>
+              <a:buNone/>
+            </a:pPr>
+            <a:r>
+              <a:t/>
+            </a:r>
+            <a:endParaRPr/>
+          </a:p>
+        </p:txBody>
+      </p:sp>
+      <p:sp>
+        <p:nvSpPr>
+          <p:cNvPr id="110" name="Google Shape;110;p20"/>
+          <p:cNvSpPr txBox="1"/>
+          <p:nvPr>
+            <p:ph idx="1" type="body"/>
+          </p:nvPr>
+        </p:nvSpPr>
+        <p:spPr>
+          <a:xfrm>
+            <a:off x="311700" y="1228675"/>
+            <a:ext cx="8520600" cy="3340200"/>
+          </a:xfrm>
+          <a:prstGeom prst="rect">
+            <a:avLst/>
+          </a:prstGeom>
+        </p:spPr>
+        <p:txBody>
+          <a:bodyPr anchorCtr="0" anchor="t" bIns="91425" lIns="91425" spcFirstLastPara="1" rIns="91425" wrap="square" tIns="91425">
+            <a:noAutofit/>
+          </a:bodyPr>
+          <a:lstStyle/>
+          <a:p>
+            <a:pPr indent="0" lvl="0" marL="0" rtl="0" algn="l">
+              <a:spcBef>
+                <a:spcPts val="0"/>
+              </a:spcBef>
+              <a:spcAft>
+                <a:spcPts val="1600"/>
+              </a:spcAft>
+              <a:buNone/>
+            </a:pPr>
+            <a:r>
+              <a:t/>
+            </a:r>
+            <a:endParaRPr/>
+          </a:p>
+        </p:txBody>
+      </p:sp>
+      <p:pic>
+        <p:nvPicPr>
+          <p:cNvPr id="111" name="Google Shape;111;p20"/>
+          <p:cNvPicPr preferRelativeResize="0"/>
+          <p:nvPr/>
+        </p:nvPicPr>
+        <p:blipFill>
+          <a:blip r:embed="rId3">
+            <a:alphaModFix/>
+          </a:blip>
+          <a:stretch>
+            <a:fillRect/>
+          </a:stretch>
+        </p:blipFill>
+        <p:spPr>
+          <a:xfrm>
+            <a:off x="1647550" y="270762"/>
+            <a:ext cx="6219100" cy="4601975"/>
+          </a:xfrm>
+          <a:prstGeom prst="rect">
+            <a:avLst/>
+          </a:prstGeom>
+          <a:noFill/>
+          <a:ln>
+            <a:noFill/>
+          </a:ln>
+        </p:spPr>
+      </p:pic>
+    </p:spTree>
+  </p:cSld>
+  <p:clrMapOvr>
+    <a:masterClrMapping/>
+  </p:clrMapOvr>
+</p:sld>
+</file>
+
+<file path=ppt/slides/slide9.xml><?xml version="1.0" encoding="utf-8"?>
+<p:sld xmlns:a="http://schemas.openxmlformats.org/drawingml/2006/main" xmlns:r="http://schemas.openxmlformats.org/officeDocument/2006/relationships" xmlns:mc="http://schemas.openxmlformats.org/markup-compatibility/2006" xmlns:mv="urn:schemas-microsoft-com:mac:vml" xmlns:p="http://schemas.openxmlformats.org/presentationml/2006/main" xmlns:c="http://schemas.openxmlformats.org/drawingml/2006/chart" xmlns:dgm="http://schemas.openxmlformats.org/drawingml/2006/diagram" xmlns:o="urn:schemas-microsoft-com:office:office" xmlns:v="urn:schemas-microsoft-com:vml" xmlns:pvml="urn:schemas-microsoft-com:office:powerpoint" xmlns:com="http://schemas.openxmlformats.org/drawingml/2006/compatibility" xmlns:p14="http://schemas.microsoft.com/office/powerpoint/2010/main" xmlns:p15="http://schemas.microsoft.com/office/powerpoint/2012/main" xmlns:ahyp="http://schemas.microsoft.com/office/drawing/2018/hyperlinkcolor">
+  <p:cSld>
+    <p:spTree>
+      <p:nvGrpSpPr>
+        <p:cNvPr id="115" name="Shape 115"/>
+        <p:cNvGrpSpPr/>
+        <p:nvPr/>
+      </p:nvGrpSpPr>
+      <p:grpSpPr>
+        <a:xfrm>
+          <a:off x="0" y="0"/>
+          <a:ext cx="0" cy="0"/>
+          <a:chOff x="0" y="0"/>
+          <a:chExt cx="0" cy="0"/>
+        </a:xfrm>
+      </p:grpSpPr>
+      <p:sp>
+        <p:nvSpPr>
+          <p:cNvPr id="116" name="Google Shape;116;p21"/>
+          <p:cNvSpPr txBox="1"/>
+          <p:nvPr>
+            <p:ph idx="1" type="body"/>
+          </p:nvPr>
+        </p:nvSpPr>
+        <p:spPr>
+          <a:xfrm>
+            <a:off x="482475" y="801200"/>
+            <a:ext cx="4580700" cy="3340200"/>
+          </a:xfrm>
+          <a:prstGeom prst="rect">
+            <a:avLst/>
+          </a:prstGeom>
+        </p:spPr>
+        <p:txBody>
+          <a:bodyPr anchorCtr="0" anchor="t" bIns="91425" lIns="91425" spcFirstLastPara="1" rIns="91425" wrap="square" tIns="91425">
+            <a:noAutofit/>
+          </a:bodyPr>
+          <a:lstStyle/>
+          <a:p>
+            <a:pPr indent="0" lvl="0" marL="0" rtl="0" algn="just">
+              <a:spcBef>
+                <a:spcPts val="0"/>
+              </a:spcBef>
+              <a:spcAft>
+                <a:spcPts val="1600"/>
+              </a:spcAft>
+              <a:buNone/>
+            </a:pPr>
+            <a:r>
+              <a:rPr lang="es" sz="1700"/>
+              <a:t>De manera general un alto sesgo o bias indican que el modelo sufre de underfitting y una alta varianza indica que el modelo sufre de overfitting.</a:t>
+            </a:r>
+            <a:endParaRPr sz="1700"/>
+          </a:p>
+        </p:txBody>
+      </p:sp>
+      <p:pic>
+        <p:nvPicPr>
+          <p:cNvPr id="117" name="Google Shape;117;p21"/>
+          <p:cNvPicPr preferRelativeResize="0"/>
+          <p:nvPr/>
+        </p:nvPicPr>
+        <p:blipFill rotWithShape="1">
+          <a:blip r:embed="rId3">
+            <a:alphaModFix/>
+          </a:blip>
+          <a:srcRect b="24299" l="0" r="0" t="0"/>
+          <a:stretch/>
+        </p:blipFill>
+        <p:spPr>
+          <a:xfrm>
+            <a:off x="1329775" y="2780450"/>
+            <a:ext cx="6484450" cy="1910275"/>
+          </a:xfrm>
+          <a:prstGeom prst="rect">
+            <a:avLst/>
+          </a:prstGeom>
+          <a:noFill/>
+          <a:ln>
+            <a:noFill/>
+          </a:ln>
+        </p:spPr>
+      </p:pic>
+      <p:pic>
+        <p:nvPicPr>
+          <p:cNvPr id="118" name="Google Shape;118;p21"/>
+          <p:cNvPicPr preferRelativeResize="0"/>
+          <p:nvPr/>
+        </p:nvPicPr>
+        <p:blipFill>
+          <a:blip r:embed="rId4">
+            <a:alphaModFix/>
+          </a:blip>
+          <a:stretch>
+            <a:fillRect/>
+          </a:stretch>
+        </p:blipFill>
+        <p:spPr>
+          <a:xfrm>
+            <a:off x="5434075" y="572625"/>
+            <a:ext cx="3227924" cy="1999125"/>
           </a:xfrm>
           <a:prstGeom prst="rect">
             <a:avLst/>
